--- a/notes_and_slides/sql_fundamentals_slides.pptx
+++ b/notes_and_slides/sql_fundamentals_slides.pptx
@@ -5,10 +5,10 @@
     <p:sldMasterId id="2147483660" r:id="rId1"/>
   </p:sldMasterIdLst>
   <p:notesMasterIdLst>
-    <p:notesMasterId r:id="rId82"/>
+    <p:notesMasterId r:id="rId81"/>
   </p:notesMasterIdLst>
   <p:handoutMasterIdLst>
-    <p:handoutMasterId r:id="rId83"/>
+    <p:handoutMasterId r:id="rId82"/>
   </p:handoutMasterIdLst>
   <p:sldIdLst>
     <p:sldId id="256" r:id="rId2"/>
@@ -90,7 +90,6 @@
     <p:sldId id="342" r:id="rId78"/>
     <p:sldId id="343" r:id="rId79"/>
     <p:sldId id="344" r:id="rId80"/>
-    <p:sldId id="345" r:id="rId81"/>
   </p:sldIdLst>
   <p:sldSz cx="12192000" cy="6858000"/>
   <p:notesSz cx="6858000" cy="9144000"/>
@@ -281,7 +280,6 @@
             <p14:sldId id="342"/>
             <p14:sldId id="343"/>
             <p14:sldId id="344"/>
-            <p14:sldId id="345"/>
           </p14:sldIdLst>
         </p14:section>
       </p14:sectionLst>
@@ -311,10 +309,6 @@
 <p:cmAuthorLst xmlns:a="http://schemas.openxmlformats.org/drawingml/2006/main" xmlns:r="http://schemas.openxmlformats.org/officeDocument/2006/relationships" xmlns:p="http://schemas.openxmlformats.org/presentationml/2006/main">
   <p:cmAuthor id="2" name="Author" initials="A" lastIdx="0" clrIdx="1"/>
 </p:cmAuthorLst>
-</file>
-
-<file path=ppt/revisionInfo.xml><?xml version="1.0" encoding="utf-8"?>
-<p1510:revInfo xmlns:a="http://schemas.openxmlformats.org/drawingml/2006/main" xmlns:r="http://schemas.openxmlformats.org/officeDocument/2006/relationships" xmlns:p1510="http://schemas.microsoft.com/office/powerpoint/2015/10/main"/>
 </file>
 
 <file path=ppt/handoutMasters/handoutMaster1.xml><?xml version="1.0" encoding="utf-8"?>
@@ -399,7 +393,7 @@
           <a:p>
             <a:fld id="{80680FBE-A8DF-4758-9AC4-3A9E1039168F}" type="datetimeFigureOut">
               <a:rPr lang="en-US" smtClean="0"/>
-              <a:t>6/3/2017</a:t>
+              <a:t>8/23/2017</a:t>
             </a:fld>
             <a:endParaRPr lang="en-US"/>
           </a:p>
@@ -564,7 +558,7 @@
           <a:p>
             <a:fld id="{EC13577B-6902-467D-A26C-08A0DD5E4E03}" type="datetimeFigureOut">
               <a:rPr lang="en-US" smtClean="0"/>
-              <a:t>6/3/2017</a:t>
+              <a:t>8/23/2017</a:t>
             </a:fld>
             <a:endParaRPr lang="en-US"/>
           </a:p>
@@ -1089,7 +1083,7 @@
           <a:p>
             <a:fld id="{8BEEBAAA-29B5-4AF5-BC5F-7E580C29002D}" type="datetimeFigureOut">
               <a:rPr lang="en-US" smtClean="0"/>
-              <a:t>6/3/2017</a:t>
+              <a:t>8/23/2017</a:t>
             </a:fld>
             <a:endParaRPr lang="en-US"/>
           </a:p>
@@ -1870,7 +1864,7 @@
           <a:p>
             <a:fld id="{8BEEBAAA-29B5-4AF5-BC5F-7E580C29002D}" type="datetimeFigureOut">
               <a:rPr lang="en-US" smtClean="0"/>
-              <a:t>6/3/2017</a:t>
+              <a:t>8/23/2017</a:t>
             </a:fld>
             <a:endParaRPr lang="en-US"/>
           </a:p>
@@ -2382,7 +2376,7 @@
           <a:p>
             <a:fld id="{8BEEBAAA-29B5-4AF5-BC5F-7E580C29002D}" type="datetimeFigureOut">
               <a:rPr lang="en-US" smtClean="0"/>
-              <a:t>6/3/2017</a:t>
+              <a:t>8/23/2017</a:t>
             </a:fld>
             <a:endParaRPr lang="en-US"/>
           </a:p>
@@ -14355,15 +14349,7 @@
             </a:r>
             <a:r>
               <a:rPr lang="en-US" b="1" dirty="0"/>
-              <a:t> </a:t>
-            </a:r>
-            <a:r>
-              <a:rPr lang="en-US" b="1" dirty="0" err="1"/>
-              <a:t>station_pressure</a:t>
-            </a:r>
-            <a:r>
-              <a:rPr lang="en-US" b="1" dirty="0"/>
-              <a:t> is null</a:t>
+              <a:t> station_pressure is null</a:t>
             </a:r>
           </a:p>
           <a:p>
@@ -14405,27 +14391,7 @@
                   </a:schemeClr>
                 </a:solidFill>
               </a:rPr>
-              <a:t>WHERE </a:t>
-            </a:r>
-            <a:r>
-              <a:rPr lang="en-US" dirty="0" err="1">
-                <a:solidFill>
-                  <a:schemeClr val="accent5">
-                    <a:lumMod val="75000"/>
-                  </a:schemeClr>
-                </a:solidFill>
-              </a:rPr>
-              <a:t>station_pressure</a:t>
-            </a:r>
-            <a:r>
-              <a:rPr lang="en-US" dirty="0">
-                <a:solidFill>
-                  <a:schemeClr val="accent5">
-                    <a:lumMod val="75000"/>
-                  </a:schemeClr>
-                </a:solidFill>
-              </a:rPr>
-              <a:t> IS NULL;</a:t>
+              <a:t>WHERE station_pressure IS NULL;</a:t>
             </a:r>
           </a:p>
           <a:p>
@@ -28739,7 +28705,9 @@
           </a:xfrm>
         </p:spPr>
         <p:txBody>
-          <a:bodyPr/>
+          <a:bodyPr vert="horz" lIns="91440" tIns="45720" rIns="91440" bIns="45720" rtlCol="0" anchor="t">
+            <a:normAutofit/>
+          </a:bodyPr>
           <a:lstStyle/>
           <a:p>
             <a:pPr marL="0" indent="0">
@@ -28771,7 +28739,7 @@
             </a:r>
             <a:r>
               <a:rPr lang="en-US" dirty="0"/>
-              <a:t> of “Compression platform for mobile and desktop” and a </a:t>
+              <a:t> of “Compression platform for mobile and desktop” and a </a:t>
             </a:r>
             <a:r>
               <a:rPr lang="en-US" dirty="0">
@@ -28779,11 +28747,11 @@
                   <a:srgbClr val="0070C0"/>
                 </a:solidFill>
               </a:rPr>
-              <a:t>PRIMARY_CONTACT_ID</a:t>
+              <a:t>PRIMARY_CONTACT_ATTENDEE_ID</a:t>
             </a:r>
             <a:r>
               <a:rPr lang="en-US" dirty="0"/>
-              <a:t> of 1.</a:t>
+              <a:t> of 1.</a:t>
             </a:r>
           </a:p>
           <a:p>
@@ -28811,19 +28779,7 @@
               <a:rPr lang="en-US" dirty="0">
                 <a:latin typeface="Consolas" panose="020B0609020204030204" pitchFamily="49" charset="0"/>
               </a:rPr>
-              <a:t>VALUES ('Pied </a:t>
-            </a:r>
-            <a:r>
-              <a:rPr lang="en-US" dirty="0" err="1">
-                <a:latin typeface="Consolas" panose="020B0609020204030204" pitchFamily="49" charset="0"/>
-              </a:rPr>
-              <a:t>Piper','Compression</a:t>
-            </a:r>
-            <a:r>
-              <a:rPr lang="en-US" dirty="0">
-                <a:latin typeface="Consolas" panose="020B0609020204030204" pitchFamily="49" charset="0"/>
-              </a:rPr>
-              <a:t> platform for mobile and desktop', 1)</a:t>
+              <a:t>VALUES ('Pied Piper','Compression platform for mobile and desktop', 1)</a:t>
             </a:r>
           </a:p>
         </p:txBody>
@@ -29294,7 +29250,9 @@
           </a:xfrm>
         </p:spPr>
         <p:txBody>
-          <a:bodyPr/>
+          <a:bodyPr vert="horz" lIns="91440" tIns="45720" rIns="91440" bIns="45720" rtlCol="0" anchor="t">
+            <a:normAutofit/>
+          </a:bodyPr>
           <a:lstStyle/>
           <a:p>
             <a:pPr marL="0" indent="0">
@@ -29322,7 +29280,7 @@
                   <a:srgbClr val="0070C0"/>
                 </a:solidFill>
               </a:rPr>
-              <a:t>PRIMARY_CONTACT_ID</a:t>
+              <a:t>PRIMARY_CONTACT_ATTENDEE_ID</a:t>
             </a:r>
             <a:r>
               <a:rPr lang="en-US" dirty="0"/>
@@ -31554,198 +31512,6 @@
       <p:bldP spid="9" grpId="1"/>
     </p:bldLst>
   </p:timing>
-</p:sld>
-</file>
-
-<file path=ppt/slides/slide80.xml><?xml version="1.0" encoding="utf-8"?>
-<p:sld xmlns:a="http://schemas.openxmlformats.org/drawingml/2006/main" xmlns:r="http://schemas.openxmlformats.org/officeDocument/2006/relationships" xmlns:p="http://schemas.openxmlformats.org/presentationml/2006/main">
-  <p:cSld>
-    <p:spTree>
-      <p:nvGrpSpPr>
-        <p:cNvPr id="1" name=""/>
-        <p:cNvGrpSpPr/>
-        <p:nvPr/>
-      </p:nvGrpSpPr>
-      <p:grpSpPr>
-        <a:xfrm>
-          <a:off x="0" y="0"/>
-          <a:ext cx="0" cy="0"/>
-          <a:chOff x="0" y="0"/>
-          <a:chExt cx="0" cy="0"/>
-        </a:xfrm>
-      </p:grpSpPr>
-      <p:sp>
-        <p:nvSpPr>
-          <p:cNvPr id="2" name="Content Placeholder 1"/>
-          <p:cNvSpPr>
-            <a:spLocks noGrp="1"/>
-          </p:cNvSpPr>
-          <p:nvPr>
-            <p:ph sz="half" idx="2"/>
-          </p:nvPr>
-        </p:nvSpPr>
-        <p:spPr>
-          <a:xfrm>
-            <a:off x="541612" y="1431014"/>
-            <a:ext cx="9877515" cy="5162733"/>
-          </a:xfrm>
-        </p:spPr>
-        <p:txBody>
-          <a:bodyPr>
-            <a:normAutofit/>
-          </a:bodyPr>
-          <a:lstStyle/>
-          <a:p>
-            <a:pPr marL="0" indent="0">
-              <a:buNone/>
-            </a:pPr>
-            <a:r>
-              <a:rPr lang="en-US" b="1" dirty="0"/>
-              <a:t>R Resources</a:t>
-            </a:r>
-          </a:p>
-          <a:p>
-            <a:pPr lvl="1"/>
-            <a:r>
-              <a:rPr lang="en-US" dirty="0">
-                <a:hlinkClick r:id="rId2"/>
-              </a:rPr>
-              <a:t>R Programming (Coursera)</a:t>
-            </a:r>
-            <a:endParaRPr lang="en-US" dirty="0"/>
-          </a:p>
-          <a:p>
-            <a:pPr lvl="1"/>
-            <a:r>
-              <a:rPr lang="en-US" dirty="0">
-                <a:hlinkClick r:id="rId3"/>
-              </a:rPr>
-              <a:t>The Art of R Programming (No Starch)</a:t>
-            </a:r>
-            <a:endParaRPr lang="en-US" dirty="0"/>
-          </a:p>
-          <a:p>
-            <a:pPr marL="0" indent="0">
-              <a:buNone/>
-            </a:pPr>
-            <a:r>
-              <a:rPr lang="en-US" b="1" dirty="0"/>
-              <a:t>Python Resources</a:t>
-            </a:r>
-          </a:p>
-          <a:p>
-            <a:pPr lvl="1"/>
-            <a:r>
-              <a:rPr lang="en-US" dirty="0">
-                <a:hlinkClick r:id="rId4"/>
-              </a:rPr>
-              <a:t>Automate the Boring Stuff with Python (No Starch)</a:t>
-            </a:r>
-            <a:endParaRPr lang="en-US" dirty="0"/>
-          </a:p>
-          <a:p>
-            <a:pPr lvl="1"/>
-            <a:r>
-              <a:rPr lang="en-US" dirty="0">
-                <a:hlinkClick r:id="rId5"/>
-              </a:rPr>
-              <a:t>Data Science from Scratch (O’Reilly)</a:t>
-            </a:r>
-            <a:endParaRPr lang="en-US" dirty="0"/>
-          </a:p>
-          <a:p>
-            <a:pPr lvl="1"/>
-            <a:r>
-              <a:rPr lang="en-US" dirty="0">
-                <a:hlinkClick r:id="rId6"/>
-              </a:rPr>
-              <a:t>Essential </a:t>
-            </a:r>
-            <a:r>
-              <a:rPr lang="en-US" dirty="0" err="1">
-                <a:hlinkClick r:id="rId6"/>
-              </a:rPr>
-              <a:t>SQLAlchemy</a:t>
-            </a:r>
-            <a:r>
-              <a:rPr lang="en-US" dirty="0">
-                <a:hlinkClick r:id="rId6"/>
-              </a:rPr>
-              <a:t> (O’Reilly)</a:t>
-            </a:r>
-            <a:endParaRPr lang="en-US" dirty="0"/>
-          </a:p>
-          <a:p>
-            <a:pPr marL="0" indent="0">
-              <a:buNone/>
-            </a:pPr>
-            <a:r>
-              <a:rPr lang="en-US" b="1" dirty="0"/>
-              <a:t>Q&amp;A Assistance</a:t>
-            </a:r>
-          </a:p>
-          <a:p>
-            <a:pPr lvl="1"/>
-            <a:r>
-              <a:rPr lang="en-US" dirty="0">
-                <a:hlinkClick r:id="rId7"/>
-              </a:rPr>
-              <a:t>Stack Overflow</a:t>
-            </a:r>
-            <a:endParaRPr lang="en-US" dirty="0"/>
-          </a:p>
-          <a:p>
-            <a:endParaRPr lang="en-US" sz="2000" dirty="0"/>
-          </a:p>
-          <a:p>
-            <a:pPr lvl="1"/>
-            <a:endParaRPr lang="en-US" sz="1400" dirty="0"/>
-          </a:p>
-          <a:p>
-            <a:pPr lvl="1"/>
-            <a:endParaRPr lang="en-US" sz="1400" dirty="0"/>
-          </a:p>
-          <a:p>
-            <a:pPr lvl="1"/>
-            <a:endParaRPr lang="en-US" dirty="0"/>
-          </a:p>
-          <a:p>
-            <a:endParaRPr lang="en-US" dirty="0"/>
-          </a:p>
-        </p:txBody>
-      </p:sp>
-      <p:sp>
-        <p:nvSpPr>
-          <p:cNvPr id="3" name="Title 2"/>
-          <p:cNvSpPr>
-            <a:spLocks noGrp="1"/>
-          </p:cNvSpPr>
-          <p:nvPr>
-            <p:ph type="title"/>
-          </p:nvPr>
-        </p:nvSpPr>
-        <p:spPr/>
-        <p:txBody>
-          <a:bodyPr/>
-          <a:lstStyle/>
-          <a:p>
-            <a:r>
-              <a:rPr lang="en-US" dirty="0"/>
-              <a:t>What Now?</a:t>
-            </a:r>
-          </a:p>
-        </p:txBody>
-      </p:sp>
-    </p:spTree>
-    <p:extLst>
-      <p:ext uri="{BB962C8B-B14F-4D97-AF65-F5344CB8AC3E}">
-        <p14:creationId xmlns:p14="http://schemas.microsoft.com/office/powerpoint/2010/main" val="3400418694"/>
-      </p:ext>
-    </p:extLst>
-  </p:cSld>
-  <p:clrMapOvr>
-    <a:masterClrMapping/>
-  </p:clrMapOvr>
 </p:sld>
 </file>
 

--- a/notes_and_slides/sql_fundamentals_slides.pptx
+++ b/notes_and_slides/sql_fundamentals_slides.pptx
@@ -309,6 +309,10 @@
 <p:cmAuthorLst xmlns:a="http://schemas.openxmlformats.org/drawingml/2006/main" xmlns:r="http://schemas.openxmlformats.org/officeDocument/2006/relationships" xmlns:p="http://schemas.openxmlformats.org/presentationml/2006/main">
   <p:cmAuthor id="2" name="Author" initials="A" lastIdx="0" clrIdx="1"/>
 </p:cmAuthorLst>
+</file>
+
+<file path=ppt/revisionInfo.xml><?xml version="1.0" encoding="utf-8"?>
+<p1510:revInfo xmlns:a="http://schemas.openxmlformats.org/drawingml/2006/main" xmlns:r="http://schemas.openxmlformats.org/officeDocument/2006/relationships" xmlns:p1510="http://schemas.microsoft.com/office/powerpoint/2015/10/main"/>
 </file>
 
 <file path=ppt/handoutMasters/handoutMaster1.xml><?xml version="1.0" encoding="utf-8"?>
@@ -20370,7 +20374,7 @@
                             </p:stCondLst>
                             <p:childTnLst>
                               <p:par>
-                                <p:cTn id="5" presetID="1" presetClass="entr" presetSubtype="0" fill="hold" nodeType="clickEffect">
+                                <p:cTn id="5" presetID="1" presetClass="entr" presetSubtype="0" fill="hold" grpId="0" nodeType="clickEffect">
                                   <p:stCondLst>
                                     <p:cond delay="0"/>
                                   </p:stCondLst>
@@ -20383,11 +20387,7 @@
                                           </p:stCondLst>
                                         </p:cTn>
                                         <p:tgtEl>
-                                          <p:spTgt spid="5">
-                                            <p:txEl>
-                                              <p:pRg st="4" end="4"/>
-                                            </p:txEl>
-                                          </p:spTgt>
+                                          <p:spTgt spid="5"/>
                                         </p:tgtEl>
                                         <p:attrNameLst>
                                           <p:attrName>style.visibility</p:attrName>
@@ -20427,6 +20427,9 @@
         </p:cTn>
       </p:par>
     </p:tnLst>
+    <p:bldLst>
+      <p:bldP spid="5" grpId="0"/>
+    </p:bldLst>
   </p:timing>
 </p:sld>
 </file>

--- a/notes_and_slides/sql_fundamentals_slides.pptx
+++ b/notes_and_slides/sql_fundamentals_slides.pptx
@@ -397,7 +397,7 @@
           <a:p>
             <a:fld id="{80680FBE-A8DF-4758-9AC4-3A9E1039168F}" type="datetimeFigureOut">
               <a:rPr lang="en-US" smtClean="0"/>
-              <a:t>8/23/2017</a:t>
+              <a:t>8/24/2017</a:t>
             </a:fld>
             <a:endParaRPr lang="en-US"/>
           </a:p>
@@ -562,7 +562,7 @@
           <a:p>
             <a:fld id="{EC13577B-6902-467D-A26C-08A0DD5E4E03}" type="datetimeFigureOut">
               <a:rPr lang="en-US" smtClean="0"/>
-              <a:t>8/23/2017</a:t>
+              <a:t>8/24/2017</a:t>
             </a:fld>
             <a:endParaRPr lang="en-US"/>
           </a:p>
@@ -1087,7 +1087,7 @@
           <a:p>
             <a:fld id="{8BEEBAAA-29B5-4AF5-BC5F-7E580C29002D}" type="datetimeFigureOut">
               <a:rPr lang="en-US" smtClean="0"/>
-              <a:t>8/23/2017</a:t>
+              <a:t>8/24/2017</a:t>
             </a:fld>
             <a:endParaRPr lang="en-US"/>
           </a:p>
@@ -1868,7 +1868,7 @@
           <a:p>
             <a:fld id="{8BEEBAAA-29B5-4AF5-BC5F-7E580C29002D}" type="datetimeFigureOut">
               <a:rPr lang="en-US" smtClean="0"/>
-              <a:t>8/23/2017</a:t>
+              <a:t>8/24/2017</a:t>
             </a:fld>
             <a:endParaRPr lang="en-US"/>
           </a:p>
@@ -2380,7 +2380,7 @@
           <a:p>
             <a:fld id="{8BEEBAAA-29B5-4AF5-BC5F-7E580C29002D}" type="datetimeFigureOut">
               <a:rPr lang="en-US" smtClean="0"/>
-              <a:t>8/23/2017</a:t>
+              <a:t>8/24/2017</a:t>
             </a:fld>
             <a:endParaRPr lang="en-US"/>
           </a:p>
@@ -15626,7 +15626,7 @@
             </a:r>
             <a:r>
               <a:rPr lang="en-US" b="1" dirty="0"/>
-              <a:t> descending\</a:t>
+              <a:t> descending.</a:t>
             </a:r>
             <a:endParaRPr lang="en-US" b="1" dirty="0">
               <a:solidFill>
@@ -20374,7 +20374,7 @@
                             </p:stCondLst>
                             <p:childTnLst>
                               <p:par>
-                                <p:cTn id="5" presetID="1" presetClass="entr" presetSubtype="0" fill="hold" grpId="0" nodeType="clickEffect">
+                                <p:cTn id="5" presetID="1" presetClass="entr" presetSubtype="0" fill="hold" nodeType="clickEffect">
                                   <p:stCondLst>
                                     <p:cond delay="0"/>
                                   </p:stCondLst>
@@ -20387,7 +20387,197 @@
                                           </p:stCondLst>
                                         </p:cTn>
                                         <p:tgtEl>
-                                          <p:spTgt spid="5"/>
+                                          <p:spTgt spid="5">
+                                            <p:txEl>
+                                              <p:pRg st="4" end="4"/>
+                                            </p:txEl>
+                                          </p:spTgt>
+                                        </p:tgtEl>
+                                        <p:attrNameLst>
+                                          <p:attrName>style.visibility</p:attrName>
+                                        </p:attrNameLst>
+                                      </p:cBhvr>
+                                      <p:to>
+                                        <p:strVal val="visible"/>
+                                      </p:to>
+                                    </p:set>
+                                  </p:childTnLst>
+                                </p:cTn>
+                              </p:par>
+                              <p:par>
+                                <p:cTn id="7" presetID="1" presetClass="entr" presetSubtype="0" fill="hold" nodeType="withEffect">
+                                  <p:stCondLst>
+                                    <p:cond delay="0"/>
+                                  </p:stCondLst>
+                                  <p:childTnLst>
+                                    <p:set>
+                                      <p:cBhvr>
+                                        <p:cTn id="8" dur="1" fill="hold">
+                                          <p:stCondLst>
+                                            <p:cond delay="0"/>
+                                          </p:stCondLst>
+                                        </p:cTn>
+                                        <p:tgtEl>
+                                          <p:spTgt spid="5">
+                                            <p:txEl>
+                                              <p:pRg st="5" end="5"/>
+                                            </p:txEl>
+                                          </p:spTgt>
+                                        </p:tgtEl>
+                                        <p:attrNameLst>
+                                          <p:attrName>style.visibility</p:attrName>
+                                        </p:attrNameLst>
+                                      </p:cBhvr>
+                                      <p:to>
+                                        <p:strVal val="visible"/>
+                                      </p:to>
+                                    </p:set>
+                                  </p:childTnLst>
+                                </p:cTn>
+                              </p:par>
+                              <p:par>
+                                <p:cTn id="9" presetID="1" presetClass="entr" presetSubtype="0" fill="hold" nodeType="withEffect">
+                                  <p:stCondLst>
+                                    <p:cond delay="0"/>
+                                  </p:stCondLst>
+                                  <p:childTnLst>
+                                    <p:set>
+                                      <p:cBhvr>
+                                        <p:cTn id="10" dur="1" fill="hold">
+                                          <p:stCondLst>
+                                            <p:cond delay="0"/>
+                                          </p:stCondLst>
+                                        </p:cTn>
+                                        <p:tgtEl>
+                                          <p:spTgt spid="5">
+                                            <p:txEl>
+                                              <p:pRg st="6" end="6"/>
+                                            </p:txEl>
+                                          </p:spTgt>
+                                        </p:tgtEl>
+                                        <p:attrNameLst>
+                                          <p:attrName>style.visibility</p:attrName>
+                                        </p:attrNameLst>
+                                      </p:cBhvr>
+                                      <p:to>
+                                        <p:strVal val="visible"/>
+                                      </p:to>
+                                    </p:set>
+                                  </p:childTnLst>
+                                </p:cTn>
+                              </p:par>
+                              <p:par>
+                                <p:cTn id="11" presetID="1" presetClass="entr" presetSubtype="0" fill="hold" nodeType="withEffect">
+                                  <p:stCondLst>
+                                    <p:cond delay="0"/>
+                                  </p:stCondLst>
+                                  <p:childTnLst>
+                                    <p:set>
+                                      <p:cBhvr>
+                                        <p:cTn id="12" dur="1" fill="hold">
+                                          <p:stCondLst>
+                                            <p:cond delay="0"/>
+                                          </p:stCondLst>
+                                        </p:cTn>
+                                        <p:tgtEl>
+                                          <p:spTgt spid="5">
+                                            <p:txEl>
+                                              <p:pRg st="7" end="7"/>
+                                            </p:txEl>
+                                          </p:spTgt>
+                                        </p:tgtEl>
+                                        <p:attrNameLst>
+                                          <p:attrName>style.visibility</p:attrName>
+                                        </p:attrNameLst>
+                                      </p:cBhvr>
+                                      <p:to>
+                                        <p:strVal val="visible"/>
+                                      </p:to>
+                                    </p:set>
+                                  </p:childTnLst>
+                                </p:cTn>
+                              </p:par>
+                              <p:par>
+                                <p:cTn id="13" presetID="1" presetClass="entr" presetSubtype="0" fill="hold" nodeType="withEffect">
+                                  <p:stCondLst>
+                                    <p:cond delay="0"/>
+                                  </p:stCondLst>
+                                  <p:childTnLst>
+                                    <p:set>
+                                      <p:cBhvr>
+                                        <p:cTn id="14" dur="1" fill="hold">
+                                          <p:stCondLst>
+                                            <p:cond delay="0"/>
+                                          </p:stCondLst>
+                                        </p:cTn>
+                                        <p:tgtEl>
+                                          <p:spTgt spid="5">
+                                            <p:txEl>
+                                              <p:pRg st="9" end="9"/>
+                                            </p:txEl>
+                                          </p:spTgt>
+                                        </p:tgtEl>
+                                        <p:attrNameLst>
+                                          <p:attrName>style.visibility</p:attrName>
+                                        </p:attrNameLst>
+                                      </p:cBhvr>
+                                      <p:to>
+                                        <p:strVal val="visible"/>
+                                      </p:to>
+                                    </p:set>
+                                  </p:childTnLst>
+                                </p:cTn>
+                              </p:par>
+                              <p:par>
+                                <p:cTn id="15" presetID="1" presetClass="entr" presetSubtype="0" fill="hold" nodeType="withEffect">
+                                  <p:stCondLst>
+                                    <p:cond delay="0"/>
+                                  </p:stCondLst>
+                                  <p:childTnLst>
+                                    <p:set>
+                                      <p:cBhvr>
+                                        <p:cTn id="16" dur="1" fill="hold">
+                                          <p:stCondLst>
+                                            <p:cond delay="0"/>
+                                          </p:stCondLst>
+                                        </p:cTn>
+                                        <p:tgtEl>
+                                          <p:spTgt spid="5">
+                                            <p:txEl>
+                                              <p:pRg st="10" end="10"/>
+                                            </p:txEl>
+                                          </p:spTgt>
+                                        </p:tgtEl>
+                                        <p:attrNameLst>
+                                          <p:attrName>style.visibility</p:attrName>
+                                        </p:attrNameLst>
+                                      </p:cBhvr>
+                                      <p:to>
+                                        <p:strVal val="visible"/>
+                                      </p:to>
+                                    </p:set>
+                                  </p:childTnLst>
+                                </p:cTn>
+                              </p:par>
+                              <p:par>
+                                <p:cTn id="17" presetID="1" presetClass="entr" presetSubtype="0" fill="hold" nodeType="withEffect">
+                                  <p:stCondLst>
+                                    <p:cond delay="0"/>
+                                  </p:stCondLst>
+                                  <p:childTnLst>
+                                    <p:set>
+                                      <p:cBhvr>
+                                        <p:cTn id="18" dur="1" fill="hold">
+                                          <p:stCondLst>
+                                            <p:cond delay="0"/>
+                                          </p:stCondLst>
+                                        </p:cTn>
+                                        <p:tgtEl>
+                                          <p:spTgt spid="5">
+                                            <p:txEl>
+                                              <p:pRg st="11" end="11"/>
+                                            </p:txEl>
+                                          </p:spTgt>
                                         </p:tgtEl>
                                         <p:attrNameLst>
                                           <p:attrName>style.visibility</p:attrName>
@@ -20427,9 +20617,6 @@
         </p:cTn>
       </p:par>
     </p:tnLst>
-    <p:bldLst>
-      <p:bldP spid="5" grpId="0"/>
-    </p:bldLst>
   </p:timing>
 </p:sld>
 </file>
@@ -28771,7 +28958,7 @@
               <a:rPr lang="en-US" dirty="0">
                 <a:latin typeface="Consolas" panose="020B0609020204030204" pitchFamily="49" charset="0"/>
               </a:rPr>
-              <a:t>INSERT INTO COMPANY(NAME,DESCRIPTION, PRIMARY_CONTACT_ID) </a:t>
+              <a:t>INSERT INTO COMPANY(NAME,DESCRIPTION, PRIMARY_CONTACT_ATTENDEE_ID) </a:t>
             </a:r>
           </a:p>
           <a:p>
@@ -29316,7 +29503,7 @@
               <a:rPr lang="en-US" dirty="0">
                 <a:latin typeface="Consolas" panose="020B0609020204030204" pitchFamily="49" charset="0"/>
               </a:rPr>
-              <a:t>UPDATE COMPANY SET PRIMARY_CONTACT_ID = 5</a:t>
+              <a:t>UPDATE COMPANY SET PRIMARY_CONTACT_ATTENDEE_ID = 5</a:t>
             </a:r>
           </a:p>
           <a:p>

--- a/notes_and_slides/sql_fundamentals_slides.pptx
+++ b/notes_and_slides/sql_fundamentals_slides.pptx
@@ -397,7 +397,7 @@
           <a:p>
             <a:fld id="{80680FBE-A8DF-4758-9AC4-3A9E1039168F}" type="datetimeFigureOut">
               <a:rPr lang="en-US" smtClean="0"/>
-              <a:t>8/24/2017</a:t>
+              <a:t>9/18/2017</a:t>
             </a:fld>
             <a:endParaRPr lang="en-US"/>
           </a:p>
@@ -562,7 +562,7 @@
           <a:p>
             <a:fld id="{EC13577B-6902-467D-A26C-08A0DD5E4E03}" type="datetimeFigureOut">
               <a:rPr lang="en-US" smtClean="0"/>
-              <a:t>8/24/2017</a:t>
+              <a:t>9/18/2017</a:t>
             </a:fld>
             <a:endParaRPr lang="en-US"/>
           </a:p>
@@ -1087,7 +1087,7 @@
           <a:p>
             <a:fld id="{8BEEBAAA-29B5-4AF5-BC5F-7E580C29002D}" type="datetimeFigureOut">
               <a:rPr lang="en-US" smtClean="0"/>
-              <a:t>8/24/2017</a:t>
+              <a:t>9/18/2017</a:t>
             </a:fld>
             <a:endParaRPr lang="en-US"/>
           </a:p>
@@ -1868,7 +1868,7 @@
           <a:p>
             <a:fld id="{8BEEBAAA-29B5-4AF5-BC5F-7E580C29002D}" type="datetimeFigureOut">
               <a:rPr lang="en-US" smtClean="0"/>
-              <a:t>8/24/2017</a:t>
+              <a:t>9/18/2017</a:t>
             </a:fld>
             <a:endParaRPr lang="en-US"/>
           </a:p>
@@ -2380,7 +2380,7 @@
           <a:p>
             <a:fld id="{8BEEBAAA-29B5-4AF5-BC5F-7E580C29002D}" type="datetimeFigureOut">
               <a:rPr lang="en-US" smtClean="0"/>
-              <a:t>8/24/2017</a:t>
+              <a:t>9/18/2017</a:t>
             </a:fld>
             <a:endParaRPr lang="en-US"/>
           </a:p>
@@ -15768,8 +15768,23 @@
                 </a:solidFill>
                 <a:latin typeface="Consolas" panose="020B0609020204030204" pitchFamily="49" charset="0"/>
               </a:rPr>
-              <a:t>WHERE tornado = 1s</a:t>
-            </a:r>
+              <a:t>WHERE tornado </a:t>
+            </a:r>
+            <a:r>
+              <a:rPr lang="en-US">
+                <a:solidFill>
+                  <a:schemeClr val="tx1"/>
+                </a:solidFill>
+                <a:latin typeface="Consolas" panose="020B0609020204030204" pitchFamily="49" charset="0"/>
+              </a:rPr>
+              <a:t>= 1</a:t>
+            </a:r>
+            <a:endParaRPr lang="en-US" dirty="0">
+              <a:solidFill>
+                <a:schemeClr val="tx1"/>
+              </a:solidFill>
+              <a:latin typeface="Consolas" panose="020B0609020204030204" pitchFamily="49" charset="0"/>
+            </a:endParaRPr>
           </a:p>
           <a:p>
             <a:pPr marL="0" indent="0">

--- a/notes_and_slides/sql_fundamentals_slides.pptx
+++ b/notes_and_slides/sql_fundamentals_slides.pptx
@@ -397,7 +397,7 @@
           <a:p>
             <a:fld id="{80680FBE-A8DF-4758-9AC4-3A9E1039168F}" type="datetimeFigureOut">
               <a:rPr lang="en-US" smtClean="0"/>
-              <a:t>9/18/2017</a:t>
+              <a:t>9/20/2017</a:t>
             </a:fld>
             <a:endParaRPr lang="en-US"/>
           </a:p>
@@ -562,7 +562,7 @@
           <a:p>
             <a:fld id="{EC13577B-6902-467D-A26C-08A0DD5E4E03}" type="datetimeFigureOut">
               <a:rPr lang="en-US" smtClean="0"/>
-              <a:t>9/18/2017</a:t>
+              <a:t>9/20/2017</a:t>
             </a:fld>
             <a:endParaRPr lang="en-US"/>
           </a:p>
@@ -1087,7 +1087,7 @@
           <a:p>
             <a:fld id="{8BEEBAAA-29B5-4AF5-BC5F-7E580C29002D}" type="datetimeFigureOut">
               <a:rPr lang="en-US" smtClean="0"/>
-              <a:t>9/18/2017</a:t>
+              <a:t>9/20/2017</a:t>
             </a:fld>
             <a:endParaRPr lang="en-US"/>
           </a:p>
@@ -1868,7 +1868,7 @@
           <a:p>
             <a:fld id="{8BEEBAAA-29B5-4AF5-BC5F-7E580C29002D}" type="datetimeFigureOut">
               <a:rPr lang="en-US" smtClean="0"/>
-              <a:t>9/18/2017</a:t>
+              <a:t>9/20/2017</a:t>
             </a:fld>
             <a:endParaRPr lang="en-US"/>
           </a:p>
@@ -2380,7 +2380,7 @@
           <a:p>
             <a:fld id="{8BEEBAAA-29B5-4AF5-BC5F-7E580C29002D}" type="datetimeFigureOut">
               <a:rPr lang="en-US" smtClean="0"/>
-              <a:t>9/18/2017</a:t>
+              <a:t>9/20/2017</a:t>
             </a:fld>
             <a:endParaRPr lang="en-US"/>
           </a:p>
@@ -6643,7 +6643,7 @@
         <p:spPr>
           <a:xfrm>
             <a:off x="662910" y="1365697"/>
-            <a:ext cx="8854316" cy="3978275"/>
+            <a:ext cx="8854316" cy="5210949"/>
           </a:xfrm>
         </p:spPr>
         <p:txBody>
@@ -6653,30 +6653,134 @@
           <a:lstStyle/>
           <a:p>
             <a:pPr marL="0" indent="0">
+              <a:lnSpc>
+                <a:spcPct val="170000"/>
+              </a:lnSpc>
               <a:buNone/>
             </a:pPr>
             <a:r>
               <a:rPr lang="en-US" dirty="0"/>
-              <a:t>Thomas Nield</a:t>
+              <a:t> Thomas Nield </a:t>
             </a:r>
           </a:p>
           <a:p>
             <a:pPr marL="0" indent="0">
+              <a:lnSpc>
+                <a:spcPct val="170000"/>
+              </a:lnSpc>
               <a:buNone/>
             </a:pPr>
             <a:r>
               <a:rPr lang="en-US" dirty="0"/>
-              <a:t>Revenue Management at Southwest Airlines</a:t>
+              <a:t> Business Consultant for Southwest Airlines in Schedule Initiatives</a:t>
             </a:r>
           </a:p>
           <a:p>
             <a:pPr marL="0" indent="0">
+              <a:lnSpc>
+                <a:spcPct val="170000"/>
+              </a:lnSpc>
               <a:buNone/>
             </a:pPr>
             <a:r>
               <a:rPr lang="en-US" dirty="0"/>
-              <a:t>Technical Proficiencies: </a:t>
-            </a:r>
+              <a:t> Author of </a:t>
+            </a:r>
+            <a:r>
+              <a:rPr lang="en-US" i="1" dirty="0">
+                <a:solidFill>
+                  <a:srgbClr val="FF0000"/>
+                </a:solidFill>
+              </a:rPr>
+              <a:t>Getting Started with SQL </a:t>
+            </a:r>
+            <a:r>
+              <a:rPr lang="en-US" dirty="0"/>
+              <a:t>by O'Reilly and </a:t>
+            </a:r>
+            <a:r>
+              <a:rPr lang="en-US" i="1" dirty="0">
+                <a:solidFill>
+                  <a:srgbClr val="FF0000"/>
+                </a:solidFill>
+              </a:rPr>
+              <a:t>Learning RxJava</a:t>
+            </a:r>
+            <a:r>
+              <a:rPr lang="en-US" dirty="0">
+                <a:solidFill>
+                  <a:srgbClr val="FF0000"/>
+                </a:solidFill>
+              </a:rPr>
+              <a:t> </a:t>
+            </a:r>
+            <a:r>
+              <a:rPr lang="en-US" dirty="0"/>
+              <a:t>by </a:t>
+            </a:r>
+            <a:r>
+              <a:rPr lang="en-US" dirty="0" err="1"/>
+              <a:t>Packt</a:t>
+            </a:r>
+            <a:endParaRPr lang="en-US" dirty="0"/>
+          </a:p>
+          <a:p>
+            <a:pPr marL="0" indent="0">
+              <a:lnSpc>
+                <a:spcPct val="170000"/>
+              </a:lnSpc>
+              <a:buNone/>
+            </a:pPr>
+            <a:r>
+              <a:rPr lang="en-US" dirty="0"/>
+              <a:t> Teaches a few online trainings at O'Reilly</a:t>
+            </a:r>
+          </a:p>
+          <a:p>
+            <a:pPr marL="154951" lvl="1" indent="0">
+              <a:lnSpc>
+                <a:spcPct val="170000"/>
+              </a:lnSpc>
+              <a:buNone/>
+            </a:pPr>
+            <a:r>
+              <a:rPr lang="en-US" sz="1600" i="1" dirty="0"/>
+              <a:t>SQL Fundamentals for Data</a:t>
+            </a:r>
+            <a:endParaRPr lang="en-US" sz="1600" dirty="0"/>
+          </a:p>
+          <a:p>
+            <a:pPr marL="154951" lvl="1" indent="0">
+              <a:lnSpc>
+                <a:spcPct val="170000"/>
+              </a:lnSpc>
+              <a:buNone/>
+            </a:pPr>
+            <a:r>
+              <a:rPr lang="en-US" sz="1600" i="1" dirty="0"/>
+              <a:t>Advanced SQL for Data Analysis</a:t>
+            </a:r>
+          </a:p>
+          <a:p>
+            <a:pPr marL="154951" lvl="1" indent="0">
+              <a:lnSpc>
+                <a:spcPct val="170000"/>
+              </a:lnSpc>
+              <a:buNone/>
+            </a:pPr>
+            <a:r>
+              <a:rPr lang="en-US" sz="1600" i="1" dirty="0"/>
+              <a:t>Reactive Python for Data Science</a:t>
+            </a:r>
+          </a:p>
+          <a:p>
+            <a:pPr marL="0" indent="0">
+              <a:lnSpc>
+                <a:spcPct val="170000"/>
+              </a:lnSpc>
+              <a:buNone/>
+            </a:pPr>
+            <a:endParaRPr lang="en-US" dirty="0"/>
           </a:p>
         </p:txBody>
       </p:sp>
@@ -6708,251 +6812,6 @@
           </a:p>
         </p:txBody>
       </p:sp>
-      <p:graphicFrame>
-        <p:nvGraphicFramePr>
-          <p:cNvPr id="3" name="Table 2"/>
-          <p:cNvGraphicFramePr>
-            <a:graphicFrameLocks noGrp="1"/>
-          </p:cNvGraphicFramePr>
-          <p:nvPr>
-            <p:extLst>
-              <p:ext uri="{D42A27DB-BD31-4B8C-83A1-F6EECF244321}">
-                <p14:modId xmlns:p14="http://schemas.microsoft.com/office/powerpoint/2010/main" val="1781054811"/>
-              </p:ext>
-            </p:extLst>
-          </p:nvPr>
-        </p:nvGraphicFramePr>
-        <p:xfrm>
-          <a:off x="1389226" y="2855592"/>
-          <a:ext cx="8128000" cy="1463040"/>
-        </p:xfrm>
-        <a:graphic>
-          <a:graphicData uri="http://schemas.openxmlformats.org/drawingml/2006/table">
-            <a:tbl>
-              <a:tblPr firstRow="1" bandRow="1">
-                <a:tableStyleId>{5C22544A-7EE6-4342-B048-85BDC9FD1C3A}</a:tableStyleId>
-              </a:tblPr>
-              <a:tblGrid>
-                <a:gridCol w="4064000">
-                  <a:extLst>
-                    <a:ext uri="{9D8B030D-6E8A-4147-A177-3AD203B41FA5}">
-                      <a16:colId xmlns:a16="http://schemas.microsoft.com/office/drawing/2014/main" val="2808514554"/>
-                    </a:ext>
-                  </a:extLst>
-                </a:gridCol>
-                <a:gridCol w="4064000">
-                  <a:extLst>
-                    <a:ext uri="{9D8B030D-6E8A-4147-A177-3AD203B41FA5}">
-                      <a16:colId xmlns:a16="http://schemas.microsoft.com/office/drawing/2014/main" val="2157734714"/>
-                    </a:ext>
-                  </a:extLst>
-                </a:gridCol>
-              </a:tblGrid>
-              <a:tr h="1463040">
-                <a:tc>
-                  <a:txBody>
-                    <a:bodyPr/>
-                    <a:lstStyle/>
-                    <a:p>
-                      <a:pPr marL="285750" indent="-285750">
-                        <a:buFont typeface="Arial" panose="020B0604020202020204" pitchFamily="34" charset="0"/>
-                        <a:buChar char="•"/>
-                      </a:pPr>
-                      <a:r>
-                        <a:rPr lang="en-US" b="0" baseline="0" dirty="0">
-                          <a:solidFill>
-                            <a:schemeClr val="tx1"/>
-                          </a:solidFill>
-                        </a:rPr>
-                        <a:t>SQL</a:t>
-                      </a:r>
-                    </a:p>
-                    <a:p>
-                      <a:pPr marL="285750" indent="-285750">
-                        <a:buFont typeface="Arial" panose="020B0604020202020204" pitchFamily="34" charset="0"/>
-                        <a:buChar char="•"/>
-                      </a:pPr>
-                      <a:r>
-                        <a:rPr lang="en-US" b="0" baseline="0" dirty="0">
-                          <a:solidFill>
-                            <a:schemeClr val="tx1"/>
-                          </a:solidFill>
-                        </a:rPr>
-                        <a:t>Database design</a:t>
-                      </a:r>
-                    </a:p>
-                    <a:p>
-                      <a:pPr marL="285750" indent="-285750">
-                        <a:buFont typeface="Arial" panose="020B0604020202020204" pitchFamily="34" charset="0"/>
-                        <a:buChar char="•"/>
-                      </a:pPr>
-                      <a:r>
-                        <a:rPr lang="en-US" b="0" baseline="0" dirty="0">
-                          <a:solidFill>
-                            <a:schemeClr val="tx1"/>
-                          </a:solidFill>
-                        </a:rPr>
-                        <a:t>Business analysis</a:t>
-                      </a:r>
-                    </a:p>
-                    <a:p>
-                      <a:pPr marL="285750" indent="-285750">
-                        <a:buFont typeface="Arial" panose="020B0604020202020204" pitchFamily="34" charset="0"/>
-                        <a:buChar char="•"/>
-                      </a:pPr>
-                      <a:r>
-                        <a:rPr lang="en-US" b="0" baseline="0" dirty="0">
-                          <a:solidFill>
-                            <a:schemeClr val="tx1"/>
-                          </a:solidFill>
-                        </a:rPr>
-                        <a:t>UX Design</a:t>
-                      </a:r>
-                    </a:p>
-                    <a:p>
-                      <a:pPr marL="285750" indent="-285750">
-                        <a:buFont typeface="Arial" panose="020B0604020202020204" pitchFamily="34" charset="0"/>
-                        <a:buChar char="•"/>
-                      </a:pPr>
-                      <a:endParaRPr lang="en-US" b="0" baseline="0" dirty="0">
-                        <a:solidFill>
-                          <a:schemeClr val="tx1"/>
-                        </a:solidFill>
-                      </a:endParaRPr>
-                    </a:p>
-                  </a:txBody>
-                  <a:tcPr>
-                    <a:lnL w="12700" cmpd="sng">
-                      <a:noFill/>
-                    </a:lnL>
-                    <a:lnR w="12700" cmpd="sng">
-                      <a:noFill/>
-                    </a:lnR>
-                    <a:lnT w="12700" cmpd="sng">
-                      <a:noFill/>
-                    </a:lnT>
-                    <a:lnB w="38100" cmpd="sng">
-                      <a:noFill/>
-                    </a:lnB>
-                    <a:lnTlToBr w="12700" cmpd="sng">
-                      <a:noFill/>
-                      <a:prstDash val="solid"/>
-                    </a:lnTlToBr>
-                    <a:lnBlToTr w="12700" cmpd="sng">
-                      <a:noFill/>
-                      <a:prstDash val="solid"/>
-                    </a:lnBlToTr>
-                    <a:noFill/>
-                  </a:tcPr>
-                </a:tc>
-                <a:tc>
-                  <a:txBody>
-                    <a:bodyPr/>
-                    <a:lstStyle/>
-                    <a:p>
-                      <a:pPr marL="285750" indent="-285750">
-                        <a:buFont typeface="Arial" panose="020B0604020202020204" pitchFamily="34" charset="0"/>
-                        <a:buChar char="•"/>
-                      </a:pPr>
-                      <a:r>
-                        <a:rPr lang="en-US" b="0" dirty="0">
-                          <a:solidFill>
-                            <a:schemeClr val="tx1"/>
-                          </a:solidFill>
-                        </a:rPr>
-                        <a:t>Java</a:t>
-                      </a:r>
-                    </a:p>
-                    <a:p>
-                      <a:pPr marL="285750" indent="-285750">
-                        <a:buFont typeface="Arial" panose="020B0604020202020204" pitchFamily="34" charset="0"/>
-                        <a:buChar char="•"/>
-                      </a:pPr>
-                      <a:r>
-                        <a:rPr lang="en-US" b="0" dirty="0">
-                          <a:solidFill>
-                            <a:schemeClr val="tx1"/>
-                          </a:solidFill>
-                        </a:rPr>
-                        <a:t>Kotlin</a:t>
-                      </a:r>
-                    </a:p>
-                    <a:p>
-                      <a:pPr marL="285750" indent="-285750">
-                        <a:buFont typeface="Arial" panose="020B0604020202020204" pitchFamily="34" charset="0"/>
-                        <a:buChar char="•"/>
-                      </a:pPr>
-                      <a:r>
-                        <a:rPr lang="en-US" b="0" dirty="0">
-                          <a:solidFill>
-                            <a:schemeClr val="tx1"/>
-                          </a:solidFill>
-                        </a:rPr>
-                        <a:t>Python</a:t>
-                      </a:r>
-                    </a:p>
-                    <a:p>
-                      <a:pPr marL="285750" indent="-285750">
-                        <a:buFont typeface="Arial" panose="020B0604020202020204" pitchFamily="34" charset="0"/>
-                        <a:buChar char="•"/>
-                      </a:pPr>
-                      <a:r>
-                        <a:rPr lang="en-US" b="0" dirty="0">
-                          <a:solidFill>
-                            <a:schemeClr val="tx1"/>
-                          </a:solidFill>
-                        </a:rPr>
-                        <a:t>Reactive</a:t>
-                      </a:r>
-                      <a:r>
-                        <a:rPr lang="en-US" b="0" baseline="0" dirty="0">
-                          <a:solidFill>
-                            <a:schemeClr val="tx1"/>
-                          </a:solidFill>
-                        </a:rPr>
-                        <a:t> programming</a:t>
-                      </a:r>
-                      <a:endParaRPr lang="en-US" b="0" dirty="0">
-                        <a:solidFill>
-                          <a:schemeClr val="tx1"/>
-                        </a:solidFill>
-                      </a:endParaRPr>
-                    </a:p>
-                  </a:txBody>
-                  <a:tcPr>
-                    <a:lnL w="12700" cmpd="sng">
-                      <a:noFill/>
-                    </a:lnL>
-                    <a:lnR w="12700" cmpd="sng">
-                      <a:noFill/>
-                    </a:lnR>
-                    <a:lnT w="12700" cmpd="sng">
-                      <a:noFill/>
-                    </a:lnT>
-                    <a:lnB w="38100" cmpd="sng">
-                      <a:noFill/>
-                    </a:lnB>
-                    <a:lnTlToBr w="12700" cmpd="sng">
-                      <a:noFill/>
-                      <a:prstDash val="solid"/>
-                    </a:lnTlToBr>
-                    <a:lnBlToTr w="12700" cmpd="sng">
-                      <a:noFill/>
-                      <a:prstDash val="solid"/>
-                    </a:lnBlToTr>
-                    <a:noFill/>
-                  </a:tcPr>
-                </a:tc>
-                <a:extLst>
-                  <a:ext uri="{0D108BD9-81ED-4DB2-BD59-A6C34878D82A}">
-                    <a16:rowId xmlns:a16="http://schemas.microsoft.com/office/drawing/2014/main" val="1564151723"/>
-                  </a:ext>
-                </a:extLst>
-              </a:tr>
-            </a:tbl>
-          </a:graphicData>
-        </a:graphic>
-      </p:graphicFrame>
     </p:spTree>
     <p:extLst>
       <p:ext uri="{BB962C8B-B14F-4D97-AF65-F5344CB8AC3E}">
@@ -14876,7 +14735,7 @@
           <a:p>
             <a:r>
               <a:rPr lang="en-US" dirty="0"/>
-              <a:t>Business and IT professionals can both reap benefits from learning SQL</a:t>
+              <a:t>Business and Technology professionals can both reap benefits from learning SQL.</a:t>
             </a:r>
           </a:p>
           <a:p>
@@ -14893,7 +14752,7 @@
             </a:r>
             <a:r>
               <a:rPr lang="en-US" dirty="0"/>
-              <a:t> 2016 Survey</a:t>
+              <a:t> Annual Survey.</a:t>
             </a:r>
           </a:p>
           <a:p>
@@ -14902,7 +14761,7 @@
           <a:p>
             <a:r>
               <a:rPr lang="en-US" dirty="0"/>
-              <a:t>It can be utilized and open up many career paths in both business and IT</a:t>
+              <a:t>It can be utilized and open up many career paths in both business and IT.</a:t>
             </a:r>
           </a:p>
           <a:p>
@@ -14932,7 +14791,7 @@
             </a:pPr>
             <a:r>
               <a:rPr lang="en-US" dirty="0"/>
-              <a:t>IT Side - Database design, database administration (DBA), systems engineering, IT project management, and software development</a:t>
+              <a:t>Technology Side - Database design, database administration (DBA), systems engineering, IT project management, and software development</a:t>
             </a:r>
           </a:p>
         </p:txBody>

--- a/notes_and_slides/sql_fundamentals_slides.pptx
+++ b/notes_and_slides/sql_fundamentals_slides.pptx
@@ -397,7 +397,7 @@
           <a:p>
             <a:fld id="{80680FBE-A8DF-4758-9AC4-3A9E1039168F}" type="datetimeFigureOut">
               <a:rPr lang="en-US" smtClean="0"/>
-              <a:t>9/20/2017</a:t>
+              <a:t>9/21/2017</a:t>
             </a:fld>
             <a:endParaRPr lang="en-US"/>
           </a:p>
@@ -562,7 +562,7 @@
           <a:p>
             <a:fld id="{EC13577B-6902-467D-A26C-08A0DD5E4E03}" type="datetimeFigureOut">
               <a:rPr lang="en-US" smtClean="0"/>
-              <a:t>9/20/2017</a:t>
+              <a:t>9/21/2017</a:t>
             </a:fld>
             <a:endParaRPr lang="en-US"/>
           </a:p>
@@ -1087,7 +1087,7 @@
           <a:p>
             <a:fld id="{8BEEBAAA-29B5-4AF5-BC5F-7E580C29002D}" type="datetimeFigureOut">
               <a:rPr lang="en-US" smtClean="0"/>
-              <a:t>9/20/2017</a:t>
+              <a:t>9/21/2017</a:t>
             </a:fld>
             <a:endParaRPr lang="en-US"/>
           </a:p>
@@ -1868,7 +1868,7 @@
           <a:p>
             <a:fld id="{8BEEBAAA-29B5-4AF5-BC5F-7E580C29002D}" type="datetimeFigureOut">
               <a:rPr lang="en-US" smtClean="0"/>
-              <a:t>9/20/2017</a:t>
+              <a:t>9/21/2017</a:t>
             </a:fld>
             <a:endParaRPr lang="en-US"/>
           </a:p>
@@ -2380,7 +2380,7 @@
           <a:p>
             <a:fld id="{8BEEBAAA-29B5-4AF5-BC5F-7E580C29002D}" type="datetimeFigureOut">
               <a:rPr lang="en-US" smtClean="0"/>
-              <a:t>9/20/2017</a:t>
+              <a:t>9/21/2017</a:t>
             </a:fld>
             <a:endParaRPr lang="en-US"/>
           </a:p>
@@ -27730,7 +27730,7 @@
             <p:ph sz="half" idx="2"/>
             <p:extLst>
               <p:ext uri="{D42A27DB-BD31-4B8C-83A1-F6EECF244321}">
-                <p14:modId xmlns:p14="http://schemas.microsoft.com/office/powerpoint/2010/main" val="2028112317"/>
+                <p14:modId xmlns:p14="http://schemas.microsoft.com/office/powerpoint/2010/main" val="2367076007"/>
               </p:ext>
             </p:extLst>
           </p:nvPr>
@@ -27819,7 +27819,7 @@
                       </a:r>
                       <a:r>
                         <a:rPr lang="en-US" baseline="0" dirty="0"/>
-                        <a:t> positive whole number</a:t>
+                        <a:t> whole number</a:t>
                       </a:r>
                       <a:endParaRPr lang="en-US" dirty="0"/>
                     </a:p>

--- a/notes_and_slides/sql_fundamentals_slides.pptx
+++ b/notes_and_slides/sql_fundamentals_slides.pptx
@@ -5,10 +5,10 @@
     <p:sldMasterId id="2147483660" r:id="rId1"/>
   </p:sldMasterIdLst>
   <p:notesMasterIdLst>
-    <p:notesMasterId r:id="rId81"/>
+    <p:notesMasterId r:id="rId82"/>
   </p:notesMasterIdLst>
   <p:handoutMasterIdLst>
-    <p:handoutMasterId r:id="rId82"/>
+    <p:handoutMasterId r:id="rId83"/>
   </p:handoutMasterIdLst>
   <p:sldIdLst>
     <p:sldId id="256" r:id="rId2"/>
@@ -31,65 +31,66 @@
     <p:sldId id="285" r:id="rId19"/>
     <p:sldId id="286" r:id="rId20"/>
     <p:sldId id="287" r:id="rId21"/>
-    <p:sldId id="288" r:id="rId22"/>
-    <p:sldId id="289" r:id="rId23"/>
-    <p:sldId id="290" r:id="rId24"/>
-    <p:sldId id="291" r:id="rId25"/>
-    <p:sldId id="292" r:id="rId26"/>
-    <p:sldId id="293" r:id="rId27"/>
-    <p:sldId id="294" r:id="rId28"/>
-    <p:sldId id="295" r:id="rId29"/>
-    <p:sldId id="296" r:id="rId30"/>
-    <p:sldId id="297" r:id="rId31"/>
-    <p:sldId id="298" r:id="rId32"/>
-    <p:sldId id="299" r:id="rId33"/>
-    <p:sldId id="300" r:id="rId34"/>
-    <p:sldId id="301" r:id="rId35"/>
-    <p:sldId id="302" r:id="rId36"/>
-    <p:sldId id="303" r:id="rId37"/>
-    <p:sldId id="304" r:id="rId38"/>
-    <p:sldId id="305" r:id="rId39"/>
-    <p:sldId id="306" r:id="rId40"/>
-    <p:sldId id="307" r:id="rId41"/>
-    <p:sldId id="308" r:id="rId42"/>
-    <p:sldId id="309" r:id="rId43"/>
-    <p:sldId id="310" r:id="rId44"/>
-    <p:sldId id="311" r:id="rId45"/>
-    <p:sldId id="312" r:id="rId46"/>
-    <p:sldId id="313" r:id="rId47"/>
-    <p:sldId id="314" r:id="rId48"/>
-    <p:sldId id="317" r:id="rId49"/>
-    <p:sldId id="318" r:id="rId50"/>
-    <p:sldId id="319" r:id="rId51"/>
-    <p:sldId id="320" r:id="rId52"/>
-    <p:sldId id="321" r:id="rId53"/>
-    <p:sldId id="322" r:id="rId54"/>
-    <p:sldId id="323" r:id="rId55"/>
-    <p:sldId id="324" r:id="rId56"/>
-    <p:sldId id="316" r:id="rId57"/>
-    <p:sldId id="325" r:id="rId58"/>
-    <p:sldId id="326" r:id="rId59"/>
-    <p:sldId id="327" r:id="rId60"/>
-    <p:sldId id="346" r:id="rId61"/>
-    <p:sldId id="347" r:id="rId62"/>
-    <p:sldId id="328" r:id="rId63"/>
-    <p:sldId id="329" r:id="rId64"/>
-    <p:sldId id="330" r:id="rId65"/>
-    <p:sldId id="331" r:id="rId66"/>
-    <p:sldId id="332" r:id="rId67"/>
-    <p:sldId id="333" r:id="rId68"/>
-    <p:sldId id="315" r:id="rId69"/>
-    <p:sldId id="334" r:id="rId70"/>
-    <p:sldId id="335" r:id="rId71"/>
-    <p:sldId id="338" r:id="rId72"/>
-    <p:sldId id="337" r:id="rId73"/>
-    <p:sldId id="336" r:id="rId74"/>
-    <p:sldId id="339" r:id="rId75"/>
-    <p:sldId id="340" r:id="rId76"/>
-    <p:sldId id="341" r:id="rId77"/>
-    <p:sldId id="342" r:id="rId78"/>
-    <p:sldId id="343" r:id="rId79"/>
-    <p:sldId id="344" r:id="rId80"/>
+    <p:sldId id="349" r:id="rId22"/>
+    <p:sldId id="288" r:id="rId23"/>
+    <p:sldId id="289" r:id="rId24"/>
+    <p:sldId id="290" r:id="rId25"/>
+    <p:sldId id="291" r:id="rId26"/>
+    <p:sldId id="292" r:id="rId27"/>
+    <p:sldId id="293" r:id="rId28"/>
+    <p:sldId id="294" r:id="rId29"/>
+    <p:sldId id="295" r:id="rId30"/>
+    <p:sldId id="296" r:id="rId31"/>
+    <p:sldId id="297" r:id="rId32"/>
+    <p:sldId id="298" r:id="rId33"/>
+    <p:sldId id="299" r:id="rId34"/>
+    <p:sldId id="300" r:id="rId35"/>
+    <p:sldId id="301" r:id="rId36"/>
+    <p:sldId id="302" r:id="rId37"/>
+    <p:sldId id="303" r:id="rId38"/>
+    <p:sldId id="304" r:id="rId39"/>
+    <p:sldId id="305" r:id="rId40"/>
+    <p:sldId id="306" r:id="rId41"/>
+    <p:sldId id="307" r:id="rId42"/>
+    <p:sldId id="308" r:id="rId43"/>
+    <p:sldId id="309" r:id="rId44"/>
+    <p:sldId id="310" r:id="rId45"/>
+    <p:sldId id="311" r:id="rId46"/>
+    <p:sldId id="312" r:id="rId47"/>
+    <p:sldId id="313" r:id="rId48"/>
+    <p:sldId id="314" r:id="rId49"/>
+    <p:sldId id="317" r:id="rId50"/>
+    <p:sldId id="318" r:id="rId51"/>
+    <p:sldId id="319" r:id="rId52"/>
+    <p:sldId id="320" r:id="rId53"/>
+    <p:sldId id="321" r:id="rId54"/>
+    <p:sldId id="322" r:id="rId55"/>
+    <p:sldId id="323" r:id="rId56"/>
+    <p:sldId id="324" r:id="rId57"/>
+    <p:sldId id="316" r:id="rId58"/>
+    <p:sldId id="325" r:id="rId59"/>
+    <p:sldId id="326" r:id="rId60"/>
+    <p:sldId id="327" r:id="rId61"/>
+    <p:sldId id="346" r:id="rId62"/>
+    <p:sldId id="347" r:id="rId63"/>
+    <p:sldId id="328" r:id="rId64"/>
+    <p:sldId id="329" r:id="rId65"/>
+    <p:sldId id="330" r:id="rId66"/>
+    <p:sldId id="331" r:id="rId67"/>
+    <p:sldId id="332" r:id="rId68"/>
+    <p:sldId id="333" r:id="rId69"/>
+    <p:sldId id="315" r:id="rId70"/>
+    <p:sldId id="334" r:id="rId71"/>
+    <p:sldId id="335" r:id="rId72"/>
+    <p:sldId id="338" r:id="rId73"/>
+    <p:sldId id="337" r:id="rId74"/>
+    <p:sldId id="336" r:id="rId75"/>
+    <p:sldId id="339" r:id="rId76"/>
+    <p:sldId id="340" r:id="rId77"/>
+    <p:sldId id="341" r:id="rId78"/>
+    <p:sldId id="342" r:id="rId79"/>
+    <p:sldId id="343" r:id="rId80"/>
+    <p:sldId id="344" r:id="rId81"/>
   </p:sldIdLst>
   <p:sldSz cx="12192000" cy="6858000"/>
   <p:notesSz cx="6858000" cy="9144000"/>
@@ -221,6 +222,7 @@
             <p14:sldId id="285"/>
             <p14:sldId id="286"/>
             <p14:sldId id="287"/>
+            <p14:sldId id="349"/>
             <p14:sldId id="288"/>
             <p14:sldId id="289"/>
             <p14:sldId id="290"/>
@@ -397,7 +399,7 @@
           <a:p>
             <a:fld id="{80680FBE-A8DF-4758-9AC4-3A9E1039168F}" type="datetimeFigureOut">
               <a:rPr lang="en-US" smtClean="0"/>
-              <a:t>9/21/2017</a:t>
+              <a:t>10/18/2017</a:t>
             </a:fld>
             <a:endParaRPr lang="en-US"/>
           </a:p>
@@ -562,7 +564,7 @@
           <a:p>
             <a:fld id="{EC13577B-6902-467D-A26C-08A0DD5E4E03}" type="datetimeFigureOut">
               <a:rPr lang="en-US" smtClean="0"/>
-              <a:t>9/21/2017</a:t>
+              <a:t>10/18/2017</a:t>
             </a:fld>
             <a:endParaRPr lang="en-US"/>
           </a:p>
@@ -1087,7 +1089,7 @@
           <a:p>
             <a:fld id="{8BEEBAAA-29B5-4AF5-BC5F-7E580C29002D}" type="datetimeFigureOut">
               <a:rPr lang="en-US" smtClean="0"/>
-              <a:t>9/21/2017</a:t>
+              <a:t>10/18/2017</a:t>
             </a:fld>
             <a:endParaRPr lang="en-US"/>
           </a:p>
@@ -1868,7 +1870,7 @@
           <a:p>
             <a:fld id="{8BEEBAAA-29B5-4AF5-BC5F-7E580C29002D}" type="datetimeFigureOut">
               <a:rPr lang="en-US" smtClean="0"/>
-              <a:t>9/21/2017</a:t>
+              <a:t>10/18/2017</a:t>
             </a:fld>
             <a:endParaRPr lang="en-US"/>
           </a:p>
@@ -2380,7 +2382,7 @@
           <a:p>
             <a:fld id="{8BEEBAAA-29B5-4AF5-BC5F-7E580C29002D}" type="datetimeFigureOut">
               <a:rPr lang="en-US" smtClean="0"/>
-              <a:t>9/21/2017</a:t>
+              <a:t>10/18/2017</a:t>
             </a:fld>
             <a:endParaRPr lang="en-US"/>
           </a:p>
@@ -5715,7 +5717,7 @@
         </p:nvSpPr>
         <p:spPr>
           <a:xfrm>
-            <a:off x="1214966" y="4741333"/>
+            <a:off x="1278466" y="4736931"/>
             <a:ext cx="2311400" cy="369332"/>
           </a:xfrm>
           <a:prstGeom prst="rect">
@@ -7211,7 +7213,7 @@
         </p:nvSpPr>
         <p:spPr>
           <a:xfrm>
-            <a:off x="1048173" y="4827601"/>
+            <a:off x="890777" y="4774261"/>
             <a:ext cx="2311400" cy="646331"/>
           </a:xfrm>
           <a:prstGeom prst="rect">
@@ -7225,6 +7227,7 @@
           </a:bodyPr>
           <a:lstStyle/>
           <a:p>
+            <a:pPr algn="ctr"/>
             <a:r>
               <a:rPr lang="en-US" dirty="0"/>
               <a:t>Server Computer with MySQL</a:t>
@@ -7246,6 +7249,469 @@
 </file>
 
 <file path=ppt/slides/slide21.xml><?xml version="1.0" encoding="utf-8"?>
+<p:sld xmlns:a="http://schemas.openxmlformats.org/drawingml/2006/main" xmlns:r="http://schemas.openxmlformats.org/officeDocument/2006/relationships" xmlns:p="http://schemas.openxmlformats.org/presentationml/2006/main">
+  <p:cSld>
+    <p:spTree>
+      <p:nvGrpSpPr>
+        <p:cNvPr id="1" name=""/>
+        <p:cNvGrpSpPr/>
+        <p:nvPr/>
+      </p:nvGrpSpPr>
+      <p:grpSpPr>
+        <a:xfrm>
+          <a:off x="0" y="0"/>
+          <a:ext cx="0" cy="0"/>
+          <a:chOff x="0" y="0"/>
+          <a:chExt cx="0" cy="0"/>
+        </a:xfrm>
+      </p:grpSpPr>
+      <p:sp>
+        <p:nvSpPr>
+          <p:cNvPr id="3" name="Title 2"/>
+          <p:cNvSpPr>
+            <a:spLocks noGrp="1"/>
+          </p:cNvSpPr>
+          <p:nvPr>
+            <p:ph type="title"/>
+          </p:nvPr>
+        </p:nvSpPr>
+        <p:spPr/>
+        <p:txBody>
+          <a:bodyPr/>
+          <a:lstStyle/>
+          <a:p>
+            <a:r>
+              <a:rPr lang="en-US" dirty="0"/>
+              <a:t>Typical Centralized Database Setup</a:t>
+            </a:r>
+          </a:p>
+        </p:txBody>
+      </p:sp>
+      <p:pic>
+        <p:nvPicPr>
+          <p:cNvPr id="6" name="Picture 5"/>
+          <p:cNvPicPr>
+            <a:picLocks noChangeAspect="1"/>
+          </p:cNvPicPr>
+          <p:nvPr/>
+        </p:nvPicPr>
+        <p:blipFill>
+          <a:blip r:embed="rId2">
+            <a:extLst>
+              <a:ext uri="{28A0092B-C50C-407E-A947-70E740481C1C}">
+                <a14:useLocalDpi xmlns:a14="http://schemas.microsoft.com/office/drawing/2010/main" val="0"/>
+              </a:ext>
+            </a:extLst>
+          </a:blip>
+          <a:stretch>
+            <a:fillRect/>
+          </a:stretch>
+        </p:blipFill>
+        <p:spPr>
+          <a:xfrm>
+            <a:off x="4834466" y="1354667"/>
+            <a:ext cx="2438400" cy="2438400"/>
+          </a:xfrm>
+          <a:prstGeom prst="rect">
+            <a:avLst/>
+          </a:prstGeom>
+        </p:spPr>
+      </p:pic>
+      <p:pic>
+        <p:nvPicPr>
+          <p:cNvPr id="7" name="Picture 6"/>
+          <p:cNvPicPr>
+            <a:picLocks noChangeAspect="1"/>
+          </p:cNvPicPr>
+          <p:nvPr/>
+        </p:nvPicPr>
+        <p:blipFill>
+          <a:blip r:embed="rId2">
+            <a:extLst>
+              <a:ext uri="{28A0092B-C50C-407E-A947-70E740481C1C}">
+                <a14:useLocalDpi xmlns:a14="http://schemas.microsoft.com/office/drawing/2010/main" val="0"/>
+              </a:ext>
+            </a:extLst>
+          </a:blip>
+          <a:stretch>
+            <a:fillRect/>
+          </a:stretch>
+        </p:blipFill>
+        <p:spPr>
+          <a:xfrm>
+            <a:off x="4834466" y="3793067"/>
+            <a:ext cx="2438400" cy="2438400"/>
+          </a:xfrm>
+          <a:prstGeom prst="rect">
+            <a:avLst/>
+          </a:prstGeom>
+        </p:spPr>
+      </p:pic>
+      <p:sp>
+        <p:nvSpPr>
+          <p:cNvPr id="11" name="TextBox 10"/>
+          <p:cNvSpPr txBox="1"/>
+          <p:nvPr/>
+        </p:nvSpPr>
+        <p:spPr>
+          <a:xfrm>
+            <a:off x="5482844" y="3526536"/>
+            <a:ext cx="2311400" cy="369332"/>
+          </a:xfrm>
+          <a:prstGeom prst="rect">
+            <a:avLst/>
+          </a:prstGeom>
+          <a:noFill/>
+        </p:spPr>
+        <p:txBody>
+          <a:bodyPr wrap="square" rtlCol="0">
+            <a:spAutoFit/>
+          </a:bodyPr>
+          <a:lstStyle/>
+          <a:p>
+            <a:r>
+              <a:rPr lang="en-US" dirty="0"/>
+              <a:t>SQL User 1</a:t>
+            </a:r>
+          </a:p>
+        </p:txBody>
+      </p:sp>
+      <p:sp>
+        <p:nvSpPr>
+          <p:cNvPr id="12" name="TextBox 11"/>
+          <p:cNvSpPr txBox="1"/>
+          <p:nvPr/>
+        </p:nvSpPr>
+        <p:spPr>
+          <a:xfrm>
+            <a:off x="5482844" y="5883071"/>
+            <a:ext cx="2311400" cy="369332"/>
+          </a:xfrm>
+          <a:prstGeom prst="rect">
+            <a:avLst/>
+          </a:prstGeom>
+          <a:noFill/>
+        </p:spPr>
+        <p:txBody>
+          <a:bodyPr wrap="square" rtlCol="0">
+            <a:spAutoFit/>
+          </a:bodyPr>
+          <a:lstStyle/>
+          <a:p>
+            <a:r>
+              <a:rPr lang="en-US" dirty="0"/>
+              <a:t>SQL User 2</a:t>
+            </a:r>
+          </a:p>
+        </p:txBody>
+      </p:sp>
+      <p:cxnSp>
+        <p:nvCxnSpPr>
+          <p:cNvPr id="16" name="Straight Arrow Connector 15"/>
+          <p:cNvCxnSpPr/>
+          <p:nvPr/>
+        </p:nvCxnSpPr>
+        <p:spPr>
+          <a:xfrm flipH="1">
+            <a:off x="3526366" y="2429933"/>
+            <a:ext cx="1231901" cy="821267"/>
+          </a:xfrm>
+          <a:prstGeom prst="straightConnector1">
+            <a:avLst/>
+          </a:prstGeom>
+          <a:ln w="57150" cap="flat" cmpd="sng" algn="ctr">
+            <a:solidFill>
+              <a:srgbClr val="FF0000"/>
+            </a:solidFill>
+            <a:prstDash val="solid"/>
+            <a:round/>
+            <a:headEnd type="none" w="med" len="med"/>
+            <a:tailEnd type="arrow" w="med" len="med"/>
+          </a:ln>
+          <a:scene3d>
+            <a:camera prst="orthographicFront"/>
+            <a:lightRig rig="threePt" dir="t"/>
+          </a:scene3d>
+          <a:sp3d>
+            <a:bevelT w="139700" prst="cross"/>
+          </a:sp3d>
+        </p:spPr>
+        <p:style>
+          <a:lnRef idx="0">
+            <a:scrgbClr r="0" g="0" b="0"/>
+          </a:lnRef>
+          <a:fillRef idx="0">
+            <a:scrgbClr r="0" g="0" b="0"/>
+          </a:fillRef>
+          <a:effectRef idx="0">
+            <a:scrgbClr r="0" g="0" b="0"/>
+          </a:effectRef>
+          <a:fontRef idx="minor">
+            <a:schemeClr val="tx1"/>
+          </a:fontRef>
+        </p:style>
+      </p:cxnSp>
+      <p:cxnSp>
+        <p:nvCxnSpPr>
+          <p:cNvPr id="17" name="Straight Arrow Connector 16"/>
+          <p:cNvCxnSpPr/>
+          <p:nvPr/>
+        </p:nvCxnSpPr>
+        <p:spPr>
+          <a:xfrm flipH="1" flipV="1">
+            <a:off x="3579623" y="4072467"/>
+            <a:ext cx="1381844" cy="578366"/>
+          </a:xfrm>
+          <a:prstGeom prst="straightConnector1">
+            <a:avLst/>
+          </a:prstGeom>
+          <a:ln w="57150" cap="flat" cmpd="sng" algn="ctr">
+            <a:solidFill>
+              <a:srgbClr val="FF0000"/>
+            </a:solidFill>
+            <a:prstDash val="solid"/>
+            <a:round/>
+            <a:headEnd type="none" w="med" len="med"/>
+            <a:tailEnd type="arrow" w="med" len="med"/>
+          </a:ln>
+          <a:scene3d>
+            <a:camera prst="orthographicFront"/>
+            <a:lightRig rig="threePt" dir="t"/>
+          </a:scene3d>
+          <a:sp3d>
+            <a:bevelT w="139700" prst="cross"/>
+          </a:sp3d>
+        </p:spPr>
+        <p:style>
+          <a:lnRef idx="0">
+            <a:scrgbClr r="0" g="0" b="0"/>
+          </a:lnRef>
+          <a:fillRef idx="0">
+            <a:scrgbClr r="0" g="0" b="0"/>
+          </a:fillRef>
+          <a:effectRef idx="0">
+            <a:scrgbClr r="0" g="0" b="0"/>
+          </a:effectRef>
+          <a:fontRef idx="minor">
+            <a:schemeClr val="tx1"/>
+          </a:fontRef>
+        </p:style>
+      </p:cxnSp>
+      <p:sp>
+        <p:nvSpPr>
+          <p:cNvPr id="21" name="TextBox 20"/>
+          <p:cNvSpPr txBox="1"/>
+          <p:nvPr/>
+        </p:nvSpPr>
+        <p:spPr>
+          <a:xfrm>
+            <a:off x="5599855" y="2210969"/>
+            <a:ext cx="907621" cy="369332"/>
+          </a:xfrm>
+          <a:prstGeom prst="rect">
+            <a:avLst/>
+          </a:prstGeom>
+          <a:noFill/>
+        </p:spPr>
+        <p:txBody>
+          <a:bodyPr wrap="none" rtlCol="0">
+            <a:spAutoFit/>
+          </a:bodyPr>
+          <a:lstStyle/>
+          <a:p>
+            <a:r>
+              <a:rPr lang="en-US" dirty="0">
+                <a:solidFill>
+                  <a:srgbClr val="002060"/>
+                </a:solidFill>
+              </a:rPr>
+              <a:t>CLIENT</a:t>
+            </a:r>
+          </a:p>
+        </p:txBody>
+      </p:sp>
+      <p:sp>
+        <p:nvSpPr>
+          <p:cNvPr id="22" name="TextBox 21"/>
+          <p:cNvSpPr txBox="1"/>
+          <p:nvPr/>
+        </p:nvSpPr>
+        <p:spPr>
+          <a:xfrm>
+            <a:off x="5599854" y="4642935"/>
+            <a:ext cx="907621" cy="369332"/>
+          </a:xfrm>
+          <a:prstGeom prst="rect">
+            <a:avLst/>
+          </a:prstGeom>
+          <a:noFill/>
+        </p:spPr>
+        <p:txBody>
+          <a:bodyPr wrap="none" rtlCol="0">
+            <a:spAutoFit/>
+          </a:bodyPr>
+          <a:lstStyle/>
+          <a:p>
+            <a:r>
+              <a:rPr lang="en-US" dirty="0">
+                <a:solidFill>
+                  <a:srgbClr val="002060"/>
+                </a:solidFill>
+              </a:rPr>
+              <a:t>CLIENT</a:t>
+            </a:r>
+          </a:p>
+        </p:txBody>
+      </p:sp>
+      <p:sp>
+        <p:nvSpPr>
+          <p:cNvPr id="23" name="TextBox 22"/>
+          <p:cNvSpPr txBox="1"/>
+          <p:nvPr/>
+        </p:nvSpPr>
+        <p:spPr>
+          <a:xfrm>
+            <a:off x="7794244" y="2580301"/>
+            <a:ext cx="4038092" cy="1200329"/>
+          </a:xfrm>
+          <a:prstGeom prst="rect">
+            <a:avLst/>
+          </a:prstGeom>
+          <a:noFill/>
+        </p:spPr>
+        <p:txBody>
+          <a:bodyPr wrap="square" rtlCol="0">
+            <a:spAutoFit/>
+          </a:bodyPr>
+          <a:lstStyle/>
+          <a:p>
+            <a:r>
+              <a:rPr lang="en-US" dirty="0">
+                <a:solidFill>
+                  <a:srgbClr val="FF0000"/>
+                </a:solidFill>
+              </a:rPr>
+              <a:t>A popular architecture nowadays is to have cloud services from Amazon, Google, or Heroku host your database for you.</a:t>
+            </a:r>
+          </a:p>
+        </p:txBody>
+      </p:sp>
+      <p:sp>
+        <p:nvSpPr>
+          <p:cNvPr id="18" name="TextBox 17"/>
+          <p:cNvSpPr txBox="1"/>
+          <p:nvPr/>
+        </p:nvSpPr>
+        <p:spPr>
+          <a:xfrm>
+            <a:off x="794172" y="4642298"/>
+            <a:ext cx="2311400" cy="646331"/>
+          </a:xfrm>
+          <a:prstGeom prst="rect">
+            <a:avLst/>
+          </a:prstGeom>
+          <a:noFill/>
+        </p:spPr>
+        <p:txBody>
+          <a:bodyPr wrap="square" rtlCol="0">
+            <a:spAutoFit/>
+          </a:bodyPr>
+          <a:lstStyle/>
+          <a:p>
+            <a:pPr algn="ctr"/>
+            <a:r>
+              <a:rPr lang="en-US" dirty="0"/>
+              <a:t>Cloud Server with MySQL</a:t>
+            </a:r>
+          </a:p>
+        </p:txBody>
+      </p:sp>
+      <p:pic>
+        <p:nvPicPr>
+          <p:cNvPr id="5" name="Picture 4">
+            <a:extLst>
+              <a:ext uri="{FF2B5EF4-FFF2-40B4-BE49-F238E27FC236}">
+                <a16:creationId xmlns:a16="http://schemas.microsoft.com/office/drawing/2014/main" id="{EC70C071-22F0-489F-A443-1E12EAF2BE6C}"/>
+              </a:ext>
+            </a:extLst>
+          </p:cNvPr>
+          <p:cNvPicPr>
+            <a:picLocks noChangeAspect="1"/>
+          </p:cNvPicPr>
+          <p:nvPr/>
+        </p:nvPicPr>
+        <p:blipFill>
+          <a:blip r:embed="rId3">
+            <a:extLst>
+              <a:ext uri="{28A0092B-C50C-407E-A947-70E740481C1C}">
+                <a14:useLocalDpi xmlns:a14="http://schemas.microsoft.com/office/drawing/2010/main" val="0"/>
+              </a:ext>
+            </a:extLst>
+          </a:blip>
+          <a:stretch>
+            <a:fillRect/>
+          </a:stretch>
+        </p:blipFill>
+        <p:spPr>
+          <a:xfrm>
+            <a:off x="794172" y="2284431"/>
+            <a:ext cx="2438400" cy="2438400"/>
+          </a:xfrm>
+          <a:prstGeom prst="rect">
+            <a:avLst/>
+          </a:prstGeom>
+        </p:spPr>
+      </p:pic>
+      <p:pic>
+        <p:nvPicPr>
+          <p:cNvPr id="9" name="Picture 8">
+            <a:extLst>
+              <a:ext uri="{FF2B5EF4-FFF2-40B4-BE49-F238E27FC236}">
+                <a16:creationId xmlns:a16="http://schemas.microsoft.com/office/drawing/2014/main" id="{E55F18BE-397A-42E4-AFDF-30C01F911338}"/>
+              </a:ext>
+            </a:extLst>
+          </p:cNvPr>
+          <p:cNvPicPr>
+            <a:picLocks noChangeAspect="1"/>
+          </p:cNvPicPr>
+          <p:nvPr/>
+        </p:nvPicPr>
+        <p:blipFill>
+          <a:blip r:embed="rId4" cstate="print">
+            <a:extLst>
+              <a:ext uri="{28A0092B-C50C-407E-A947-70E740481C1C}">
+                <a14:useLocalDpi xmlns:a14="http://schemas.microsoft.com/office/drawing/2010/main" val="0"/>
+              </a:ext>
+            </a:extLst>
+          </a:blip>
+          <a:stretch>
+            <a:fillRect/>
+          </a:stretch>
+        </p:blipFill>
+        <p:spPr>
+          <a:xfrm>
+            <a:off x="1487007" y="3184837"/>
+            <a:ext cx="1052729" cy="1052729"/>
+          </a:xfrm>
+          <a:prstGeom prst="rect">
+            <a:avLst/>
+          </a:prstGeom>
+        </p:spPr>
+      </p:pic>
+    </p:spTree>
+    <p:extLst>
+      <p:ext uri="{BB962C8B-B14F-4D97-AF65-F5344CB8AC3E}">
+        <p14:creationId xmlns:p14="http://schemas.microsoft.com/office/powerpoint/2010/main" val="3764368971"/>
+      </p:ext>
+    </p:extLst>
+  </p:cSld>
+  <p:clrMapOvr>
+    <a:masterClrMapping/>
+  </p:clrMapOvr>
+</p:sld>
+</file>
+
+<file path=ppt/slides/slide22.xml><?xml version="1.0" encoding="utf-8"?>
 <p:sld xmlns:a="http://schemas.openxmlformats.org/drawingml/2006/main" xmlns:r="http://schemas.openxmlformats.org/officeDocument/2006/relationships" xmlns:p="http://schemas.openxmlformats.org/presentationml/2006/main">
   <p:cSld>
     <p:spTree>
@@ -7345,7 +7811,7 @@
 </p:sld>
 </file>
 
-<file path=ppt/slides/slide22.xml><?xml version="1.0" encoding="utf-8"?>
+<file path=ppt/slides/slide23.xml><?xml version="1.0" encoding="utf-8"?>
 <p:sld xmlns:a="http://schemas.openxmlformats.org/drawingml/2006/main" xmlns:r="http://schemas.openxmlformats.org/officeDocument/2006/relationships" xmlns:p="http://schemas.openxmlformats.org/presentationml/2006/main">
   <p:cSld>
     <p:spTree>
@@ -7858,7 +8324,7 @@
 </p:sld>
 </file>
 
-<file path=ppt/slides/slide23.xml><?xml version="1.0" encoding="utf-8"?>
+<file path=ppt/slides/slide24.xml><?xml version="1.0" encoding="utf-8"?>
 <p:sld xmlns:a="http://schemas.openxmlformats.org/drawingml/2006/main" xmlns:r="http://schemas.openxmlformats.org/officeDocument/2006/relationships" xmlns:p="http://schemas.openxmlformats.org/presentationml/2006/main">
   <p:cSld>
     <p:spTree>
@@ -8145,7 +8611,7 @@
 </p:sld>
 </file>
 
-<file path=ppt/slides/slide24.xml><?xml version="1.0" encoding="utf-8"?>
+<file path=ppt/slides/slide25.xml><?xml version="1.0" encoding="utf-8"?>
 <p:sld xmlns:a="http://schemas.openxmlformats.org/drawingml/2006/main" xmlns:r="http://schemas.openxmlformats.org/officeDocument/2006/relationships" xmlns:p="http://schemas.openxmlformats.org/presentationml/2006/main">
   <p:cSld>
     <p:spTree>
@@ -8207,7 +8673,7 @@
             <a:pPr lvl="1"/>
             <a:r>
               <a:rPr lang="en-US" sz="1800" dirty="0"/>
-              <a:t>Android, iPhone, iPad, Windows Phones, and Windows 10</a:t>
+              <a:t>Android, iPhone, iPad, and Windows 10</a:t>
             </a:r>
           </a:p>
           <a:p>
@@ -8595,7 +9061,7 @@
 </p:sld>
 </file>
 
-<file path=ppt/slides/slide25.xml><?xml version="1.0" encoding="utf-8"?>
+<file path=ppt/slides/slide26.xml><?xml version="1.0" encoding="utf-8"?>
 <p:sld xmlns:a="http://schemas.openxmlformats.org/drawingml/2006/main" xmlns:r="http://schemas.openxmlformats.org/officeDocument/2006/relationships" xmlns:p="http://schemas.openxmlformats.org/presentationml/2006/main">
   <p:cSld>
     <p:spTree>
@@ -8709,7 +9175,7 @@
 </p:sld>
 </file>
 
-<file path=ppt/slides/slide26.xml><?xml version="1.0" encoding="utf-8"?>
+<file path=ppt/slides/slide27.xml><?xml version="1.0" encoding="utf-8"?>
 <p:sld xmlns:a="http://schemas.openxmlformats.org/drawingml/2006/main" xmlns:r="http://schemas.openxmlformats.org/officeDocument/2006/relationships" xmlns:p="http://schemas.openxmlformats.org/presentationml/2006/main">
   <p:cSld>
     <p:spTree>
@@ -8822,284 +9288,6 @@
     <p:extLst>
       <p:ext uri="{BB962C8B-B14F-4D97-AF65-F5344CB8AC3E}">
         <p14:creationId xmlns:p14="http://schemas.microsoft.com/office/powerpoint/2010/main" val="2007492730"/>
-      </p:ext>
-    </p:extLst>
-  </p:cSld>
-  <p:clrMapOvr>
-    <a:masterClrMapping/>
-  </p:clrMapOvr>
-</p:sld>
-</file>
-
-<file path=ppt/slides/slide27.xml><?xml version="1.0" encoding="utf-8"?>
-<p:sld xmlns:a="http://schemas.openxmlformats.org/drawingml/2006/main" xmlns:r="http://schemas.openxmlformats.org/officeDocument/2006/relationships" xmlns:p="http://schemas.openxmlformats.org/presentationml/2006/main">
-  <p:cSld>
-    <p:spTree>
-      <p:nvGrpSpPr>
-        <p:cNvPr id="1" name=""/>
-        <p:cNvGrpSpPr/>
-        <p:nvPr/>
-      </p:nvGrpSpPr>
-      <p:grpSpPr>
-        <a:xfrm>
-          <a:off x="0" y="0"/>
-          <a:ext cx="0" cy="0"/>
-          <a:chOff x="0" y="0"/>
-          <a:chExt cx="0" cy="0"/>
-        </a:xfrm>
-      </p:grpSpPr>
-      <p:sp>
-        <p:nvSpPr>
-          <p:cNvPr id="6" name="Title 1"/>
-          <p:cNvSpPr txBox="1">
-            <a:spLocks/>
-          </p:cNvSpPr>
-          <p:nvPr/>
-        </p:nvSpPr>
-        <p:spPr>
-          <a:xfrm>
-            <a:off x="838200" y="1164324"/>
-            <a:ext cx="10515600" cy="2387600"/>
-          </a:xfrm>
-          <a:prstGeom prst="rect">
-            <a:avLst/>
-          </a:prstGeom>
-        </p:spPr>
-        <p:txBody>
-          <a:bodyPr vert="horz" lIns="91440" tIns="45720" rIns="91440" bIns="45720" rtlCol="0" anchor="ctr">
-            <a:normAutofit/>
-          </a:bodyPr>
-          <a:lstStyle>
-            <a:lvl1pPr algn="l" defTabSz="914354" rtl="0" eaLnBrk="1" latinLnBrk="0" hangingPunct="1">
-              <a:spcBef>
-                <a:spcPct val="0"/>
-              </a:spcBef>
-              <a:buNone/>
-              <a:defRPr sz="4400" kern="1200">
-                <a:solidFill>
-                  <a:schemeClr val="tx1"/>
-                </a:solidFill>
-                <a:latin typeface="+mj-lt"/>
-                <a:ea typeface="+mj-ea"/>
-                <a:cs typeface="+mj-cs"/>
-              </a:defRPr>
-            </a:lvl1pPr>
-          </a:lstStyle>
-          <a:p>
-            <a:r>
-              <a:rPr lang="en-US" sz="4800" dirty="0">
-                <a:solidFill>
-                  <a:schemeClr val="bg1"/>
-                </a:solidFill>
-              </a:rPr>
-              <a:t>Break and Q&amp;A</a:t>
-            </a:r>
-          </a:p>
-        </p:txBody>
-      </p:sp>
-      <p:sp>
-        <p:nvSpPr>
-          <p:cNvPr id="7" name="Subtitle 2"/>
-          <p:cNvSpPr txBox="1">
-            <a:spLocks/>
-          </p:cNvSpPr>
-          <p:nvPr/>
-        </p:nvSpPr>
-        <p:spPr>
-          <a:xfrm>
-            <a:off x="855620" y="2933108"/>
-            <a:ext cx="9582736" cy="1137793"/>
-          </a:xfrm>
-          <a:prstGeom prst="rect">
-            <a:avLst/>
-          </a:prstGeom>
-        </p:spPr>
-        <p:txBody>
-          <a:bodyPr vert="horz" lIns="91440" tIns="45720" rIns="91440" bIns="45720" rtlCol="0">
-            <a:normAutofit/>
-          </a:bodyPr>
-          <a:lstStyle>
-            <a:lvl1pPr marL="228589" indent="-228589" algn="l" defTabSz="914354" rtl="0" eaLnBrk="1" latinLnBrk="0" hangingPunct="1">
-              <a:lnSpc>
-                <a:spcPct val="90000"/>
-              </a:lnSpc>
-              <a:spcBef>
-                <a:spcPct val="30000"/>
-              </a:spcBef>
-              <a:buFont typeface="Arial" panose="020B0604020202020204" pitchFamily="34" charset="0"/>
-              <a:buChar char="•"/>
-              <a:defRPr sz="2800" kern="1200">
-                <a:solidFill>
-                  <a:schemeClr val="tx1"/>
-                </a:solidFill>
-                <a:latin typeface="+mn-lt"/>
-                <a:ea typeface="+mn-ea"/>
-                <a:cs typeface="+mn-cs"/>
-              </a:defRPr>
-            </a:lvl1pPr>
-            <a:lvl2pPr marL="685766" indent="-228589" algn="l" defTabSz="914354" rtl="0" eaLnBrk="1" latinLnBrk="0" hangingPunct="1">
-              <a:lnSpc>
-                <a:spcPct val="90000"/>
-              </a:lnSpc>
-              <a:spcBef>
-                <a:spcPct val="30000"/>
-              </a:spcBef>
-              <a:buFont typeface="Arial" panose="020B0604020202020204" pitchFamily="34" charset="0"/>
-              <a:buChar char="•"/>
-              <a:defRPr sz="2400" kern="1200">
-                <a:solidFill>
-                  <a:schemeClr val="tx1"/>
-                </a:solidFill>
-                <a:latin typeface="+mn-lt"/>
-                <a:ea typeface="+mn-ea"/>
-                <a:cs typeface="+mn-cs"/>
-              </a:defRPr>
-            </a:lvl2pPr>
-            <a:lvl3pPr marL="1142942" indent="-228589" algn="l" defTabSz="914354" rtl="0" eaLnBrk="1" latinLnBrk="0" hangingPunct="1">
-              <a:lnSpc>
-                <a:spcPct val="90000"/>
-              </a:lnSpc>
-              <a:spcBef>
-                <a:spcPct val="30000"/>
-              </a:spcBef>
-              <a:buFont typeface="Arial" panose="020B0604020202020204" pitchFamily="34" charset="0"/>
-              <a:buChar char="•"/>
-              <a:defRPr sz="2000" kern="1200">
-                <a:solidFill>
-                  <a:schemeClr val="tx1"/>
-                </a:solidFill>
-                <a:latin typeface="+mn-lt"/>
-                <a:ea typeface="+mn-ea"/>
-                <a:cs typeface="+mn-cs"/>
-              </a:defRPr>
-            </a:lvl3pPr>
-            <a:lvl4pPr marL="1600120" indent="-228589" algn="l" defTabSz="914354" rtl="0" eaLnBrk="1" latinLnBrk="0" hangingPunct="1">
-              <a:lnSpc>
-                <a:spcPct val="90000"/>
-              </a:lnSpc>
-              <a:spcBef>
-                <a:spcPct val="30000"/>
-              </a:spcBef>
-              <a:buFont typeface="Arial" panose="020B0604020202020204" pitchFamily="34" charset="0"/>
-              <a:buChar char="•"/>
-              <a:defRPr sz="1800" kern="1200">
-                <a:solidFill>
-                  <a:schemeClr val="tx1"/>
-                </a:solidFill>
-                <a:latin typeface="+mn-lt"/>
-                <a:ea typeface="+mn-ea"/>
-                <a:cs typeface="+mn-cs"/>
-              </a:defRPr>
-            </a:lvl4pPr>
-            <a:lvl5pPr marL="2057298" indent="-228589" algn="l" defTabSz="914354" rtl="0" eaLnBrk="1" latinLnBrk="0" hangingPunct="1">
-              <a:lnSpc>
-                <a:spcPct val="90000"/>
-              </a:lnSpc>
-              <a:spcBef>
-                <a:spcPct val="30000"/>
-              </a:spcBef>
-              <a:buFont typeface="Arial" panose="020B0604020202020204" pitchFamily="34" charset="0"/>
-              <a:buChar char="•"/>
-              <a:defRPr sz="1800" kern="1200">
-                <a:solidFill>
-                  <a:schemeClr val="tx1"/>
-                </a:solidFill>
-                <a:latin typeface="+mn-lt"/>
-                <a:ea typeface="+mn-ea"/>
-                <a:cs typeface="+mn-cs"/>
-              </a:defRPr>
-            </a:lvl5pPr>
-            <a:lvl6pPr marL="2514474" indent="-228589" algn="l" defTabSz="914354" rtl="0" eaLnBrk="1" latinLnBrk="0" hangingPunct="1">
-              <a:lnSpc>
-                <a:spcPct val="90000"/>
-              </a:lnSpc>
-              <a:spcBef>
-                <a:spcPct val="30000"/>
-              </a:spcBef>
-              <a:buFont typeface="Arial" panose="020B0604020202020204" pitchFamily="34" charset="0"/>
-              <a:buChar char="•"/>
-              <a:defRPr sz="1800" kern="1200">
-                <a:solidFill>
-                  <a:schemeClr val="tx1"/>
-                </a:solidFill>
-                <a:latin typeface="+mn-lt"/>
-                <a:ea typeface="+mn-ea"/>
-                <a:cs typeface="+mn-cs"/>
-              </a:defRPr>
-            </a:lvl6pPr>
-            <a:lvl7pPr marL="2971652" indent="-228589" algn="l" defTabSz="914354" rtl="0" eaLnBrk="1" latinLnBrk="0" hangingPunct="1">
-              <a:lnSpc>
-                <a:spcPct val="90000"/>
-              </a:lnSpc>
-              <a:spcBef>
-                <a:spcPct val="30000"/>
-              </a:spcBef>
-              <a:buFont typeface="Arial" panose="020B0604020202020204" pitchFamily="34" charset="0"/>
-              <a:buChar char="•"/>
-              <a:defRPr sz="1800" kern="1200">
-                <a:solidFill>
-                  <a:schemeClr val="tx1"/>
-                </a:solidFill>
-                <a:latin typeface="+mn-lt"/>
-                <a:ea typeface="+mn-ea"/>
-                <a:cs typeface="+mn-cs"/>
-              </a:defRPr>
-            </a:lvl7pPr>
-            <a:lvl8pPr marL="3428829" indent="-228589" algn="l" defTabSz="914354" rtl="0" eaLnBrk="1" latinLnBrk="0" hangingPunct="1">
-              <a:lnSpc>
-                <a:spcPct val="90000"/>
-              </a:lnSpc>
-              <a:spcBef>
-                <a:spcPct val="30000"/>
-              </a:spcBef>
-              <a:buFont typeface="Arial" panose="020B0604020202020204" pitchFamily="34" charset="0"/>
-              <a:buChar char="•"/>
-              <a:defRPr sz="1800" kern="1200">
-                <a:solidFill>
-                  <a:schemeClr val="tx1"/>
-                </a:solidFill>
-                <a:latin typeface="+mn-lt"/>
-                <a:ea typeface="+mn-ea"/>
-                <a:cs typeface="+mn-cs"/>
-              </a:defRPr>
-            </a:lvl8pPr>
-            <a:lvl9pPr marL="3886006" indent="-228589" algn="l" defTabSz="914354" rtl="0" eaLnBrk="1" latinLnBrk="0" hangingPunct="1">
-              <a:lnSpc>
-                <a:spcPct val="90000"/>
-              </a:lnSpc>
-              <a:spcBef>
-                <a:spcPct val="30000"/>
-              </a:spcBef>
-              <a:buFont typeface="Arial" panose="020B0604020202020204" pitchFamily="34" charset="0"/>
-              <a:buChar char="•"/>
-              <a:defRPr sz="1800" kern="1200">
-                <a:solidFill>
-                  <a:schemeClr val="tx1"/>
-                </a:solidFill>
-                <a:latin typeface="+mn-lt"/>
-                <a:ea typeface="+mn-ea"/>
-                <a:cs typeface="+mn-cs"/>
-              </a:defRPr>
-            </a:lvl9pPr>
-          </a:lstStyle>
-          <a:p>
-            <a:pPr marL="0" indent="0">
-              <a:buFont typeface="Arial" panose="020B0604020202020204" pitchFamily="34" charset="0"/>
-              <a:buNone/>
-            </a:pPr>
-            <a:endParaRPr lang="en-US" sz="2400" i="1" dirty="0">
-              <a:solidFill>
-                <a:schemeClr val="bg1"/>
-              </a:solidFill>
-              <a:latin typeface="+mj-lt"/>
-            </a:endParaRPr>
-          </a:p>
-        </p:txBody>
-      </p:sp>
-    </p:spTree>
-    <p:extLst>
-      <p:ext uri="{BB962C8B-B14F-4D97-AF65-F5344CB8AC3E}">
-        <p14:creationId xmlns:p14="http://schemas.microsoft.com/office/powerpoint/2010/main" val="852855755"/>
       </p:ext>
     </p:extLst>
   </p:cSld>
@@ -9170,7 +9358,7 @@
                   <a:schemeClr val="bg1"/>
                 </a:solidFill>
               </a:rPr>
-              <a:t>Section III</a:t>
+              <a:t>Break and Q&amp;A</a:t>
             </a:r>
           </a:p>
         </p:txBody>
@@ -9365,6 +9553,284 @@
               <a:buFont typeface="Arial" panose="020B0604020202020204" pitchFamily="34" charset="0"/>
               <a:buNone/>
             </a:pPr>
+            <a:endParaRPr lang="en-US" sz="2400" i="1" dirty="0">
+              <a:solidFill>
+                <a:schemeClr val="bg1"/>
+              </a:solidFill>
+              <a:latin typeface="+mj-lt"/>
+            </a:endParaRPr>
+          </a:p>
+        </p:txBody>
+      </p:sp>
+    </p:spTree>
+    <p:extLst>
+      <p:ext uri="{BB962C8B-B14F-4D97-AF65-F5344CB8AC3E}">
+        <p14:creationId xmlns:p14="http://schemas.microsoft.com/office/powerpoint/2010/main" val="852855755"/>
+      </p:ext>
+    </p:extLst>
+  </p:cSld>
+  <p:clrMapOvr>
+    <a:masterClrMapping/>
+  </p:clrMapOvr>
+</p:sld>
+</file>
+
+<file path=ppt/slides/slide29.xml><?xml version="1.0" encoding="utf-8"?>
+<p:sld xmlns:a="http://schemas.openxmlformats.org/drawingml/2006/main" xmlns:r="http://schemas.openxmlformats.org/officeDocument/2006/relationships" xmlns:p="http://schemas.openxmlformats.org/presentationml/2006/main">
+  <p:cSld>
+    <p:spTree>
+      <p:nvGrpSpPr>
+        <p:cNvPr id="1" name=""/>
+        <p:cNvGrpSpPr/>
+        <p:nvPr/>
+      </p:nvGrpSpPr>
+      <p:grpSpPr>
+        <a:xfrm>
+          <a:off x="0" y="0"/>
+          <a:ext cx="0" cy="0"/>
+          <a:chOff x="0" y="0"/>
+          <a:chExt cx="0" cy="0"/>
+        </a:xfrm>
+      </p:grpSpPr>
+      <p:sp>
+        <p:nvSpPr>
+          <p:cNvPr id="6" name="Title 1"/>
+          <p:cNvSpPr txBox="1">
+            <a:spLocks/>
+          </p:cNvSpPr>
+          <p:nvPr/>
+        </p:nvSpPr>
+        <p:spPr>
+          <a:xfrm>
+            <a:off x="838200" y="1164324"/>
+            <a:ext cx="10515600" cy="2387600"/>
+          </a:xfrm>
+          <a:prstGeom prst="rect">
+            <a:avLst/>
+          </a:prstGeom>
+        </p:spPr>
+        <p:txBody>
+          <a:bodyPr vert="horz" lIns="91440" tIns="45720" rIns="91440" bIns="45720" rtlCol="0" anchor="ctr">
+            <a:normAutofit/>
+          </a:bodyPr>
+          <a:lstStyle>
+            <a:lvl1pPr algn="l" defTabSz="914354" rtl="0" eaLnBrk="1" latinLnBrk="0" hangingPunct="1">
+              <a:spcBef>
+                <a:spcPct val="0"/>
+              </a:spcBef>
+              <a:buNone/>
+              <a:defRPr sz="4400" kern="1200">
+                <a:solidFill>
+                  <a:schemeClr val="tx1"/>
+                </a:solidFill>
+                <a:latin typeface="+mj-lt"/>
+                <a:ea typeface="+mj-ea"/>
+                <a:cs typeface="+mj-cs"/>
+              </a:defRPr>
+            </a:lvl1pPr>
+          </a:lstStyle>
+          <a:p>
+            <a:r>
+              <a:rPr lang="en-US" sz="4800" dirty="0">
+                <a:solidFill>
+                  <a:schemeClr val="bg1"/>
+                </a:solidFill>
+              </a:rPr>
+              <a:t>Section III</a:t>
+            </a:r>
+          </a:p>
+        </p:txBody>
+      </p:sp>
+      <p:sp>
+        <p:nvSpPr>
+          <p:cNvPr id="7" name="Subtitle 2"/>
+          <p:cNvSpPr txBox="1">
+            <a:spLocks/>
+          </p:cNvSpPr>
+          <p:nvPr/>
+        </p:nvSpPr>
+        <p:spPr>
+          <a:xfrm>
+            <a:off x="855620" y="2933108"/>
+            <a:ext cx="9582736" cy="1137793"/>
+          </a:xfrm>
+          <a:prstGeom prst="rect">
+            <a:avLst/>
+          </a:prstGeom>
+        </p:spPr>
+        <p:txBody>
+          <a:bodyPr vert="horz" lIns="91440" tIns="45720" rIns="91440" bIns="45720" rtlCol="0">
+            <a:normAutofit/>
+          </a:bodyPr>
+          <a:lstStyle>
+            <a:lvl1pPr marL="228589" indent="-228589" algn="l" defTabSz="914354" rtl="0" eaLnBrk="1" latinLnBrk="0" hangingPunct="1">
+              <a:lnSpc>
+                <a:spcPct val="90000"/>
+              </a:lnSpc>
+              <a:spcBef>
+                <a:spcPct val="30000"/>
+              </a:spcBef>
+              <a:buFont typeface="Arial" panose="020B0604020202020204" pitchFamily="34" charset="0"/>
+              <a:buChar char="•"/>
+              <a:defRPr sz="2800" kern="1200">
+                <a:solidFill>
+                  <a:schemeClr val="tx1"/>
+                </a:solidFill>
+                <a:latin typeface="+mn-lt"/>
+                <a:ea typeface="+mn-ea"/>
+                <a:cs typeface="+mn-cs"/>
+              </a:defRPr>
+            </a:lvl1pPr>
+            <a:lvl2pPr marL="685766" indent="-228589" algn="l" defTabSz="914354" rtl="0" eaLnBrk="1" latinLnBrk="0" hangingPunct="1">
+              <a:lnSpc>
+                <a:spcPct val="90000"/>
+              </a:lnSpc>
+              <a:spcBef>
+                <a:spcPct val="30000"/>
+              </a:spcBef>
+              <a:buFont typeface="Arial" panose="020B0604020202020204" pitchFamily="34" charset="0"/>
+              <a:buChar char="•"/>
+              <a:defRPr sz="2400" kern="1200">
+                <a:solidFill>
+                  <a:schemeClr val="tx1"/>
+                </a:solidFill>
+                <a:latin typeface="+mn-lt"/>
+                <a:ea typeface="+mn-ea"/>
+                <a:cs typeface="+mn-cs"/>
+              </a:defRPr>
+            </a:lvl2pPr>
+            <a:lvl3pPr marL="1142942" indent="-228589" algn="l" defTabSz="914354" rtl="0" eaLnBrk="1" latinLnBrk="0" hangingPunct="1">
+              <a:lnSpc>
+                <a:spcPct val="90000"/>
+              </a:lnSpc>
+              <a:spcBef>
+                <a:spcPct val="30000"/>
+              </a:spcBef>
+              <a:buFont typeface="Arial" panose="020B0604020202020204" pitchFamily="34" charset="0"/>
+              <a:buChar char="•"/>
+              <a:defRPr sz="2000" kern="1200">
+                <a:solidFill>
+                  <a:schemeClr val="tx1"/>
+                </a:solidFill>
+                <a:latin typeface="+mn-lt"/>
+                <a:ea typeface="+mn-ea"/>
+                <a:cs typeface="+mn-cs"/>
+              </a:defRPr>
+            </a:lvl3pPr>
+            <a:lvl4pPr marL="1600120" indent="-228589" algn="l" defTabSz="914354" rtl="0" eaLnBrk="1" latinLnBrk="0" hangingPunct="1">
+              <a:lnSpc>
+                <a:spcPct val="90000"/>
+              </a:lnSpc>
+              <a:spcBef>
+                <a:spcPct val="30000"/>
+              </a:spcBef>
+              <a:buFont typeface="Arial" panose="020B0604020202020204" pitchFamily="34" charset="0"/>
+              <a:buChar char="•"/>
+              <a:defRPr sz="1800" kern="1200">
+                <a:solidFill>
+                  <a:schemeClr val="tx1"/>
+                </a:solidFill>
+                <a:latin typeface="+mn-lt"/>
+                <a:ea typeface="+mn-ea"/>
+                <a:cs typeface="+mn-cs"/>
+              </a:defRPr>
+            </a:lvl4pPr>
+            <a:lvl5pPr marL="2057298" indent="-228589" algn="l" defTabSz="914354" rtl="0" eaLnBrk="1" latinLnBrk="0" hangingPunct="1">
+              <a:lnSpc>
+                <a:spcPct val="90000"/>
+              </a:lnSpc>
+              <a:spcBef>
+                <a:spcPct val="30000"/>
+              </a:spcBef>
+              <a:buFont typeface="Arial" panose="020B0604020202020204" pitchFamily="34" charset="0"/>
+              <a:buChar char="•"/>
+              <a:defRPr sz="1800" kern="1200">
+                <a:solidFill>
+                  <a:schemeClr val="tx1"/>
+                </a:solidFill>
+                <a:latin typeface="+mn-lt"/>
+                <a:ea typeface="+mn-ea"/>
+                <a:cs typeface="+mn-cs"/>
+              </a:defRPr>
+            </a:lvl5pPr>
+            <a:lvl6pPr marL="2514474" indent="-228589" algn="l" defTabSz="914354" rtl="0" eaLnBrk="1" latinLnBrk="0" hangingPunct="1">
+              <a:lnSpc>
+                <a:spcPct val="90000"/>
+              </a:lnSpc>
+              <a:spcBef>
+                <a:spcPct val="30000"/>
+              </a:spcBef>
+              <a:buFont typeface="Arial" panose="020B0604020202020204" pitchFamily="34" charset="0"/>
+              <a:buChar char="•"/>
+              <a:defRPr sz="1800" kern="1200">
+                <a:solidFill>
+                  <a:schemeClr val="tx1"/>
+                </a:solidFill>
+                <a:latin typeface="+mn-lt"/>
+                <a:ea typeface="+mn-ea"/>
+                <a:cs typeface="+mn-cs"/>
+              </a:defRPr>
+            </a:lvl6pPr>
+            <a:lvl7pPr marL="2971652" indent="-228589" algn="l" defTabSz="914354" rtl="0" eaLnBrk="1" latinLnBrk="0" hangingPunct="1">
+              <a:lnSpc>
+                <a:spcPct val="90000"/>
+              </a:lnSpc>
+              <a:spcBef>
+                <a:spcPct val="30000"/>
+              </a:spcBef>
+              <a:buFont typeface="Arial" panose="020B0604020202020204" pitchFamily="34" charset="0"/>
+              <a:buChar char="•"/>
+              <a:defRPr sz="1800" kern="1200">
+                <a:solidFill>
+                  <a:schemeClr val="tx1"/>
+                </a:solidFill>
+                <a:latin typeface="+mn-lt"/>
+                <a:ea typeface="+mn-ea"/>
+                <a:cs typeface="+mn-cs"/>
+              </a:defRPr>
+            </a:lvl7pPr>
+            <a:lvl8pPr marL="3428829" indent="-228589" algn="l" defTabSz="914354" rtl="0" eaLnBrk="1" latinLnBrk="0" hangingPunct="1">
+              <a:lnSpc>
+                <a:spcPct val="90000"/>
+              </a:lnSpc>
+              <a:spcBef>
+                <a:spcPct val="30000"/>
+              </a:spcBef>
+              <a:buFont typeface="Arial" panose="020B0604020202020204" pitchFamily="34" charset="0"/>
+              <a:buChar char="•"/>
+              <a:defRPr sz="1800" kern="1200">
+                <a:solidFill>
+                  <a:schemeClr val="tx1"/>
+                </a:solidFill>
+                <a:latin typeface="+mn-lt"/>
+                <a:ea typeface="+mn-ea"/>
+                <a:cs typeface="+mn-cs"/>
+              </a:defRPr>
+            </a:lvl8pPr>
+            <a:lvl9pPr marL="3886006" indent="-228589" algn="l" defTabSz="914354" rtl="0" eaLnBrk="1" latinLnBrk="0" hangingPunct="1">
+              <a:lnSpc>
+                <a:spcPct val="90000"/>
+              </a:lnSpc>
+              <a:spcBef>
+                <a:spcPct val="30000"/>
+              </a:spcBef>
+              <a:buFont typeface="Arial" panose="020B0604020202020204" pitchFamily="34" charset="0"/>
+              <a:buChar char="•"/>
+              <a:defRPr sz="1800" kern="1200">
+                <a:solidFill>
+                  <a:schemeClr val="tx1"/>
+                </a:solidFill>
+                <a:latin typeface="+mn-lt"/>
+                <a:ea typeface="+mn-ea"/>
+                <a:cs typeface="+mn-cs"/>
+              </a:defRPr>
+            </a:lvl9pPr>
+          </a:lstStyle>
+          <a:p>
+            <a:pPr marL="0" indent="0">
+              <a:buFont typeface="Arial" panose="020B0604020202020204" pitchFamily="34" charset="0"/>
+              <a:buNone/>
+            </a:pPr>
             <a:r>
               <a:rPr lang="en-US" sz="2400" dirty="0">
                 <a:solidFill>
@@ -9396,7 +9862,364 @@
 </p:sld>
 </file>
 
-<file path=ppt/slides/slide29.xml><?xml version="1.0" encoding="utf-8"?>
+<file path=ppt/slides/slide3.xml><?xml version="1.0" encoding="utf-8"?>
+<p:sld xmlns:a="http://schemas.openxmlformats.org/drawingml/2006/main" xmlns:r="http://schemas.openxmlformats.org/officeDocument/2006/relationships" xmlns:p="http://schemas.openxmlformats.org/presentationml/2006/main">
+  <p:cSld>
+    <p:spTree>
+      <p:nvGrpSpPr>
+        <p:cNvPr id="1" name=""/>
+        <p:cNvGrpSpPr/>
+        <p:nvPr/>
+      </p:nvGrpSpPr>
+      <p:grpSpPr>
+        <a:xfrm>
+          <a:off x="0" y="0"/>
+          <a:ext cx="0" cy="0"/>
+          <a:chOff x="0" y="0"/>
+          <a:chExt cx="0" cy="0"/>
+        </a:xfrm>
+      </p:grpSpPr>
+      <p:sp>
+        <p:nvSpPr>
+          <p:cNvPr id="38" name="Content Placeholder 17"/>
+          <p:cNvSpPr txBox="1">
+            <a:spLocks/>
+          </p:cNvSpPr>
+          <p:nvPr/>
+        </p:nvSpPr>
+        <p:spPr>
+          <a:xfrm>
+            <a:off x="541611" y="1296102"/>
+            <a:ext cx="7109491" cy="3871519"/>
+          </a:xfrm>
+          <a:prstGeom prst="rect">
+            <a:avLst/>
+          </a:prstGeom>
+        </p:spPr>
+        <p:txBody>
+          <a:bodyPr vert="horz" lIns="91440" tIns="45720" rIns="91440" bIns="45720" rtlCol="0">
+            <a:normAutofit/>
+          </a:bodyPr>
+          <a:lstStyle>
+            <a:lvl1pPr marL="228600" indent="-228600" algn="l" defTabSz="914400" rtl="0" eaLnBrk="1" latinLnBrk="0" hangingPunct="1">
+              <a:lnSpc>
+                <a:spcPts val="1800"/>
+              </a:lnSpc>
+              <a:spcBef>
+                <a:spcPts val="1000"/>
+              </a:spcBef>
+              <a:spcAft>
+                <a:spcPts val="1000"/>
+              </a:spcAft>
+              <a:buFont typeface="Arial" panose="020B0604020202020204" pitchFamily="34" charset="0"/>
+              <a:buChar char="•"/>
+              <a:defRPr lang="en-US" sz="1200" kern="1200" smtClean="0">
+                <a:solidFill>
+                  <a:schemeClr val="tx1">
+                    <a:lumMod val="75000"/>
+                    <a:lumOff val="25000"/>
+                  </a:schemeClr>
+                </a:solidFill>
+                <a:latin typeface="+mn-lt"/>
+                <a:ea typeface="+mn-ea"/>
+                <a:cs typeface="+mn-cs"/>
+              </a:defRPr>
+            </a:lvl1pPr>
+            <a:lvl2pPr marL="685800" indent="-228600" algn="l" defTabSz="914400" rtl="0" eaLnBrk="1" latinLnBrk="0" hangingPunct="1">
+              <a:lnSpc>
+                <a:spcPts val="1800"/>
+              </a:lnSpc>
+              <a:spcBef>
+                <a:spcPts val="1000"/>
+              </a:spcBef>
+              <a:spcAft>
+                <a:spcPts val="1000"/>
+              </a:spcAft>
+              <a:buFont typeface="Arial" panose="020B0604020202020204" pitchFamily="34" charset="0"/>
+              <a:buChar char="•"/>
+              <a:defRPr lang="en-US" sz="1200" kern="1200" smtClean="0">
+                <a:solidFill>
+                  <a:schemeClr val="tx1">
+                    <a:lumMod val="75000"/>
+                    <a:lumOff val="25000"/>
+                  </a:schemeClr>
+                </a:solidFill>
+                <a:latin typeface="+mn-lt"/>
+                <a:ea typeface="+mn-ea"/>
+                <a:cs typeface="+mn-cs"/>
+              </a:defRPr>
+            </a:lvl2pPr>
+            <a:lvl3pPr marL="1143000" indent="-228600" algn="l" defTabSz="914400" rtl="0" eaLnBrk="1" latinLnBrk="0" hangingPunct="1">
+              <a:lnSpc>
+                <a:spcPts val="1800"/>
+              </a:lnSpc>
+              <a:spcBef>
+                <a:spcPts val="1000"/>
+              </a:spcBef>
+              <a:spcAft>
+                <a:spcPts val="1000"/>
+              </a:spcAft>
+              <a:buFont typeface="Arial" panose="020B0604020202020204" pitchFamily="34" charset="0"/>
+              <a:buChar char="•"/>
+              <a:defRPr lang="en-US" sz="1200" kern="1200" smtClean="0">
+                <a:solidFill>
+                  <a:schemeClr val="tx1">
+                    <a:lumMod val="75000"/>
+                    <a:lumOff val="25000"/>
+                  </a:schemeClr>
+                </a:solidFill>
+                <a:latin typeface="+mn-lt"/>
+                <a:ea typeface="+mn-ea"/>
+                <a:cs typeface="+mn-cs"/>
+              </a:defRPr>
+            </a:lvl3pPr>
+            <a:lvl4pPr marL="1600200" indent="-228600" algn="l" defTabSz="914400" rtl="0" eaLnBrk="1" latinLnBrk="0" hangingPunct="1">
+              <a:lnSpc>
+                <a:spcPts val="1800"/>
+              </a:lnSpc>
+              <a:spcBef>
+                <a:spcPts val="1000"/>
+              </a:spcBef>
+              <a:spcAft>
+                <a:spcPts val="1000"/>
+              </a:spcAft>
+              <a:buFont typeface="Arial" panose="020B0604020202020204" pitchFamily="34" charset="0"/>
+              <a:buChar char="•"/>
+              <a:defRPr lang="en-US" sz="1200" kern="1200" smtClean="0">
+                <a:solidFill>
+                  <a:schemeClr val="tx1">
+                    <a:lumMod val="75000"/>
+                    <a:lumOff val="25000"/>
+                  </a:schemeClr>
+                </a:solidFill>
+                <a:latin typeface="+mn-lt"/>
+                <a:ea typeface="+mn-ea"/>
+                <a:cs typeface="+mn-cs"/>
+              </a:defRPr>
+            </a:lvl4pPr>
+            <a:lvl5pPr marL="2057400" indent="-228600" algn="l" defTabSz="914400" rtl="0" eaLnBrk="1" latinLnBrk="0" hangingPunct="1">
+              <a:lnSpc>
+                <a:spcPts val="1800"/>
+              </a:lnSpc>
+              <a:spcBef>
+                <a:spcPts val="1000"/>
+              </a:spcBef>
+              <a:spcAft>
+                <a:spcPts val="1000"/>
+              </a:spcAft>
+              <a:buFont typeface="Arial" panose="020B0604020202020204" pitchFamily="34" charset="0"/>
+              <a:buChar char="•"/>
+              <a:defRPr lang="en-US" sz="1200" kern="1200">
+                <a:solidFill>
+                  <a:schemeClr val="tx1">
+                    <a:lumMod val="75000"/>
+                    <a:lumOff val="25000"/>
+                  </a:schemeClr>
+                </a:solidFill>
+                <a:latin typeface="+mn-lt"/>
+                <a:ea typeface="+mn-ea"/>
+                <a:cs typeface="+mn-cs"/>
+              </a:defRPr>
+            </a:lvl5pPr>
+            <a:lvl6pPr marL="2514600" indent="-228600" algn="l" defTabSz="914400" rtl="0" eaLnBrk="1" latinLnBrk="0" hangingPunct="1">
+              <a:lnSpc>
+                <a:spcPct val="90000"/>
+              </a:lnSpc>
+              <a:spcBef>
+                <a:spcPct val="30000"/>
+              </a:spcBef>
+              <a:buFont typeface="Arial" panose="020B0604020202020204" pitchFamily="34" charset="0"/>
+              <a:buChar char="•"/>
+              <a:defRPr sz="1800" kern="1200">
+                <a:solidFill>
+                  <a:schemeClr val="tx1"/>
+                </a:solidFill>
+                <a:latin typeface="+mn-lt"/>
+                <a:ea typeface="+mn-ea"/>
+                <a:cs typeface="+mn-cs"/>
+              </a:defRPr>
+            </a:lvl6pPr>
+            <a:lvl7pPr marL="2971800" indent="-228600" algn="l" defTabSz="914400" rtl="0" eaLnBrk="1" latinLnBrk="0" hangingPunct="1">
+              <a:lnSpc>
+                <a:spcPct val="90000"/>
+              </a:lnSpc>
+              <a:spcBef>
+                <a:spcPct val="30000"/>
+              </a:spcBef>
+              <a:buFont typeface="Arial" panose="020B0604020202020204" pitchFamily="34" charset="0"/>
+              <a:buChar char="•"/>
+              <a:defRPr sz="1800" kern="1200">
+                <a:solidFill>
+                  <a:schemeClr val="tx1"/>
+                </a:solidFill>
+                <a:latin typeface="+mn-lt"/>
+                <a:ea typeface="+mn-ea"/>
+                <a:cs typeface="+mn-cs"/>
+              </a:defRPr>
+            </a:lvl7pPr>
+            <a:lvl8pPr marL="3429000" indent="-228600" algn="l" defTabSz="914400" rtl="0" eaLnBrk="1" latinLnBrk="0" hangingPunct="1">
+              <a:lnSpc>
+                <a:spcPct val="90000"/>
+              </a:lnSpc>
+              <a:spcBef>
+                <a:spcPct val="30000"/>
+              </a:spcBef>
+              <a:buFont typeface="Arial" panose="020B0604020202020204" pitchFamily="34" charset="0"/>
+              <a:buChar char="•"/>
+              <a:defRPr sz="1800" kern="1200">
+                <a:solidFill>
+                  <a:schemeClr val="tx1"/>
+                </a:solidFill>
+                <a:latin typeface="+mn-lt"/>
+                <a:ea typeface="+mn-ea"/>
+                <a:cs typeface="+mn-cs"/>
+              </a:defRPr>
+            </a:lvl8pPr>
+            <a:lvl9pPr marL="3886200" indent="-228600" algn="l" defTabSz="914400" rtl="0" eaLnBrk="1" latinLnBrk="0" hangingPunct="1">
+              <a:lnSpc>
+                <a:spcPct val="90000"/>
+              </a:lnSpc>
+              <a:spcBef>
+                <a:spcPct val="30000"/>
+              </a:spcBef>
+              <a:buFont typeface="Arial" panose="020B0604020202020204" pitchFamily="34" charset="0"/>
+              <a:buChar char="•"/>
+              <a:defRPr sz="1800" kern="1200">
+                <a:solidFill>
+                  <a:schemeClr val="tx1"/>
+                </a:solidFill>
+                <a:latin typeface="+mn-lt"/>
+                <a:ea typeface="+mn-ea"/>
+                <a:cs typeface="+mn-cs"/>
+              </a:defRPr>
+            </a:lvl9pPr>
+          </a:lstStyle>
+          <a:p>
+            <a:pPr marL="342900" indent="-342900">
+              <a:spcAft>
+                <a:spcPts val="600"/>
+              </a:spcAft>
+              <a:buFont typeface="+mj-lt"/>
+              <a:buAutoNum type="arabicPeriod"/>
+              <a:defRPr/>
+            </a:pPr>
+            <a:r>
+              <a:rPr lang="en-US" sz="1800" dirty="0">
+                <a:latin typeface="Segoe UI" panose="020B0502040204020203" pitchFamily="34" charset="0"/>
+                <a:cs typeface="Segoe UI" panose="020B0502040204020203" pitchFamily="34" charset="0"/>
+              </a:rPr>
+              <a:t>The role of databases and SQL in the IT/business landscape</a:t>
+            </a:r>
+          </a:p>
+          <a:p>
+            <a:pPr marL="342900" indent="-342900">
+              <a:spcAft>
+                <a:spcPts val="600"/>
+              </a:spcAft>
+              <a:buFont typeface="+mj-lt"/>
+              <a:buAutoNum type="arabicPeriod"/>
+              <a:defRPr/>
+            </a:pPr>
+            <a:r>
+              <a:rPr lang="en-US" sz="1800" dirty="0">
+                <a:latin typeface="Segoe UI" panose="020B0502040204020203" pitchFamily="34" charset="0"/>
+                <a:cs typeface="Segoe UI" panose="020B0502040204020203" pitchFamily="34" charset="0"/>
+              </a:rPr>
+              <a:t>Understand relational databases</a:t>
+            </a:r>
+          </a:p>
+          <a:p>
+            <a:pPr marL="342900" indent="-342900">
+              <a:spcAft>
+                <a:spcPts val="600"/>
+              </a:spcAft>
+              <a:buFont typeface="+mj-lt"/>
+              <a:buAutoNum type="arabicPeriod"/>
+              <a:defRPr/>
+            </a:pPr>
+            <a:r>
+              <a:rPr lang="en-US" sz="1800" dirty="0">
+                <a:latin typeface="Segoe UI" panose="020B0502040204020203" pitchFamily="34" charset="0"/>
+                <a:cs typeface="Segoe UI" panose="020B0502040204020203" pitchFamily="34" charset="0"/>
+              </a:rPr>
+              <a:t>Query and transform data with SQL</a:t>
+            </a:r>
+          </a:p>
+          <a:p>
+            <a:pPr marL="342900" indent="-342900">
+              <a:spcAft>
+                <a:spcPts val="600"/>
+              </a:spcAft>
+              <a:buFont typeface="+mj-lt"/>
+              <a:buAutoNum type="arabicPeriod"/>
+              <a:defRPr/>
+            </a:pPr>
+            <a:r>
+              <a:rPr lang="en-US" sz="1800" dirty="0">
+                <a:latin typeface="Segoe UI" panose="020B0502040204020203" pitchFamily="34" charset="0"/>
+                <a:cs typeface="Segoe UI" panose="020B0502040204020203" pitchFamily="34" charset="0"/>
+              </a:rPr>
+              <a:t>Database Design</a:t>
+            </a:r>
+          </a:p>
+          <a:p>
+            <a:pPr marL="342900" indent="-342900">
+              <a:spcAft>
+                <a:spcPts val="600"/>
+              </a:spcAft>
+              <a:buFont typeface="+mj-lt"/>
+              <a:buAutoNum type="arabicPeriod"/>
+              <a:defRPr/>
+            </a:pPr>
+            <a:r>
+              <a:rPr lang="en-US" sz="1800" dirty="0">
+                <a:latin typeface="Segoe UI" panose="020B0502040204020203" pitchFamily="34" charset="0"/>
+                <a:cs typeface="Segoe UI" panose="020B0502040204020203" pitchFamily="34" charset="0"/>
+              </a:rPr>
+              <a:t>Writing data in tables</a:t>
+            </a:r>
+          </a:p>
+        </p:txBody>
+      </p:sp>
+      <p:sp>
+        <p:nvSpPr>
+          <p:cNvPr id="8" name="Title 7"/>
+          <p:cNvSpPr>
+            <a:spLocks noGrp="1"/>
+          </p:cNvSpPr>
+          <p:nvPr>
+            <p:ph type="title"/>
+          </p:nvPr>
+        </p:nvSpPr>
+        <p:spPr/>
+        <p:txBody>
+          <a:bodyPr/>
+          <a:lstStyle/>
+          <a:p>
+            <a:r>
+              <a:rPr lang="en-US" dirty="0">
+                <a:latin typeface="Segoe UI Light" panose="020B0502040204020203" pitchFamily="34" charset="0"/>
+                <a:cs typeface="Segoe UI Light" panose="020B0502040204020203" pitchFamily="34" charset="0"/>
+              </a:rPr>
+              <a:t>What to Expect in the Next Two Days</a:t>
+            </a:r>
+          </a:p>
+        </p:txBody>
+      </p:sp>
+    </p:spTree>
+    <p:extLst>
+      <p:ext uri="{BB962C8B-B14F-4D97-AF65-F5344CB8AC3E}">
+        <p14:creationId xmlns:p14="http://schemas.microsoft.com/office/powerpoint/2010/main" val="3457616166"/>
+      </p:ext>
+    </p:extLst>
+  </p:cSld>
+  <p:clrMapOvr>
+    <a:masterClrMapping/>
+  </p:clrMapOvr>
+</p:sld>
+</file>
+
+<file path=ppt/slides/slide30.xml><?xml version="1.0" encoding="utf-8"?>
 <p:sld xmlns:a="http://schemas.openxmlformats.org/drawingml/2006/main" xmlns:r="http://schemas.openxmlformats.org/officeDocument/2006/relationships" xmlns:p="http://schemas.openxmlformats.org/presentationml/2006/main">
   <p:cSld>
     <p:spTree>
@@ -10007,364 +10830,7 @@
 </p:sld>
 </file>
 
-<file path=ppt/slides/slide3.xml><?xml version="1.0" encoding="utf-8"?>
-<p:sld xmlns:a="http://schemas.openxmlformats.org/drawingml/2006/main" xmlns:r="http://schemas.openxmlformats.org/officeDocument/2006/relationships" xmlns:p="http://schemas.openxmlformats.org/presentationml/2006/main">
-  <p:cSld>
-    <p:spTree>
-      <p:nvGrpSpPr>
-        <p:cNvPr id="1" name=""/>
-        <p:cNvGrpSpPr/>
-        <p:nvPr/>
-      </p:nvGrpSpPr>
-      <p:grpSpPr>
-        <a:xfrm>
-          <a:off x="0" y="0"/>
-          <a:ext cx="0" cy="0"/>
-          <a:chOff x="0" y="0"/>
-          <a:chExt cx="0" cy="0"/>
-        </a:xfrm>
-      </p:grpSpPr>
-      <p:sp>
-        <p:nvSpPr>
-          <p:cNvPr id="38" name="Content Placeholder 17"/>
-          <p:cNvSpPr txBox="1">
-            <a:spLocks/>
-          </p:cNvSpPr>
-          <p:nvPr/>
-        </p:nvSpPr>
-        <p:spPr>
-          <a:xfrm>
-            <a:off x="541611" y="1296102"/>
-            <a:ext cx="7109491" cy="3871519"/>
-          </a:xfrm>
-          <a:prstGeom prst="rect">
-            <a:avLst/>
-          </a:prstGeom>
-        </p:spPr>
-        <p:txBody>
-          <a:bodyPr vert="horz" lIns="91440" tIns="45720" rIns="91440" bIns="45720" rtlCol="0">
-            <a:normAutofit/>
-          </a:bodyPr>
-          <a:lstStyle>
-            <a:lvl1pPr marL="228600" indent="-228600" algn="l" defTabSz="914400" rtl="0" eaLnBrk="1" latinLnBrk="0" hangingPunct="1">
-              <a:lnSpc>
-                <a:spcPts val="1800"/>
-              </a:lnSpc>
-              <a:spcBef>
-                <a:spcPts val="1000"/>
-              </a:spcBef>
-              <a:spcAft>
-                <a:spcPts val="1000"/>
-              </a:spcAft>
-              <a:buFont typeface="Arial" panose="020B0604020202020204" pitchFamily="34" charset="0"/>
-              <a:buChar char="•"/>
-              <a:defRPr lang="en-US" sz="1200" kern="1200" smtClean="0">
-                <a:solidFill>
-                  <a:schemeClr val="tx1">
-                    <a:lumMod val="75000"/>
-                    <a:lumOff val="25000"/>
-                  </a:schemeClr>
-                </a:solidFill>
-                <a:latin typeface="+mn-lt"/>
-                <a:ea typeface="+mn-ea"/>
-                <a:cs typeface="+mn-cs"/>
-              </a:defRPr>
-            </a:lvl1pPr>
-            <a:lvl2pPr marL="685800" indent="-228600" algn="l" defTabSz="914400" rtl="0" eaLnBrk="1" latinLnBrk="0" hangingPunct="1">
-              <a:lnSpc>
-                <a:spcPts val="1800"/>
-              </a:lnSpc>
-              <a:spcBef>
-                <a:spcPts val="1000"/>
-              </a:spcBef>
-              <a:spcAft>
-                <a:spcPts val="1000"/>
-              </a:spcAft>
-              <a:buFont typeface="Arial" panose="020B0604020202020204" pitchFamily="34" charset="0"/>
-              <a:buChar char="•"/>
-              <a:defRPr lang="en-US" sz="1200" kern="1200" smtClean="0">
-                <a:solidFill>
-                  <a:schemeClr val="tx1">
-                    <a:lumMod val="75000"/>
-                    <a:lumOff val="25000"/>
-                  </a:schemeClr>
-                </a:solidFill>
-                <a:latin typeface="+mn-lt"/>
-                <a:ea typeface="+mn-ea"/>
-                <a:cs typeface="+mn-cs"/>
-              </a:defRPr>
-            </a:lvl2pPr>
-            <a:lvl3pPr marL="1143000" indent="-228600" algn="l" defTabSz="914400" rtl="0" eaLnBrk="1" latinLnBrk="0" hangingPunct="1">
-              <a:lnSpc>
-                <a:spcPts val="1800"/>
-              </a:lnSpc>
-              <a:spcBef>
-                <a:spcPts val="1000"/>
-              </a:spcBef>
-              <a:spcAft>
-                <a:spcPts val="1000"/>
-              </a:spcAft>
-              <a:buFont typeface="Arial" panose="020B0604020202020204" pitchFamily="34" charset="0"/>
-              <a:buChar char="•"/>
-              <a:defRPr lang="en-US" sz="1200" kern="1200" smtClean="0">
-                <a:solidFill>
-                  <a:schemeClr val="tx1">
-                    <a:lumMod val="75000"/>
-                    <a:lumOff val="25000"/>
-                  </a:schemeClr>
-                </a:solidFill>
-                <a:latin typeface="+mn-lt"/>
-                <a:ea typeface="+mn-ea"/>
-                <a:cs typeface="+mn-cs"/>
-              </a:defRPr>
-            </a:lvl3pPr>
-            <a:lvl4pPr marL="1600200" indent="-228600" algn="l" defTabSz="914400" rtl="0" eaLnBrk="1" latinLnBrk="0" hangingPunct="1">
-              <a:lnSpc>
-                <a:spcPts val="1800"/>
-              </a:lnSpc>
-              <a:spcBef>
-                <a:spcPts val="1000"/>
-              </a:spcBef>
-              <a:spcAft>
-                <a:spcPts val="1000"/>
-              </a:spcAft>
-              <a:buFont typeface="Arial" panose="020B0604020202020204" pitchFamily="34" charset="0"/>
-              <a:buChar char="•"/>
-              <a:defRPr lang="en-US" sz="1200" kern="1200" smtClean="0">
-                <a:solidFill>
-                  <a:schemeClr val="tx1">
-                    <a:lumMod val="75000"/>
-                    <a:lumOff val="25000"/>
-                  </a:schemeClr>
-                </a:solidFill>
-                <a:latin typeface="+mn-lt"/>
-                <a:ea typeface="+mn-ea"/>
-                <a:cs typeface="+mn-cs"/>
-              </a:defRPr>
-            </a:lvl4pPr>
-            <a:lvl5pPr marL="2057400" indent="-228600" algn="l" defTabSz="914400" rtl="0" eaLnBrk="1" latinLnBrk="0" hangingPunct="1">
-              <a:lnSpc>
-                <a:spcPts val="1800"/>
-              </a:lnSpc>
-              <a:spcBef>
-                <a:spcPts val="1000"/>
-              </a:spcBef>
-              <a:spcAft>
-                <a:spcPts val="1000"/>
-              </a:spcAft>
-              <a:buFont typeface="Arial" panose="020B0604020202020204" pitchFamily="34" charset="0"/>
-              <a:buChar char="•"/>
-              <a:defRPr lang="en-US" sz="1200" kern="1200">
-                <a:solidFill>
-                  <a:schemeClr val="tx1">
-                    <a:lumMod val="75000"/>
-                    <a:lumOff val="25000"/>
-                  </a:schemeClr>
-                </a:solidFill>
-                <a:latin typeface="+mn-lt"/>
-                <a:ea typeface="+mn-ea"/>
-                <a:cs typeface="+mn-cs"/>
-              </a:defRPr>
-            </a:lvl5pPr>
-            <a:lvl6pPr marL="2514600" indent="-228600" algn="l" defTabSz="914400" rtl="0" eaLnBrk="1" latinLnBrk="0" hangingPunct="1">
-              <a:lnSpc>
-                <a:spcPct val="90000"/>
-              </a:lnSpc>
-              <a:spcBef>
-                <a:spcPct val="30000"/>
-              </a:spcBef>
-              <a:buFont typeface="Arial" panose="020B0604020202020204" pitchFamily="34" charset="0"/>
-              <a:buChar char="•"/>
-              <a:defRPr sz="1800" kern="1200">
-                <a:solidFill>
-                  <a:schemeClr val="tx1"/>
-                </a:solidFill>
-                <a:latin typeface="+mn-lt"/>
-                <a:ea typeface="+mn-ea"/>
-                <a:cs typeface="+mn-cs"/>
-              </a:defRPr>
-            </a:lvl6pPr>
-            <a:lvl7pPr marL="2971800" indent="-228600" algn="l" defTabSz="914400" rtl="0" eaLnBrk="1" latinLnBrk="0" hangingPunct="1">
-              <a:lnSpc>
-                <a:spcPct val="90000"/>
-              </a:lnSpc>
-              <a:spcBef>
-                <a:spcPct val="30000"/>
-              </a:spcBef>
-              <a:buFont typeface="Arial" panose="020B0604020202020204" pitchFamily="34" charset="0"/>
-              <a:buChar char="•"/>
-              <a:defRPr sz="1800" kern="1200">
-                <a:solidFill>
-                  <a:schemeClr val="tx1"/>
-                </a:solidFill>
-                <a:latin typeface="+mn-lt"/>
-                <a:ea typeface="+mn-ea"/>
-                <a:cs typeface="+mn-cs"/>
-              </a:defRPr>
-            </a:lvl7pPr>
-            <a:lvl8pPr marL="3429000" indent="-228600" algn="l" defTabSz="914400" rtl="0" eaLnBrk="1" latinLnBrk="0" hangingPunct="1">
-              <a:lnSpc>
-                <a:spcPct val="90000"/>
-              </a:lnSpc>
-              <a:spcBef>
-                <a:spcPct val="30000"/>
-              </a:spcBef>
-              <a:buFont typeface="Arial" panose="020B0604020202020204" pitchFamily="34" charset="0"/>
-              <a:buChar char="•"/>
-              <a:defRPr sz="1800" kern="1200">
-                <a:solidFill>
-                  <a:schemeClr val="tx1"/>
-                </a:solidFill>
-                <a:latin typeface="+mn-lt"/>
-                <a:ea typeface="+mn-ea"/>
-                <a:cs typeface="+mn-cs"/>
-              </a:defRPr>
-            </a:lvl8pPr>
-            <a:lvl9pPr marL="3886200" indent="-228600" algn="l" defTabSz="914400" rtl="0" eaLnBrk="1" latinLnBrk="0" hangingPunct="1">
-              <a:lnSpc>
-                <a:spcPct val="90000"/>
-              </a:lnSpc>
-              <a:spcBef>
-                <a:spcPct val="30000"/>
-              </a:spcBef>
-              <a:buFont typeface="Arial" panose="020B0604020202020204" pitchFamily="34" charset="0"/>
-              <a:buChar char="•"/>
-              <a:defRPr sz="1800" kern="1200">
-                <a:solidFill>
-                  <a:schemeClr val="tx1"/>
-                </a:solidFill>
-                <a:latin typeface="+mn-lt"/>
-                <a:ea typeface="+mn-ea"/>
-                <a:cs typeface="+mn-cs"/>
-              </a:defRPr>
-            </a:lvl9pPr>
-          </a:lstStyle>
-          <a:p>
-            <a:pPr marL="342900" indent="-342900">
-              <a:spcAft>
-                <a:spcPts val="600"/>
-              </a:spcAft>
-              <a:buFont typeface="+mj-lt"/>
-              <a:buAutoNum type="arabicPeriod"/>
-              <a:defRPr/>
-            </a:pPr>
-            <a:r>
-              <a:rPr lang="en-US" sz="1800" dirty="0">
-                <a:latin typeface="Segoe UI" panose="020B0502040204020203" pitchFamily="34" charset="0"/>
-                <a:cs typeface="Segoe UI" panose="020B0502040204020203" pitchFamily="34" charset="0"/>
-              </a:rPr>
-              <a:t>The role of databases and SQL in the IT/business landscape</a:t>
-            </a:r>
-          </a:p>
-          <a:p>
-            <a:pPr marL="342900" indent="-342900">
-              <a:spcAft>
-                <a:spcPts val="600"/>
-              </a:spcAft>
-              <a:buFont typeface="+mj-lt"/>
-              <a:buAutoNum type="arabicPeriod"/>
-              <a:defRPr/>
-            </a:pPr>
-            <a:r>
-              <a:rPr lang="en-US" sz="1800" dirty="0">
-                <a:latin typeface="Segoe UI" panose="020B0502040204020203" pitchFamily="34" charset="0"/>
-                <a:cs typeface="Segoe UI" panose="020B0502040204020203" pitchFamily="34" charset="0"/>
-              </a:rPr>
-              <a:t>Understand relational databases</a:t>
-            </a:r>
-          </a:p>
-          <a:p>
-            <a:pPr marL="342900" indent="-342900">
-              <a:spcAft>
-                <a:spcPts val="600"/>
-              </a:spcAft>
-              <a:buFont typeface="+mj-lt"/>
-              <a:buAutoNum type="arabicPeriod"/>
-              <a:defRPr/>
-            </a:pPr>
-            <a:r>
-              <a:rPr lang="en-US" sz="1800" dirty="0">
-                <a:latin typeface="Segoe UI" panose="020B0502040204020203" pitchFamily="34" charset="0"/>
-                <a:cs typeface="Segoe UI" panose="020B0502040204020203" pitchFamily="34" charset="0"/>
-              </a:rPr>
-              <a:t>Query and transform data with SQL</a:t>
-            </a:r>
-          </a:p>
-          <a:p>
-            <a:pPr marL="342900" indent="-342900">
-              <a:spcAft>
-                <a:spcPts val="600"/>
-              </a:spcAft>
-              <a:buFont typeface="+mj-lt"/>
-              <a:buAutoNum type="arabicPeriod"/>
-              <a:defRPr/>
-            </a:pPr>
-            <a:r>
-              <a:rPr lang="en-US" sz="1800" dirty="0">
-                <a:latin typeface="Segoe UI" panose="020B0502040204020203" pitchFamily="34" charset="0"/>
-                <a:cs typeface="Segoe UI" panose="020B0502040204020203" pitchFamily="34" charset="0"/>
-              </a:rPr>
-              <a:t>Database Design</a:t>
-            </a:r>
-          </a:p>
-          <a:p>
-            <a:pPr marL="342900" indent="-342900">
-              <a:spcAft>
-                <a:spcPts val="600"/>
-              </a:spcAft>
-              <a:buFont typeface="+mj-lt"/>
-              <a:buAutoNum type="arabicPeriod"/>
-              <a:defRPr/>
-            </a:pPr>
-            <a:r>
-              <a:rPr lang="en-US" sz="1800" dirty="0">
-                <a:latin typeface="Segoe UI" panose="020B0502040204020203" pitchFamily="34" charset="0"/>
-                <a:cs typeface="Segoe UI" panose="020B0502040204020203" pitchFamily="34" charset="0"/>
-              </a:rPr>
-              <a:t>Writing data in tables</a:t>
-            </a:r>
-          </a:p>
-        </p:txBody>
-      </p:sp>
-      <p:sp>
-        <p:nvSpPr>
-          <p:cNvPr id="8" name="Title 7"/>
-          <p:cNvSpPr>
-            <a:spLocks noGrp="1"/>
-          </p:cNvSpPr>
-          <p:nvPr>
-            <p:ph type="title"/>
-          </p:nvPr>
-        </p:nvSpPr>
-        <p:spPr/>
-        <p:txBody>
-          <a:bodyPr/>
-          <a:lstStyle/>
-          <a:p>
-            <a:r>
-              <a:rPr lang="en-US" dirty="0">
-                <a:latin typeface="Segoe UI Light" panose="020B0502040204020203" pitchFamily="34" charset="0"/>
-                <a:cs typeface="Segoe UI Light" panose="020B0502040204020203" pitchFamily="34" charset="0"/>
-              </a:rPr>
-              <a:t>What to Expect in the Next Two Days</a:t>
-            </a:r>
-          </a:p>
-        </p:txBody>
-      </p:sp>
-    </p:spTree>
-    <p:extLst>
-      <p:ext uri="{BB962C8B-B14F-4D97-AF65-F5344CB8AC3E}">
-        <p14:creationId xmlns:p14="http://schemas.microsoft.com/office/powerpoint/2010/main" val="3457616166"/>
-      </p:ext>
-    </p:extLst>
-  </p:cSld>
-  <p:clrMapOvr>
-    <a:masterClrMapping/>
-  </p:clrMapOvr>
-</p:sld>
-</file>
-
-<file path=ppt/slides/slide30.xml><?xml version="1.0" encoding="utf-8"?>
+<file path=ppt/slides/slide31.xml><?xml version="1.0" encoding="utf-8"?>
 <p:sld xmlns:a="http://schemas.openxmlformats.org/drawingml/2006/main" xmlns:r="http://schemas.openxmlformats.org/officeDocument/2006/relationships" xmlns:p="http://schemas.openxmlformats.org/presentationml/2006/main">
   <p:cSld>
     <p:spTree>
@@ -10610,7 +11076,7 @@
 </p:sld>
 </file>
 
-<file path=ppt/slides/slide31.xml><?xml version="1.0" encoding="utf-8"?>
+<file path=ppt/slides/slide32.xml><?xml version="1.0" encoding="utf-8"?>
 <p:sld xmlns:a="http://schemas.openxmlformats.org/drawingml/2006/main" xmlns:r="http://schemas.openxmlformats.org/officeDocument/2006/relationships" xmlns:p="http://schemas.openxmlformats.org/presentationml/2006/main">
   <p:cSld>
     <p:spTree>
@@ -10890,7 +11356,7 @@
 </p:sld>
 </file>
 
-<file path=ppt/slides/slide32.xml><?xml version="1.0" encoding="utf-8"?>
+<file path=ppt/slides/slide33.xml><?xml version="1.0" encoding="utf-8"?>
 <p:sld xmlns:a="http://schemas.openxmlformats.org/drawingml/2006/main" xmlns:r="http://schemas.openxmlformats.org/officeDocument/2006/relationships" xmlns:p="http://schemas.openxmlformats.org/presentationml/2006/main">
   <p:cSld>
     <p:spTree>
@@ -11342,7 +11808,7 @@
 </p:sld>
 </file>
 
-<file path=ppt/slides/slide33.xml><?xml version="1.0" encoding="utf-8"?>
+<file path=ppt/slides/slide34.xml><?xml version="1.0" encoding="utf-8"?>
 <p:sld xmlns:a="http://schemas.openxmlformats.org/drawingml/2006/main" xmlns:r="http://schemas.openxmlformats.org/officeDocument/2006/relationships" xmlns:p="http://schemas.openxmlformats.org/presentationml/2006/main">
   <p:cSld>
     <p:spTree>
@@ -11629,444 +12095,6 @@
 </p:sld>
 </file>
 
-<file path=ppt/slides/slide34.xml><?xml version="1.0" encoding="utf-8"?>
-<p:sld xmlns:a="http://schemas.openxmlformats.org/drawingml/2006/main" xmlns:r="http://schemas.openxmlformats.org/officeDocument/2006/relationships" xmlns:p="http://schemas.openxmlformats.org/presentationml/2006/main">
-  <p:cSld>
-    <p:spTree>
-      <p:nvGrpSpPr>
-        <p:cNvPr id="1" name=""/>
-        <p:cNvGrpSpPr/>
-        <p:nvPr/>
-      </p:nvGrpSpPr>
-      <p:grpSpPr>
-        <a:xfrm>
-          <a:off x="0" y="0"/>
-          <a:ext cx="0" cy="0"/>
-          <a:chOff x="0" y="0"/>
-          <a:chExt cx="0" cy="0"/>
-        </a:xfrm>
-      </p:grpSpPr>
-      <p:sp>
-        <p:nvSpPr>
-          <p:cNvPr id="2" name="Content Placeholder 1"/>
-          <p:cNvSpPr>
-            <a:spLocks noGrp="1"/>
-          </p:cNvSpPr>
-          <p:nvPr>
-            <p:ph sz="half" idx="2"/>
-          </p:nvPr>
-        </p:nvSpPr>
-        <p:spPr>
-          <a:xfrm>
-            <a:off x="541612" y="1431014"/>
-            <a:ext cx="10845858" cy="3978275"/>
-          </a:xfrm>
-        </p:spPr>
-        <p:txBody>
-          <a:bodyPr/>
-          <a:lstStyle/>
-          <a:p>
-            <a:pPr marL="0" indent="0">
-              <a:buNone/>
-            </a:pPr>
-            <a:r>
-              <a:rPr lang="en-US" b="1" dirty="0">
-                <a:solidFill>
-                  <a:schemeClr val="accent5">
-                    <a:lumMod val="75000"/>
-                  </a:schemeClr>
-                </a:solidFill>
-              </a:rPr>
-              <a:t>SELECT</a:t>
-            </a:r>
-            <a:r>
-              <a:rPr lang="en-US" b="1" dirty="0"/>
-              <a:t> all records where </a:t>
-            </a:r>
-            <a:r>
-              <a:rPr lang="en-US" b="1" dirty="0">
-                <a:solidFill>
-                  <a:schemeClr val="accent5">
-                    <a:lumMod val="75000"/>
-                  </a:schemeClr>
-                </a:solidFill>
-              </a:rPr>
-              <a:t>TEMPERATURE</a:t>
-            </a:r>
-            <a:r>
-              <a:rPr lang="en-US" b="1" dirty="0"/>
-              <a:t> is between 30 and 50 degrees</a:t>
-            </a:r>
-          </a:p>
-          <a:p>
-            <a:pPr marL="0" indent="0">
-              <a:buNone/>
-            </a:pPr>
-            <a:endParaRPr lang="en-US" b="1" dirty="0">
-              <a:solidFill>
-                <a:schemeClr val="accent5">
-                  <a:lumMod val="75000"/>
-                </a:schemeClr>
-              </a:solidFill>
-            </a:endParaRPr>
-          </a:p>
-          <a:p>
-            <a:pPr marL="0" indent="0">
-              <a:buNone/>
-            </a:pPr>
-            <a:r>
-              <a:rPr lang="en-US" dirty="0">
-                <a:solidFill>
-                  <a:schemeClr val="accent5">
-                    <a:lumMod val="75000"/>
-                  </a:schemeClr>
-                </a:solidFill>
-              </a:rPr>
-              <a:t>SELECT * FROM </a:t>
-            </a:r>
-            <a:r>
-              <a:rPr lang="en-US" dirty="0" err="1">
-                <a:solidFill>
-                  <a:schemeClr val="accent5">
-                    <a:lumMod val="75000"/>
-                  </a:schemeClr>
-                </a:solidFill>
-              </a:rPr>
-              <a:t>station_data</a:t>
-            </a:r>
-            <a:endParaRPr lang="en-US" dirty="0">
-              <a:solidFill>
-                <a:schemeClr val="accent5">
-                  <a:lumMod val="75000"/>
-                </a:schemeClr>
-              </a:solidFill>
-            </a:endParaRPr>
-          </a:p>
-          <a:p>
-            <a:pPr marL="0" indent="0">
-              <a:buNone/>
-            </a:pPr>
-            <a:r>
-              <a:rPr lang="en-US" dirty="0">
-                <a:solidFill>
-                  <a:schemeClr val="accent5">
-                    <a:lumMod val="75000"/>
-                  </a:schemeClr>
-                </a:solidFill>
-              </a:rPr>
-              <a:t>WHERE temperature BETWEEN 30 AND 50;</a:t>
-            </a:r>
-          </a:p>
-          <a:p>
-            <a:pPr marL="0" indent="0">
-              <a:buNone/>
-            </a:pPr>
-            <a:r>
-              <a:rPr lang="en-US" dirty="0">
-                <a:solidFill>
-                  <a:schemeClr val="accent5">
-                    <a:lumMod val="75000"/>
-                  </a:schemeClr>
-                </a:solidFill>
-              </a:rPr>
-              <a:t>    </a:t>
-            </a:r>
-            <a:r>
-              <a:rPr lang="en-US" i="1" u="sng" dirty="0">
-                <a:solidFill>
-                  <a:srgbClr val="FF0000"/>
-                </a:solidFill>
-              </a:rPr>
-              <a:t>OR</a:t>
-            </a:r>
-          </a:p>
-          <a:p>
-            <a:pPr marL="0" indent="0">
-              <a:buNone/>
-            </a:pPr>
-            <a:r>
-              <a:rPr lang="en-US" dirty="0">
-                <a:solidFill>
-                  <a:schemeClr val="accent5">
-                    <a:lumMod val="75000"/>
-                  </a:schemeClr>
-                </a:solidFill>
-              </a:rPr>
-              <a:t>SELECT * FROM </a:t>
-            </a:r>
-            <a:r>
-              <a:rPr lang="en-US" dirty="0" err="1">
-                <a:solidFill>
-                  <a:schemeClr val="accent5">
-                    <a:lumMod val="75000"/>
-                  </a:schemeClr>
-                </a:solidFill>
-              </a:rPr>
-              <a:t>station_data</a:t>
-            </a:r>
-            <a:endParaRPr lang="en-US" dirty="0">
-              <a:solidFill>
-                <a:schemeClr val="accent5">
-                  <a:lumMod val="75000"/>
-                </a:schemeClr>
-              </a:solidFill>
-            </a:endParaRPr>
-          </a:p>
-          <a:p>
-            <a:pPr marL="0" indent="0">
-              <a:buNone/>
-            </a:pPr>
-            <a:r>
-              <a:rPr lang="en-US" dirty="0">
-                <a:solidFill>
-                  <a:schemeClr val="accent5">
-                    <a:lumMod val="75000"/>
-                  </a:schemeClr>
-                </a:solidFill>
-              </a:rPr>
-              <a:t>WHERE temperature &gt;= 30 and temperature &lt;= 50;</a:t>
-            </a:r>
-          </a:p>
-        </p:txBody>
-      </p:sp>
-      <p:sp>
-        <p:nvSpPr>
-          <p:cNvPr id="3" name="Title 2"/>
-          <p:cNvSpPr>
-            <a:spLocks noGrp="1"/>
-          </p:cNvSpPr>
-          <p:nvPr>
-            <p:ph type="title"/>
-          </p:nvPr>
-        </p:nvSpPr>
-        <p:spPr/>
-        <p:txBody>
-          <a:bodyPr/>
-          <a:lstStyle/>
-          <a:p>
-            <a:r>
-              <a:rPr lang="en-US" dirty="0"/>
-              <a:t>Exercise 4.1</a:t>
-            </a:r>
-          </a:p>
-        </p:txBody>
-      </p:sp>
-    </p:spTree>
-    <p:extLst>
-      <p:ext uri="{BB962C8B-B14F-4D97-AF65-F5344CB8AC3E}">
-        <p14:creationId xmlns:p14="http://schemas.microsoft.com/office/powerpoint/2010/main" val="666343791"/>
-      </p:ext>
-    </p:extLst>
-  </p:cSld>
-  <p:clrMapOvr>
-    <a:masterClrMapping/>
-  </p:clrMapOvr>
-  <p:timing>
-    <p:tnLst>
-      <p:par>
-        <p:cTn id="1" dur="indefinite" restart="never" nodeType="tmRoot">
-          <p:childTnLst>
-            <p:seq concurrent="1" nextAc="seek">
-              <p:cTn id="2" dur="indefinite" nodeType="mainSeq">
-                <p:childTnLst>
-                  <p:par>
-                    <p:cTn id="3" fill="hold">
-                      <p:stCondLst>
-                        <p:cond delay="indefinite"/>
-                      </p:stCondLst>
-                      <p:childTnLst>
-                        <p:par>
-                          <p:cTn id="4" fill="hold">
-                            <p:stCondLst>
-                              <p:cond delay="0"/>
-                            </p:stCondLst>
-                            <p:childTnLst>
-                              <p:par>
-                                <p:cTn id="5" presetID="1" presetClass="entr" presetSubtype="0" fill="hold" nodeType="clickEffect">
-                                  <p:stCondLst>
-                                    <p:cond delay="0"/>
-                                  </p:stCondLst>
-                                  <p:childTnLst>
-                                    <p:set>
-                                      <p:cBhvr>
-                                        <p:cTn id="6" dur="1" fill="hold">
-                                          <p:stCondLst>
-                                            <p:cond delay="0"/>
-                                          </p:stCondLst>
-                                        </p:cTn>
-                                        <p:tgtEl>
-                                          <p:spTgt spid="2">
-                                            <p:txEl>
-                                              <p:pRg st="2" end="2"/>
-                                            </p:txEl>
-                                          </p:spTgt>
-                                        </p:tgtEl>
-                                        <p:attrNameLst>
-                                          <p:attrName>style.visibility</p:attrName>
-                                        </p:attrNameLst>
-                                      </p:cBhvr>
-                                      <p:to>
-                                        <p:strVal val="visible"/>
-                                      </p:to>
-                                    </p:set>
-                                  </p:childTnLst>
-                                </p:cTn>
-                              </p:par>
-                              <p:par>
-                                <p:cTn id="7" presetID="1" presetClass="entr" presetSubtype="0" fill="hold" nodeType="withEffect">
-                                  <p:stCondLst>
-                                    <p:cond delay="0"/>
-                                  </p:stCondLst>
-                                  <p:childTnLst>
-                                    <p:set>
-                                      <p:cBhvr>
-                                        <p:cTn id="8" dur="1" fill="hold">
-                                          <p:stCondLst>
-                                            <p:cond delay="0"/>
-                                          </p:stCondLst>
-                                        </p:cTn>
-                                        <p:tgtEl>
-                                          <p:spTgt spid="2">
-                                            <p:txEl>
-                                              <p:pRg st="3" end="3"/>
-                                            </p:txEl>
-                                          </p:spTgt>
-                                        </p:tgtEl>
-                                        <p:attrNameLst>
-                                          <p:attrName>style.visibility</p:attrName>
-                                        </p:attrNameLst>
-                                      </p:cBhvr>
-                                      <p:to>
-                                        <p:strVal val="visible"/>
-                                      </p:to>
-                                    </p:set>
-                                  </p:childTnLst>
-                                </p:cTn>
-                              </p:par>
-                              <p:par>
-                                <p:cTn id="9" presetID="1" presetClass="entr" presetSubtype="0" fill="hold" nodeType="withEffect">
-                                  <p:stCondLst>
-                                    <p:cond delay="0"/>
-                                  </p:stCondLst>
-                                  <p:childTnLst>
-                                    <p:set>
-                                      <p:cBhvr>
-                                        <p:cTn id="10" dur="1" fill="hold">
-                                          <p:stCondLst>
-                                            <p:cond delay="0"/>
-                                          </p:stCondLst>
-                                        </p:cTn>
-                                        <p:tgtEl>
-                                          <p:spTgt spid="2">
-                                            <p:txEl>
-                                              <p:pRg st="4" end="4"/>
-                                            </p:txEl>
-                                          </p:spTgt>
-                                        </p:tgtEl>
-                                        <p:attrNameLst>
-                                          <p:attrName>style.visibility</p:attrName>
-                                        </p:attrNameLst>
-                                      </p:cBhvr>
-                                      <p:to>
-                                        <p:strVal val="visible"/>
-                                      </p:to>
-                                    </p:set>
-                                  </p:childTnLst>
-                                </p:cTn>
-                              </p:par>
-                              <p:par>
-                                <p:cTn id="11" presetID="1" presetClass="entr" presetSubtype="0" fill="hold" nodeType="withEffect">
-                                  <p:stCondLst>
-                                    <p:cond delay="0"/>
-                                  </p:stCondLst>
-                                  <p:childTnLst>
-                                    <p:set>
-                                      <p:cBhvr>
-                                        <p:cTn id="12" dur="1" fill="hold">
-                                          <p:stCondLst>
-                                            <p:cond delay="0"/>
-                                          </p:stCondLst>
-                                        </p:cTn>
-                                        <p:tgtEl>
-                                          <p:spTgt spid="2">
-                                            <p:txEl>
-                                              <p:pRg st="5" end="5"/>
-                                            </p:txEl>
-                                          </p:spTgt>
-                                        </p:tgtEl>
-                                        <p:attrNameLst>
-                                          <p:attrName>style.visibility</p:attrName>
-                                        </p:attrNameLst>
-                                      </p:cBhvr>
-                                      <p:to>
-                                        <p:strVal val="visible"/>
-                                      </p:to>
-                                    </p:set>
-                                  </p:childTnLst>
-                                </p:cTn>
-                              </p:par>
-                              <p:par>
-                                <p:cTn id="13" presetID="1" presetClass="entr" presetSubtype="0" fill="hold" nodeType="withEffect">
-                                  <p:stCondLst>
-                                    <p:cond delay="0"/>
-                                  </p:stCondLst>
-                                  <p:childTnLst>
-                                    <p:set>
-                                      <p:cBhvr>
-                                        <p:cTn id="14" dur="1" fill="hold">
-                                          <p:stCondLst>
-                                            <p:cond delay="0"/>
-                                          </p:stCondLst>
-                                        </p:cTn>
-                                        <p:tgtEl>
-                                          <p:spTgt spid="2">
-                                            <p:txEl>
-                                              <p:pRg st="6" end="6"/>
-                                            </p:txEl>
-                                          </p:spTgt>
-                                        </p:tgtEl>
-                                        <p:attrNameLst>
-                                          <p:attrName>style.visibility</p:attrName>
-                                        </p:attrNameLst>
-                                      </p:cBhvr>
-                                      <p:to>
-                                        <p:strVal val="visible"/>
-                                      </p:to>
-                                    </p:set>
-                                  </p:childTnLst>
-                                </p:cTn>
-                              </p:par>
-                            </p:childTnLst>
-                          </p:cTn>
-                        </p:par>
-                      </p:childTnLst>
-                    </p:cTn>
-                  </p:par>
-                </p:childTnLst>
-              </p:cTn>
-              <p:prevCondLst>
-                <p:cond evt="onPrev" delay="0">
-                  <p:tgtEl>
-                    <p:sldTgt/>
-                  </p:tgtEl>
-                </p:cond>
-              </p:prevCondLst>
-              <p:nextCondLst>
-                <p:cond evt="onNext" delay="0">
-                  <p:tgtEl>
-                    <p:sldTgt/>
-                  </p:tgtEl>
-                </p:cond>
-              </p:nextCondLst>
-            </p:seq>
-          </p:childTnLst>
-        </p:cTn>
-      </p:par>
-    </p:tnLst>
-  </p:timing>
-</p:sld>
-</file>
-
 <file path=ppt/slides/slide35.xml><?xml version="1.0" encoding="utf-8"?>
 <p:sld xmlns:a="http://schemas.openxmlformats.org/drawingml/2006/main" xmlns:r="http://schemas.openxmlformats.org/officeDocument/2006/relationships" xmlns:p="http://schemas.openxmlformats.org/presentationml/2006/main">
   <p:cSld>
@@ -12292,7 +12320,7 @@
     </p:spTree>
     <p:extLst>
       <p:ext uri="{BB962C8B-B14F-4D97-AF65-F5344CB8AC3E}">
-        <p14:creationId xmlns:p14="http://schemas.microsoft.com/office/powerpoint/2010/main" val="757620445"/>
+        <p14:creationId xmlns:p14="http://schemas.microsoft.com/office/powerpoint/2010/main" val="666343791"/>
       </p:ext>
     </p:extLst>
   </p:cSld>
@@ -12534,7 +12562,7 @@
         </p:nvSpPr>
         <p:spPr>
           <a:xfrm>
-            <a:off x="521208" y="1451954"/>
+            <a:off x="541612" y="1431014"/>
             <a:ext cx="10845858" cy="3978275"/>
           </a:xfrm>
         </p:spPr>
@@ -12560,18 +12588,18 @@
               <a:t> all records where </a:t>
             </a:r>
             <a:r>
-              <a:rPr lang="en-US" b="1" dirty="0" err="1">
+              <a:rPr lang="en-US" b="1" dirty="0">
                 <a:solidFill>
                   <a:schemeClr val="accent5">
                     <a:lumMod val="75000"/>
                   </a:schemeClr>
                 </a:solidFill>
               </a:rPr>
-              <a:t>station_pressure</a:t>
+              <a:t>TEMPERATURE</a:t>
             </a:r>
             <a:r>
               <a:rPr lang="en-US" b="1" dirty="0"/>
-              <a:t> is greater than 1000 and a tornado was present</a:t>
+              <a:t> is between 30 and 50 degrees</a:t>
             </a:r>
           </a:p>
           <a:p>
@@ -12598,65 +12626,17 @@
                   </a:schemeClr>
                 </a:solidFill>
               </a:rPr>
-              <a:t>SELECT * FROM STATION_DATA</a:t>
-            </a:r>
-          </a:p>
-          <a:p>
-            <a:pPr marL="0" indent="0">
-              <a:buNone/>
-            </a:pPr>
-            <a:r>
-              <a:rPr lang="en-US" dirty="0">
+              <a:t>SELECT * FROM </a:t>
+            </a:r>
+            <a:r>
+              <a:rPr lang="en-US" dirty="0" err="1">
                 <a:solidFill>
                   <a:schemeClr val="accent5">
                     <a:lumMod val="75000"/>
                   </a:schemeClr>
                 </a:solidFill>
               </a:rPr>
-              <a:t>WHERE </a:t>
-            </a:r>
-            <a:r>
-              <a:rPr lang="en-US" dirty="0" err="1">
-                <a:solidFill>
-                  <a:schemeClr val="accent5">
-                    <a:lumMod val="75000"/>
-                  </a:schemeClr>
-                </a:solidFill>
-              </a:rPr>
-              <a:t>station_pressure</a:t>
-            </a:r>
-            <a:r>
-              <a:rPr lang="en-US" dirty="0">
-                <a:solidFill>
-                  <a:schemeClr val="accent5">
-                    <a:lumMod val="75000"/>
-                  </a:schemeClr>
-                </a:solidFill>
-              </a:rPr>
-              <a:t> &gt; 1000 AND tornado;</a:t>
-            </a:r>
-          </a:p>
-          <a:p>
-            <a:pPr marL="0" indent="0">
-              <a:buNone/>
-            </a:pPr>
-            <a:r>
-              <a:rPr lang="en-US" dirty="0">
-                <a:solidFill>
-                  <a:schemeClr val="accent5">
-                    <a:lumMod val="75000"/>
-                  </a:schemeClr>
-                </a:solidFill>
-              </a:rPr>
-              <a:t> </a:t>
-            </a:r>
-            <a:r>
-              <a:rPr lang="en-US" i="1" u="sng" dirty="0">
-                <a:solidFill>
-                  <a:srgbClr val="FF0000"/>
-                </a:solidFill>
-              </a:rPr>
-              <a:t>OR</a:t>
+              <a:t>station_data</a:t>
             </a:r>
             <a:endParaRPr lang="en-US" dirty="0">
               <a:solidFill>
@@ -12678,7 +12658,7 @@
                   </a:schemeClr>
                 </a:solidFill>
               </a:rPr>
-              <a:t>SELECT * FROM STATION_DATA</a:t>
+              <a:t>WHERE temperature BETWEEN 30 AND 50;</a:t>
             </a:r>
           </a:p>
           <a:p>
@@ -12693,27 +12673,62 @@
                   </a:schemeClr>
                 </a:solidFill>
               </a:rPr>
-              <a:t>WHERE </a:t>
-            </a:r>
-            <a:r>
-              <a:rPr lang="en-US" dirty="0" err="1">
+              <a:t>    </a:t>
+            </a:r>
+            <a:r>
+              <a:rPr lang="en-US" i="1" u="sng" dirty="0">
+                <a:solidFill>
+                  <a:srgbClr val="FF0000"/>
+                </a:solidFill>
+              </a:rPr>
+              <a:t>OR</a:t>
+            </a:r>
+          </a:p>
+          <a:p>
+            <a:pPr marL="0" indent="0">
+              <a:buNone/>
+            </a:pPr>
+            <a:r>
+              <a:rPr lang="en-US" dirty="0">
                 <a:solidFill>
                   <a:schemeClr val="accent5">
                     <a:lumMod val="75000"/>
                   </a:schemeClr>
                 </a:solidFill>
               </a:rPr>
-              <a:t>station_pressure</a:t>
-            </a:r>
-            <a:r>
-              <a:rPr lang="en-US" dirty="0">
+              <a:t>SELECT * FROM </a:t>
+            </a:r>
+            <a:r>
+              <a:rPr lang="en-US" dirty="0" err="1">
                 <a:solidFill>
                   <a:schemeClr val="accent5">
                     <a:lumMod val="75000"/>
                   </a:schemeClr>
                 </a:solidFill>
               </a:rPr>
-              <a:t> &gt; 1000 AND tornado = 1;</a:t>
+              <a:t>station_data</a:t>
+            </a:r>
+            <a:endParaRPr lang="en-US" dirty="0">
+              <a:solidFill>
+                <a:schemeClr val="accent5">
+                  <a:lumMod val="75000"/>
+                </a:schemeClr>
+              </a:solidFill>
+            </a:endParaRPr>
+          </a:p>
+          <a:p>
+            <a:pPr marL="0" indent="0">
+              <a:buNone/>
+            </a:pPr>
+            <a:r>
+              <a:rPr lang="en-US" dirty="0">
+                <a:solidFill>
+                  <a:schemeClr val="accent5">
+                    <a:lumMod val="75000"/>
+                  </a:schemeClr>
+                </a:solidFill>
+              </a:rPr>
+              <a:t>WHERE temperature &gt;= 30 and temperature &lt;= 50;</a:t>
             </a:r>
           </a:p>
         </p:txBody>
@@ -12735,7 +12750,7 @@
           <a:p>
             <a:r>
               <a:rPr lang="en-US" dirty="0"/>
-              <a:t>Exercise 4.2</a:t>
+              <a:t>Exercise 4.1</a:t>
             </a:r>
           </a:p>
         </p:txBody>
@@ -12743,7 +12758,7 @@
     </p:spTree>
     <p:extLst>
       <p:ext uri="{BB962C8B-B14F-4D97-AF65-F5344CB8AC3E}">
-        <p14:creationId xmlns:p14="http://schemas.microsoft.com/office/powerpoint/2010/main" val="3467393842"/>
+        <p14:creationId xmlns:p14="http://schemas.microsoft.com/office/powerpoint/2010/main" val="757620445"/>
       </p:ext>
     </p:extLst>
   </p:cSld>
@@ -12986,13 +13001,11 @@
         <p:spPr>
           <a:xfrm>
             <a:off x="521208" y="1451954"/>
-            <a:ext cx="10845858" cy="4976767"/>
+            <a:ext cx="10845858" cy="3978275"/>
           </a:xfrm>
         </p:spPr>
         <p:txBody>
-          <a:bodyPr>
-            <a:normAutofit/>
-          </a:bodyPr>
+          <a:bodyPr/>
           <a:lstStyle/>
           <a:p>
             <a:pPr marL="0" indent="0">
@@ -13010,19 +13023,22 @@
             </a:r>
             <a:r>
               <a:rPr lang="en-US" b="1" dirty="0"/>
-              <a:t> all records with report codes </a:t>
-            </a:r>
-            <a:r>
-              <a:rPr lang="en-US" dirty="0">
+              <a:t> all records where </a:t>
+            </a:r>
+            <a:r>
+              <a:rPr lang="en-US" b="1" dirty="0" err="1">
                 <a:solidFill>
                   <a:schemeClr val="accent5">
                     <a:lumMod val="75000"/>
                   </a:schemeClr>
                 </a:solidFill>
               </a:rPr>
-              <a:t>E6AED7, B950A1, 98DDAD</a:t>
-            </a:r>
-            <a:endParaRPr lang="en-US" b="1" dirty="0"/>
+              <a:t>station_pressure</a:t>
+            </a:r>
+            <a:r>
+              <a:rPr lang="en-US" b="1" dirty="0"/>
+              <a:t> is greater than 1000 and a tornado was present</a:t>
+            </a:r>
           </a:p>
           <a:p>
             <a:pPr marL="0" indent="0">
@@ -13073,7 +13089,7 @@
                   </a:schemeClr>
                 </a:solidFill>
               </a:rPr>
-              <a:t>report_code</a:t>
+              <a:t>station_pressure</a:t>
             </a:r>
             <a:r>
               <a:rPr lang="en-US" dirty="0">
@@ -13083,7 +13099,7 @@
                   </a:schemeClr>
                 </a:solidFill>
               </a:rPr>
-              <a:t> IN ('E6AED7','B950A1','98DDAD')</a:t>
+              <a:t> &gt; 1000 AND tornado;</a:t>
             </a:r>
           </a:p>
           <a:p>
@@ -13153,7 +13169,7 @@
                   </a:schemeClr>
                 </a:solidFill>
               </a:rPr>
-              <a:t>report_code</a:t>
+              <a:t>station_pressure</a:t>
             </a:r>
             <a:r>
               <a:rPr lang="en-US" dirty="0">
@@ -13163,90 +13179,8 @@
                   </a:schemeClr>
                 </a:solidFill>
               </a:rPr>
-              <a:t> = 'E6AED7‘</a:t>
-            </a:r>
-          </a:p>
-          <a:p>
-            <a:pPr marL="0" indent="0">
-              <a:buNone/>
-            </a:pPr>
-            <a:r>
-              <a:rPr lang="en-US" dirty="0">
-                <a:solidFill>
-                  <a:schemeClr val="accent5">
-                    <a:lumMod val="75000"/>
-                  </a:schemeClr>
-                </a:solidFill>
-              </a:rPr>
-              <a:t>OR </a:t>
-            </a:r>
-            <a:r>
-              <a:rPr lang="en-US" dirty="0" err="1">
-                <a:solidFill>
-                  <a:schemeClr val="accent5">
-                    <a:lumMod val="75000"/>
-                  </a:schemeClr>
-                </a:solidFill>
-              </a:rPr>
-              <a:t>report_code</a:t>
-            </a:r>
-            <a:r>
-              <a:rPr lang="en-US" dirty="0">
-                <a:solidFill>
-                  <a:schemeClr val="accent5">
-                    <a:lumMod val="75000"/>
-                  </a:schemeClr>
-                </a:solidFill>
-              </a:rPr>
-              <a:t> = 'B950A1‘</a:t>
-            </a:r>
-          </a:p>
-          <a:p>
-            <a:pPr marL="0" indent="0">
-              <a:buNone/>
-            </a:pPr>
-            <a:r>
-              <a:rPr lang="en-US" dirty="0">
-                <a:solidFill>
-                  <a:schemeClr val="accent5">
-                    <a:lumMod val="75000"/>
-                  </a:schemeClr>
-                </a:solidFill>
-              </a:rPr>
-              <a:t>OR </a:t>
-            </a:r>
-            <a:r>
-              <a:rPr lang="en-US" dirty="0" err="1">
-                <a:solidFill>
-                  <a:schemeClr val="accent5">
-                    <a:lumMod val="75000"/>
-                  </a:schemeClr>
-                </a:solidFill>
-              </a:rPr>
-              <a:t>report_code</a:t>
-            </a:r>
-            <a:r>
-              <a:rPr lang="en-US" dirty="0">
-                <a:solidFill>
-                  <a:schemeClr val="accent5">
-                    <a:lumMod val="75000"/>
-                  </a:schemeClr>
-                </a:solidFill>
-              </a:rPr>
-              <a:t> = '98DDAD'</a:t>
-            </a:r>
-          </a:p>
-          <a:p>
-            <a:pPr marL="0" indent="0">
-              <a:buNone/>
-            </a:pPr>
-            <a:endParaRPr lang="en-US" dirty="0">
-              <a:solidFill>
-                <a:schemeClr val="accent5">
-                  <a:lumMod val="75000"/>
-                </a:schemeClr>
-              </a:solidFill>
-            </a:endParaRPr>
+              <a:t> &gt; 1000 AND tornado = 1;</a:t>
+            </a:r>
           </a:p>
         </p:txBody>
       </p:sp>
@@ -13267,7 +13201,7 @@
           <a:p>
             <a:r>
               <a:rPr lang="en-US" dirty="0"/>
-              <a:t>Exercise 4.3</a:t>
+              <a:t>Exercise 4.2</a:t>
             </a:r>
           </a:p>
         </p:txBody>
@@ -13275,7 +13209,7 @@
     </p:spTree>
     <p:extLst>
       <p:ext uri="{BB962C8B-B14F-4D97-AF65-F5344CB8AC3E}">
-        <p14:creationId xmlns:p14="http://schemas.microsoft.com/office/powerpoint/2010/main" val="2363989621"/>
+        <p14:creationId xmlns:p14="http://schemas.microsoft.com/office/powerpoint/2010/main" val="3467393842"/>
       </p:ext>
     </p:extLst>
   </p:cSld>
@@ -13457,68 +13391,6 @@
                                   </p:childTnLst>
                                 </p:cTn>
                               </p:par>
-                              <p:par>
-                                <p:cTn id="15" presetID="1" presetClass="entr" presetSubtype="0" fill="hold" nodeType="withEffect">
-                                  <p:stCondLst>
-                                    <p:cond delay="0"/>
-                                  </p:stCondLst>
-                                  <p:childTnLst>
-                                    <p:set>
-                                      <p:cBhvr>
-                                        <p:cTn id="16" dur="1" fill="hold">
-                                          <p:stCondLst>
-                                            <p:cond delay="0"/>
-                                          </p:stCondLst>
-                                        </p:cTn>
-                                        <p:tgtEl>
-                                          <p:spTgt spid="2">
-                                            <p:txEl>
-                                              <p:pRg st="7" end="7"/>
-                                            </p:txEl>
-                                          </p:spTgt>
-                                        </p:tgtEl>
-                                        <p:attrNameLst>
-                                          <p:attrName>style.visibility</p:attrName>
-                                        </p:attrNameLst>
-                                      </p:cBhvr>
-                                      <p:to>
-                                        <p:strVal val="visible"/>
-                                      </p:to>
-                                    </p:set>
-                                  </p:childTnLst>
-                                </p:cTn>
-                              </p:par>
-                              <p:par>
-                                <p:cTn id="17" presetID="1" presetClass="entr" presetSubtype="0" fill="hold" nodeType="withEffect">
-                                  <p:stCondLst>
-                                    <p:cond delay="0"/>
-                                  </p:stCondLst>
-                                  <p:childTnLst>
-                                    <p:set>
-                                      <p:cBhvr>
-                                        <p:cTn id="18" dur="1" fill="hold">
-                                          <p:stCondLst>
-                                            <p:cond delay="0"/>
-                                          </p:stCondLst>
-                                        </p:cTn>
-                                        <p:tgtEl>
-                                          <p:spTgt spid="2">
-                                            <p:txEl>
-                                              <p:pRg st="8" end="8"/>
-                                            </p:txEl>
-                                          </p:spTgt>
-                                        </p:tgtEl>
-                                        <p:attrNameLst>
-                                          <p:attrName>style.visibility</p:attrName>
-                                        </p:attrNameLst>
-                                      </p:cBhvr>
-                                      <p:to>
-                                        <p:strVal val="visible"/>
-                                      </p:to>
-                                    </p:set>
-                                  </p:childTnLst>
-                                </p:cTn>
-                              </p:par>
                             </p:childTnLst>
                           </p:cTn>
                         </p:par>
@@ -13677,7 +13549,7 @@
                   </a:schemeClr>
                 </a:solidFill>
               </a:rPr>
-              <a:t> IN ('E6AED7','B950A1','98DDAD');</a:t>
+              <a:t> IN ('E6AED7','B950A1','98DDAD')</a:t>
             </a:r>
           </a:p>
           <a:p>
@@ -13827,7 +13699,7 @@
                   </a:schemeClr>
                 </a:solidFill>
               </a:rPr>
-              <a:t> = '98DDAD‘;</a:t>
+              <a:t> = '98DDAD'</a:t>
             </a:r>
           </a:p>
           <a:p>
@@ -13861,7 +13733,7 @@
           <a:p>
             <a:r>
               <a:rPr lang="en-US" dirty="0"/>
-              <a:t>Exercise 4.4</a:t>
+              <a:t>Exercise 4.3</a:t>
             </a:r>
           </a:p>
         </p:txBody>
@@ -13869,7 +13741,7 @@
     </p:spTree>
     <p:extLst>
       <p:ext uri="{BB962C8B-B14F-4D97-AF65-F5344CB8AC3E}">
-        <p14:creationId xmlns:p14="http://schemas.microsoft.com/office/powerpoint/2010/main" val="3010000129"/>
+        <p14:creationId xmlns:p14="http://schemas.microsoft.com/office/powerpoint/2010/main" val="2363989621"/>
       </p:ext>
     </p:extLst>
   </p:cSld>
@@ -14198,22 +14070,19 @@
             </a:r>
             <a:r>
               <a:rPr lang="en-US" b="1" dirty="0"/>
-              <a:t> all records </a:t>
-            </a:r>
-            <a:r>
-              <a:rPr lang="en-US" b="1" dirty="0">
+              <a:t> all records with report codes </a:t>
+            </a:r>
+            <a:r>
+              <a:rPr lang="en-US" dirty="0">
                 <a:solidFill>
                   <a:schemeClr val="accent5">
                     <a:lumMod val="75000"/>
                   </a:schemeClr>
                 </a:solidFill>
               </a:rPr>
-              <a:t>WHERE</a:t>
-            </a:r>
-            <a:r>
-              <a:rPr lang="en-US" b="1" dirty="0"/>
-              <a:t> station_pressure is null</a:t>
-            </a:r>
+              <a:t>E6AED7, B950A1, 98DDAD</a:t>
+            </a:r>
+            <a:endParaRPr lang="en-US" b="1" dirty="0"/>
           </a:p>
           <a:p>
             <a:pPr marL="0" indent="0">
@@ -14254,13 +14123,51 @@
                   </a:schemeClr>
                 </a:solidFill>
               </a:rPr>
-              <a:t>WHERE station_pressure IS NULL;</a:t>
+              <a:t>WHERE </a:t>
+            </a:r>
+            <a:r>
+              <a:rPr lang="en-US" dirty="0" err="1">
+                <a:solidFill>
+                  <a:schemeClr val="accent5">
+                    <a:lumMod val="75000"/>
+                  </a:schemeClr>
+                </a:solidFill>
+              </a:rPr>
+              <a:t>report_code</a:t>
+            </a:r>
+            <a:r>
+              <a:rPr lang="en-US" dirty="0">
+                <a:solidFill>
+                  <a:schemeClr val="accent5">
+                    <a:lumMod val="75000"/>
+                  </a:schemeClr>
+                </a:solidFill>
+              </a:rPr>
+              <a:t> IN ('E6AED7','B950A1','98DDAD');</a:t>
             </a:r>
           </a:p>
           <a:p>
             <a:pPr marL="0" indent="0">
               <a:buNone/>
             </a:pPr>
+            <a:r>
+              <a:rPr lang="en-US" dirty="0">
+                <a:solidFill>
+                  <a:schemeClr val="accent5">
+                    <a:lumMod val="75000"/>
+                  </a:schemeClr>
+                </a:solidFill>
+              </a:rPr>
+              <a:t> </a:t>
+            </a:r>
+            <a:r>
+              <a:rPr lang="en-US" i="1" u="sng" dirty="0">
+                <a:solidFill>
+                  <a:srgbClr val="FF0000"/>
+                </a:solidFill>
+              </a:rPr>
+              <a:t>OR</a:t>
+            </a:r>
             <a:endParaRPr lang="en-US" dirty="0">
               <a:solidFill>
                 <a:schemeClr val="accent5">
@@ -14273,13 +14180,121 @@
             <a:pPr marL="0" indent="0">
               <a:buNone/>
             </a:pPr>
-            <a:endParaRPr lang="en-US" dirty="0">
-              <a:solidFill>
-                <a:schemeClr val="accent5">
-                  <a:lumMod val="75000"/>
-                </a:schemeClr>
-              </a:solidFill>
-            </a:endParaRPr>
+            <a:r>
+              <a:rPr lang="en-US" dirty="0">
+                <a:solidFill>
+                  <a:schemeClr val="accent5">
+                    <a:lumMod val="75000"/>
+                  </a:schemeClr>
+                </a:solidFill>
+              </a:rPr>
+              <a:t>SELECT * FROM STATION_DATA</a:t>
+            </a:r>
+          </a:p>
+          <a:p>
+            <a:pPr marL="0" indent="0">
+              <a:buNone/>
+            </a:pPr>
+            <a:r>
+              <a:rPr lang="en-US" dirty="0">
+                <a:solidFill>
+                  <a:schemeClr val="accent5">
+                    <a:lumMod val="75000"/>
+                  </a:schemeClr>
+                </a:solidFill>
+              </a:rPr>
+              <a:t>WHERE </a:t>
+            </a:r>
+            <a:r>
+              <a:rPr lang="en-US" dirty="0" err="1">
+                <a:solidFill>
+                  <a:schemeClr val="accent5">
+                    <a:lumMod val="75000"/>
+                  </a:schemeClr>
+                </a:solidFill>
+              </a:rPr>
+              <a:t>report_code</a:t>
+            </a:r>
+            <a:r>
+              <a:rPr lang="en-US" dirty="0">
+                <a:solidFill>
+                  <a:schemeClr val="accent5">
+                    <a:lumMod val="75000"/>
+                  </a:schemeClr>
+                </a:solidFill>
+              </a:rPr>
+              <a:t> = 'E6AED7‘</a:t>
+            </a:r>
+          </a:p>
+          <a:p>
+            <a:pPr marL="0" indent="0">
+              <a:buNone/>
+            </a:pPr>
+            <a:r>
+              <a:rPr lang="en-US" dirty="0">
+                <a:solidFill>
+                  <a:schemeClr val="accent5">
+                    <a:lumMod val="75000"/>
+                  </a:schemeClr>
+                </a:solidFill>
+              </a:rPr>
+              <a:t>OR </a:t>
+            </a:r>
+            <a:r>
+              <a:rPr lang="en-US" dirty="0" err="1">
+                <a:solidFill>
+                  <a:schemeClr val="accent5">
+                    <a:lumMod val="75000"/>
+                  </a:schemeClr>
+                </a:solidFill>
+              </a:rPr>
+              <a:t>report_code</a:t>
+            </a:r>
+            <a:r>
+              <a:rPr lang="en-US" dirty="0">
+                <a:solidFill>
+                  <a:schemeClr val="accent5">
+                    <a:lumMod val="75000"/>
+                  </a:schemeClr>
+                </a:solidFill>
+              </a:rPr>
+              <a:t> = 'B950A1‘</a:t>
+            </a:r>
+          </a:p>
+          <a:p>
+            <a:pPr marL="0" indent="0">
+              <a:buNone/>
+            </a:pPr>
+            <a:r>
+              <a:rPr lang="en-US" dirty="0">
+                <a:solidFill>
+                  <a:schemeClr val="accent5">
+                    <a:lumMod val="75000"/>
+                  </a:schemeClr>
+                </a:solidFill>
+              </a:rPr>
+              <a:t>OR </a:t>
+            </a:r>
+            <a:r>
+              <a:rPr lang="en-US" dirty="0" err="1">
+                <a:solidFill>
+                  <a:schemeClr val="accent5">
+                    <a:lumMod val="75000"/>
+                  </a:schemeClr>
+                </a:solidFill>
+              </a:rPr>
+              <a:t>report_code</a:t>
+            </a:r>
+            <a:r>
+              <a:rPr lang="en-US" dirty="0">
+                <a:solidFill>
+                  <a:schemeClr val="accent5">
+                    <a:lumMod val="75000"/>
+                  </a:schemeClr>
+                </a:solidFill>
+              </a:rPr>
+              <a:t> = '98DDAD‘;</a:t>
+            </a:r>
           </a:p>
           <a:p>
             <a:pPr marL="0" indent="0">
@@ -14312,7 +14327,7 @@
           <a:p>
             <a:r>
               <a:rPr lang="en-US" dirty="0"/>
-              <a:t>Exercise 4.5</a:t>
+              <a:t>Exercise 4.4</a:t>
             </a:r>
           </a:p>
         </p:txBody>
@@ -14320,7 +14335,7 @@
     </p:spTree>
     <p:extLst>
       <p:ext uri="{BB962C8B-B14F-4D97-AF65-F5344CB8AC3E}">
-        <p14:creationId xmlns:p14="http://schemas.microsoft.com/office/powerpoint/2010/main" val="728792804"/>
+        <p14:creationId xmlns:p14="http://schemas.microsoft.com/office/powerpoint/2010/main" val="3010000129"/>
       </p:ext>
     </p:extLst>
   </p:cSld>
@@ -14395,6 +14410,161 @@
                                           <p:spTgt spid="2">
                                             <p:txEl>
                                               <p:pRg st="3" end="3"/>
+                                            </p:txEl>
+                                          </p:spTgt>
+                                        </p:tgtEl>
+                                        <p:attrNameLst>
+                                          <p:attrName>style.visibility</p:attrName>
+                                        </p:attrNameLst>
+                                      </p:cBhvr>
+                                      <p:to>
+                                        <p:strVal val="visible"/>
+                                      </p:to>
+                                    </p:set>
+                                  </p:childTnLst>
+                                </p:cTn>
+                              </p:par>
+                              <p:par>
+                                <p:cTn id="9" presetID="1" presetClass="entr" presetSubtype="0" fill="hold" nodeType="withEffect">
+                                  <p:stCondLst>
+                                    <p:cond delay="0"/>
+                                  </p:stCondLst>
+                                  <p:childTnLst>
+                                    <p:set>
+                                      <p:cBhvr>
+                                        <p:cTn id="10" dur="1" fill="hold">
+                                          <p:stCondLst>
+                                            <p:cond delay="0"/>
+                                          </p:stCondLst>
+                                        </p:cTn>
+                                        <p:tgtEl>
+                                          <p:spTgt spid="2">
+                                            <p:txEl>
+                                              <p:pRg st="4" end="4"/>
+                                            </p:txEl>
+                                          </p:spTgt>
+                                        </p:tgtEl>
+                                        <p:attrNameLst>
+                                          <p:attrName>style.visibility</p:attrName>
+                                        </p:attrNameLst>
+                                      </p:cBhvr>
+                                      <p:to>
+                                        <p:strVal val="visible"/>
+                                      </p:to>
+                                    </p:set>
+                                  </p:childTnLst>
+                                </p:cTn>
+                              </p:par>
+                              <p:par>
+                                <p:cTn id="11" presetID="1" presetClass="entr" presetSubtype="0" fill="hold" nodeType="withEffect">
+                                  <p:stCondLst>
+                                    <p:cond delay="0"/>
+                                  </p:stCondLst>
+                                  <p:childTnLst>
+                                    <p:set>
+                                      <p:cBhvr>
+                                        <p:cTn id="12" dur="1" fill="hold">
+                                          <p:stCondLst>
+                                            <p:cond delay="0"/>
+                                          </p:stCondLst>
+                                        </p:cTn>
+                                        <p:tgtEl>
+                                          <p:spTgt spid="2">
+                                            <p:txEl>
+                                              <p:pRg st="5" end="5"/>
+                                            </p:txEl>
+                                          </p:spTgt>
+                                        </p:tgtEl>
+                                        <p:attrNameLst>
+                                          <p:attrName>style.visibility</p:attrName>
+                                        </p:attrNameLst>
+                                      </p:cBhvr>
+                                      <p:to>
+                                        <p:strVal val="visible"/>
+                                      </p:to>
+                                    </p:set>
+                                  </p:childTnLst>
+                                </p:cTn>
+                              </p:par>
+                              <p:par>
+                                <p:cTn id="13" presetID="1" presetClass="entr" presetSubtype="0" fill="hold" nodeType="withEffect">
+                                  <p:stCondLst>
+                                    <p:cond delay="0"/>
+                                  </p:stCondLst>
+                                  <p:childTnLst>
+                                    <p:set>
+                                      <p:cBhvr>
+                                        <p:cTn id="14" dur="1" fill="hold">
+                                          <p:stCondLst>
+                                            <p:cond delay="0"/>
+                                          </p:stCondLst>
+                                        </p:cTn>
+                                        <p:tgtEl>
+                                          <p:spTgt spid="2">
+                                            <p:txEl>
+                                              <p:pRg st="6" end="6"/>
+                                            </p:txEl>
+                                          </p:spTgt>
+                                        </p:tgtEl>
+                                        <p:attrNameLst>
+                                          <p:attrName>style.visibility</p:attrName>
+                                        </p:attrNameLst>
+                                      </p:cBhvr>
+                                      <p:to>
+                                        <p:strVal val="visible"/>
+                                      </p:to>
+                                    </p:set>
+                                  </p:childTnLst>
+                                </p:cTn>
+                              </p:par>
+                              <p:par>
+                                <p:cTn id="15" presetID="1" presetClass="entr" presetSubtype="0" fill="hold" nodeType="withEffect">
+                                  <p:stCondLst>
+                                    <p:cond delay="0"/>
+                                  </p:stCondLst>
+                                  <p:childTnLst>
+                                    <p:set>
+                                      <p:cBhvr>
+                                        <p:cTn id="16" dur="1" fill="hold">
+                                          <p:stCondLst>
+                                            <p:cond delay="0"/>
+                                          </p:stCondLst>
+                                        </p:cTn>
+                                        <p:tgtEl>
+                                          <p:spTgt spid="2">
+                                            <p:txEl>
+                                              <p:pRg st="7" end="7"/>
+                                            </p:txEl>
+                                          </p:spTgt>
+                                        </p:tgtEl>
+                                        <p:attrNameLst>
+                                          <p:attrName>style.visibility</p:attrName>
+                                        </p:attrNameLst>
+                                      </p:cBhvr>
+                                      <p:to>
+                                        <p:strVal val="visible"/>
+                                      </p:to>
+                                    </p:set>
+                                  </p:childTnLst>
+                                </p:cTn>
+                              </p:par>
+                              <p:par>
+                                <p:cTn id="17" presetID="1" presetClass="entr" presetSubtype="0" fill="hold" nodeType="withEffect">
+                                  <p:stCondLst>
+                                    <p:cond delay="0"/>
+                                  </p:stCondLst>
+                                  <p:childTnLst>
+                                    <p:set>
+                                      <p:cBhvr>
+                                        <p:cTn id="18" dur="1" fill="hold">
+                                          <p:stCondLst>
+                                            <p:cond delay="0"/>
+                                          </p:stCondLst>
+                                        </p:cTn>
+                                        <p:tgtEl>
+                                          <p:spTgt spid="2">
+                                            <p:txEl>
+                                              <p:pRg st="8" end="8"/>
                                             </p:txEl>
                                           </p:spTgt>
                                         </p:tgtEl>
@@ -15103,6 +15273,302 @@
       </p:grpSpPr>
       <p:sp>
         <p:nvSpPr>
+          <p:cNvPr id="2" name="Content Placeholder 1"/>
+          <p:cNvSpPr>
+            <a:spLocks noGrp="1"/>
+          </p:cNvSpPr>
+          <p:nvPr>
+            <p:ph sz="half" idx="2"/>
+          </p:nvPr>
+        </p:nvSpPr>
+        <p:spPr>
+          <a:xfrm>
+            <a:off x="521208" y="1451954"/>
+            <a:ext cx="10845858" cy="4976767"/>
+          </a:xfrm>
+        </p:spPr>
+        <p:txBody>
+          <a:bodyPr>
+            <a:normAutofit/>
+          </a:bodyPr>
+          <a:lstStyle/>
+          <a:p>
+            <a:pPr marL="0" indent="0">
+              <a:buNone/>
+            </a:pPr>
+            <a:r>
+              <a:rPr lang="en-US" b="1" dirty="0">
+                <a:solidFill>
+                  <a:schemeClr val="accent5">
+                    <a:lumMod val="75000"/>
+                  </a:schemeClr>
+                </a:solidFill>
+              </a:rPr>
+              <a:t>SELECT</a:t>
+            </a:r>
+            <a:r>
+              <a:rPr lang="en-US" b="1" dirty="0"/>
+              <a:t> all records </a:t>
+            </a:r>
+            <a:r>
+              <a:rPr lang="en-US" b="1" dirty="0">
+                <a:solidFill>
+                  <a:schemeClr val="accent5">
+                    <a:lumMod val="75000"/>
+                  </a:schemeClr>
+                </a:solidFill>
+              </a:rPr>
+              <a:t>WHERE</a:t>
+            </a:r>
+            <a:r>
+              <a:rPr lang="en-US" b="1" dirty="0"/>
+              <a:t> station_pressure is null</a:t>
+            </a:r>
+          </a:p>
+          <a:p>
+            <a:pPr marL="0" indent="0">
+              <a:buNone/>
+            </a:pPr>
+            <a:endParaRPr lang="en-US" b="1" dirty="0">
+              <a:solidFill>
+                <a:schemeClr val="accent5">
+                  <a:lumMod val="75000"/>
+                </a:schemeClr>
+              </a:solidFill>
+            </a:endParaRPr>
+          </a:p>
+          <a:p>
+            <a:pPr marL="0" indent="0">
+              <a:buNone/>
+            </a:pPr>
+            <a:r>
+              <a:rPr lang="en-US" dirty="0">
+                <a:solidFill>
+                  <a:schemeClr val="accent5">
+                    <a:lumMod val="75000"/>
+                  </a:schemeClr>
+                </a:solidFill>
+              </a:rPr>
+              <a:t>SELECT * FROM STATION_DATA</a:t>
+            </a:r>
+          </a:p>
+          <a:p>
+            <a:pPr marL="0" indent="0">
+              <a:buNone/>
+            </a:pPr>
+            <a:r>
+              <a:rPr lang="en-US" dirty="0">
+                <a:solidFill>
+                  <a:schemeClr val="accent5">
+                    <a:lumMod val="75000"/>
+                  </a:schemeClr>
+                </a:solidFill>
+              </a:rPr>
+              <a:t>WHERE station_pressure IS NULL;</a:t>
+            </a:r>
+          </a:p>
+          <a:p>
+            <a:pPr marL="0" indent="0">
+              <a:buNone/>
+            </a:pPr>
+            <a:endParaRPr lang="en-US" dirty="0">
+              <a:solidFill>
+                <a:schemeClr val="accent5">
+                  <a:lumMod val="75000"/>
+                </a:schemeClr>
+              </a:solidFill>
+            </a:endParaRPr>
+          </a:p>
+          <a:p>
+            <a:pPr marL="0" indent="0">
+              <a:buNone/>
+            </a:pPr>
+            <a:endParaRPr lang="en-US" dirty="0">
+              <a:solidFill>
+                <a:schemeClr val="accent5">
+                  <a:lumMod val="75000"/>
+                </a:schemeClr>
+              </a:solidFill>
+            </a:endParaRPr>
+          </a:p>
+          <a:p>
+            <a:pPr marL="0" indent="0">
+              <a:buNone/>
+            </a:pPr>
+            <a:endParaRPr lang="en-US" dirty="0">
+              <a:solidFill>
+                <a:schemeClr val="accent5">
+                  <a:lumMod val="75000"/>
+                </a:schemeClr>
+              </a:solidFill>
+            </a:endParaRPr>
+          </a:p>
+        </p:txBody>
+      </p:sp>
+      <p:sp>
+        <p:nvSpPr>
+          <p:cNvPr id="3" name="Title 2"/>
+          <p:cNvSpPr>
+            <a:spLocks noGrp="1"/>
+          </p:cNvSpPr>
+          <p:nvPr>
+            <p:ph type="title"/>
+          </p:nvPr>
+        </p:nvSpPr>
+        <p:spPr/>
+        <p:txBody>
+          <a:bodyPr/>
+          <a:lstStyle/>
+          <a:p>
+            <a:r>
+              <a:rPr lang="en-US" dirty="0"/>
+              <a:t>Exercise 4.5</a:t>
+            </a:r>
+          </a:p>
+        </p:txBody>
+      </p:sp>
+    </p:spTree>
+    <p:extLst>
+      <p:ext uri="{BB962C8B-B14F-4D97-AF65-F5344CB8AC3E}">
+        <p14:creationId xmlns:p14="http://schemas.microsoft.com/office/powerpoint/2010/main" val="728792804"/>
+      </p:ext>
+    </p:extLst>
+  </p:cSld>
+  <p:clrMapOvr>
+    <a:masterClrMapping/>
+  </p:clrMapOvr>
+  <p:timing>
+    <p:tnLst>
+      <p:par>
+        <p:cTn id="1" dur="indefinite" restart="never" nodeType="tmRoot">
+          <p:childTnLst>
+            <p:seq concurrent="1" nextAc="seek">
+              <p:cTn id="2" dur="indefinite" nodeType="mainSeq">
+                <p:childTnLst>
+                  <p:par>
+                    <p:cTn id="3" fill="hold">
+                      <p:stCondLst>
+                        <p:cond delay="indefinite"/>
+                      </p:stCondLst>
+                      <p:childTnLst>
+                        <p:par>
+                          <p:cTn id="4" fill="hold">
+                            <p:stCondLst>
+                              <p:cond delay="0"/>
+                            </p:stCondLst>
+                            <p:childTnLst>
+                              <p:par>
+                                <p:cTn id="5" presetID="1" presetClass="entr" presetSubtype="0" fill="hold" nodeType="clickEffect">
+                                  <p:stCondLst>
+                                    <p:cond delay="0"/>
+                                  </p:stCondLst>
+                                  <p:childTnLst>
+                                    <p:set>
+                                      <p:cBhvr>
+                                        <p:cTn id="6" dur="1" fill="hold">
+                                          <p:stCondLst>
+                                            <p:cond delay="0"/>
+                                          </p:stCondLst>
+                                        </p:cTn>
+                                        <p:tgtEl>
+                                          <p:spTgt spid="2">
+                                            <p:txEl>
+                                              <p:pRg st="2" end="2"/>
+                                            </p:txEl>
+                                          </p:spTgt>
+                                        </p:tgtEl>
+                                        <p:attrNameLst>
+                                          <p:attrName>style.visibility</p:attrName>
+                                        </p:attrNameLst>
+                                      </p:cBhvr>
+                                      <p:to>
+                                        <p:strVal val="visible"/>
+                                      </p:to>
+                                    </p:set>
+                                  </p:childTnLst>
+                                </p:cTn>
+                              </p:par>
+                              <p:par>
+                                <p:cTn id="7" presetID="1" presetClass="entr" presetSubtype="0" fill="hold" nodeType="withEffect">
+                                  <p:stCondLst>
+                                    <p:cond delay="0"/>
+                                  </p:stCondLst>
+                                  <p:childTnLst>
+                                    <p:set>
+                                      <p:cBhvr>
+                                        <p:cTn id="8" dur="1" fill="hold">
+                                          <p:stCondLst>
+                                            <p:cond delay="0"/>
+                                          </p:stCondLst>
+                                        </p:cTn>
+                                        <p:tgtEl>
+                                          <p:spTgt spid="2">
+                                            <p:txEl>
+                                              <p:pRg st="3" end="3"/>
+                                            </p:txEl>
+                                          </p:spTgt>
+                                        </p:tgtEl>
+                                        <p:attrNameLst>
+                                          <p:attrName>style.visibility</p:attrName>
+                                        </p:attrNameLst>
+                                      </p:cBhvr>
+                                      <p:to>
+                                        <p:strVal val="visible"/>
+                                      </p:to>
+                                    </p:set>
+                                  </p:childTnLst>
+                                </p:cTn>
+                              </p:par>
+                            </p:childTnLst>
+                          </p:cTn>
+                        </p:par>
+                      </p:childTnLst>
+                    </p:cTn>
+                  </p:par>
+                </p:childTnLst>
+              </p:cTn>
+              <p:prevCondLst>
+                <p:cond evt="onPrev" delay="0">
+                  <p:tgtEl>
+                    <p:sldTgt/>
+                  </p:tgtEl>
+                </p:cond>
+              </p:prevCondLst>
+              <p:nextCondLst>
+                <p:cond evt="onNext" delay="0">
+                  <p:tgtEl>
+                    <p:sldTgt/>
+                  </p:tgtEl>
+                </p:cond>
+              </p:nextCondLst>
+            </p:seq>
+          </p:childTnLst>
+        </p:cTn>
+      </p:par>
+    </p:tnLst>
+  </p:timing>
+</p:sld>
+</file>
+
+<file path=ppt/slides/slide41.xml><?xml version="1.0" encoding="utf-8"?>
+<p:sld xmlns:a="http://schemas.openxmlformats.org/drawingml/2006/main" xmlns:r="http://schemas.openxmlformats.org/officeDocument/2006/relationships" xmlns:p="http://schemas.openxmlformats.org/presentationml/2006/main">
+  <p:cSld>
+    <p:spTree>
+      <p:nvGrpSpPr>
+        <p:cNvPr id="1" name=""/>
+        <p:cNvGrpSpPr/>
+        <p:nvPr/>
+      </p:nvGrpSpPr>
+      <p:grpSpPr>
+        <a:xfrm>
+          <a:off x="0" y="0"/>
+          <a:ext cx="0" cy="0"/>
+          <a:chOff x="0" y="0"/>
+          <a:chExt cx="0" cy="0"/>
+        </a:xfrm>
+      </p:grpSpPr>
+      <p:sp>
+        <p:nvSpPr>
           <p:cNvPr id="6" name="Title 1"/>
           <p:cNvSpPr txBox="1">
             <a:spLocks/>
@@ -15371,7 +15837,7 @@
 </p:sld>
 </file>
 
-<file path=ppt/slides/slide41.xml><?xml version="1.0" encoding="utf-8"?>
+<file path=ppt/slides/slide42.xml><?xml version="1.0" encoding="utf-8"?>
 <p:sld xmlns:a="http://schemas.openxmlformats.org/drawingml/2006/main" xmlns:r="http://schemas.openxmlformats.org/officeDocument/2006/relationships" xmlns:p="http://schemas.openxmlformats.org/presentationml/2006/main">
   <p:cSld>
     <p:spTree>
@@ -16012,7 +16478,7 @@
 </p:sld>
 </file>
 
-<file path=ppt/slides/slide42.xml><?xml version="1.0" encoding="utf-8"?>
+<file path=ppt/slides/slide43.xml><?xml version="1.0" encoding="utf-8"?>
 <p:sld xmlns:a="http://schemas.openxmlformats.org/drawingml/2006/main" xmlns:r="http://schemas.openxmlformats.org/officeDocument/2006/relationships" xmlns:p="http://schemas.openxmlformats.org/presentationml/2006/main">
   <p:cSld>
     <p:spTree>
@@ -16536,7 +17002,7 @@
 </p:sld>
 </file>
 
-<file path=ppt/slides/slide43.xml><?xml version="1.0" encoding="utf-8"?>
+<file path=ppt/slides/slide44.xml><?xml version="1.0" encoding="utf-8"?>
 <p:sld xmlns:a="http://schemas.openxmlformats.org/drawingml/2006/main" xmlns:r="http://schemas.openxmlformats.org/officeDocument/2006/relationships" xmlns:p="http://schemas.openxmlformats.org/presentationml/2006/main">
   <p:cSld>
     <p:spTree>
@@ -16823,7 +17289,7 @@
 </p:sld>
 </file>
 
-<file path=ppt/slides/slide44.xml><?xml version="1.0" encoding="utf-8"?>
+<file path=ppt/slides/slide45.xml><?xml version="1.0" encoding="utf-8"?>
 <p:sld xmlns:a="http://schemas.openxmlformats.org/drawingml/2006/main" xmlns:r="http://schemas.openxmlformats.org/officeDocument/2006/relationships" xmlns:p="http://schemas.openxmlformats.org/presentationml/2006/main">
   <p:cSld>
     <p:spTree>
@@ -17090,7 +17556,7 @@
 </p:sld>
 </file>
 
-<file path=ppt/slides/slide45.xml><?xml version="1.0" encoding="utf-8"?>
+<file path=ppt/slides/slide46.xml><?xml version="1.0" encoding="utf-8"?>
 <p:sld xmlns:a="http://schemas.openxmlformats.org/drawingml/2006/main" xmlns:r="http://schemas.openxmlformats.org/officeDocument/2006/relationships" xmlns:p="http://schemas.openxmlformats.org/presentationml/2006/main">
   <p:cSld>
     <p:spTree>
@@ -17345,7 +17811,7 @@
 </p:sld>
 </file>
 
-<file path=ppt/slides/slide46.xml><?xml version="1.0" encoding="utf-8"?>
+<file path=ppt/slides/slide47.xml><?xml version="1.0" encoding="utf-8"?>
 <p:sld xmlns:a="http://schemas.openxmlformats.org/drawingml/2006/main" xmlns:r="http://schemas.openxmlformats.org/officeDocument/2006/relationships" xmlns:p="http://schemas.openxmlformats.org/presentationml/2006/main">
   <p:cSld>
     <p:spTree>
@@ -17632,7 +18098,7 @@
 </p:sld>
 </file>
 
-<file path=ppt/slides/slide47.xml><?xml version="1.0" encoding="utf-8"?>
+<file path=ppt/slides/slide48.xml><?xml version="1.0" encoding="utf-8"?>
 <p:sld xmlns:a="http://schemas.openxmlformats.org/drawingml/2006/main" xmlns:r="http://schemas.openxmlformats.org/officeDocument/2006/relationships" xmlns:p="http://schemas.openxmlformats.org/presentationml/2006/main">
   <p:cSld>
     <p:spTree>
@@ -17974,7 +18440,7 @@
 </p:sld>
 </file>
 
-<file path=ppt/slides/slide48.xml><?xml version="1.0" encoding="utf-8"?>
+<file path=ppt/slides/slide49.xml><?xml version="1.0" encoding="utf-8"?>
 <p:sld xmlns:a="http://schemas.openxmlformats.org/drawingml/2006/main" xmlns:r="http://schemas.openxmlformats.org/officeDocument/2006/relationships" xmlns:p="http://schemas.openxmlformats.org/presentationml/2006/main">
   <p:cSld>
     <p:spTree>
@@ -18349,7 +18815,113 @@
 </p:sld>
 </file>
 
-<file path=ppt/slides/slide49.xml><?xml version="1.0" encoding="utf-8"?>
+<file path=ppt/slides/slide5.xml><?xml version="1.0" encoding="utf-8"?>
+<p:sld xmlns:a="http://schemas.openxmlformats.org/drawingml/2006/main" xmlns:r="http://schemas.openxmlformats.org/officeDocument/2006/relationships" xmlns:p="http://schemas.openxmlformats.org/presentationml/2006/main">
+  <p:cSld>
+    <p:spTree>
+      <p:nvGrpSpPr>
+        <p:cNvPr id="1" name=""/>
+        <p:cNvGrpSpPr/>
+        <p:nvPr/>
+      </p:nvGrpSpPr>
+      <p:grpSpPr>
+        <a:xfrm>
+          <a:off x="0" y="0"/>
+          <a:ext cx="0" cy="0"/>
+          <a:chOff x="0" y="0"/>
+          <a:chExt cx="0" cy="0"/>
+        </a:xfrm>
+      </p:grpSpPr>
+      <p:sp>
+        <p:nvSpPr>
+          <p:cNvPr id="2" name="Title 1"/>
+          <p:cNvSpPr>
+            <a:spLocks noGrp="1"/>
+          </p:cNvSpPr>
+          <p:nvPr>
+            <p:ph type="ctrTitle"/>
+          </p:nvPr>
+        </p:nvSpPr>
+        <p:spPr>
+          <a:xfrm>
+            <a:off x="838200" y="1164324"/>
+            <a:ext cx="10515600" cy="2387600"/>
+          </a:xfrm>
+        </p:spPr>
+        <p:txBody>
+          <a:bodyPr>
+            <a:normAutofit/>
+          </a:bodyPr>
+          <a:lstStyle/>
+          <a:p>
+            <a:r>
+              <a:rPr lang="en-US" sz="4800" dirty="0">
+                <a:solidFill>
+                  <a:schemeClr val="bg1"/>
+                </a:solidFill>
+              </a:rPr>
+              <a:t>Section I</a:t>
+            </a:r>
+          </a:p>
+        </p:txBody>
+      </p:sp>
+      <p:sp>
+        <p:nvSpPr>
+          <p:cNvPr id="3" name="Subtitle 2"/>
+          <p:cNvSpPr>
+            <a:spLocks noGrp="1"/>
+          </p:cNvSpPr>
+          <p:nvPr>
+            <p:ph type="subTitle" idx="4294967295"/>
+          </p:nvPr>
+        </p:nvSpPr>
+        <p:spPr>
+          <a:xfrm>
+            <a:off x="855620" y="2933108"/>
+            <a:ext cx="9582736" cy="1137793"/>
+          </a:xfrm>
+        </p:spPr>
+        <p:txBody>
+          <a:bodyPr>
+            <a:normAutofit/>
+          </a:bodyPr>
+          <a:lstStyle/>
+          <a:p>
+            <a:pPr marL="0" indent="0">
+              <a:buNone/>
+            </a:pPr>
+            <a:r>
+              <a:rPr lang="en-US" sz="2400" dirty="0">
+                <a:solidFill>
+                  <a:schemeClr val="bg1"/>
+                </a:solidFill>
+                <a:latin typeface="+mj-lt"/>
+              </a:rPr>
+              <a:t>Introduction to Databases</a:t>
+            </a:r>
+            <a:endParaRPr lang="en-US" sz="2400" i="1" dirty="0">
+              <a:solidFill>
+                <a:schemeClr val="bg1"/>
+              </a:solidFill>
+              <a:latin typeface="+mj-lt"/>
+            </a:endParaRPr>
+          </a:p>
+        </p:txBody>
+      </p:sp>
+    </p:spTree>
+    <p:extLst>
+      <p:ext uri="{BB962C8B-B14F-4D97-AF65-F5344CB8AC3E}">
+        <p14:creationId xmlns:p14="http://schemas.microsoft.com/office/powerpoint/2010/main" val="819233218"/>
+      </p:ext>
+    </p:extLst>
+  </p:cSld>
+  <p:clrMapOvr>
+    <a:masterClrMapping/>
+  </p:clrMapOvr>
+</p:sld>
+</file>
+
+<file path=ppt/slides/slide50.xml><?xml version="1.0" encoding="utf-8"?>
 <p:sld xmlns:a="http://schemas.openxmlformats.org/drawingml/2006/main" xmlns:r="http://schemas.openxmlformats.org/officeDocument/2006/relationships" xmlns:p="http://schemas.openxmlformats.org/presentationml/2006/main">
   <p:cSld>
     <p:spTree>
@@ -18803,113 +19375,7 @@
 </p:sld>
 </file>
 
-<file path=ppt/slides/slide5.xml><?xml version="1.0" encoding="utf-8"?>
-<p:sld xmlns:a="http://schemas.openxmlformats.org/drawingml/2006/main" xmlns:r="http://schemas.openxmlformats.org/officeDocument/2006/relationships" xmlns:p="http://schemas.openxmlformats.org/presentationml/2006/main">
-  <p:cSld>
-    <p:spTree>
-      <p:nvGrpSpPr>
-        <p:cNvPr id="1" name=""/>
-        <p:cNvGrpSpPr/>
-        <p:nvPr/>
-      </p:nvGrpSpPr>
-      <p:grpSpPr>
-        <a:xfrm>
-          <a:off x="0" y="0"/>
-          <a:ext cx="0" cy="0"/>
-          <a:chOff x="0" y="0"/>
-          <a:chExt cx="0" cy="0"/>
-        </a:xfrm>
-      </p:grpSpPr>
-      <p:sp>
-        <p:nvSpPr>
-          <p:cNvPr id="2" name="Title 1"/>
-          <p:cNvSpPr>
-            <a:spLocks noGrp="1"/>
-          </p:cNvSpPr>
-          <p:nvPr>
-            <p:ph type="ctrTitle"/>
-          </p:nvPr>
-        </p:nvSpPr>
-        <p:spPr>
-          <a:xfrm>
-            <a:off x="838200" y="1164324"/>
-            <a:ext cx="10515600" cy="2387600"/>
-          </a:xfrm>
-        </p:spPr>
-        <p:txBody>
-          <a:bodyPr>
-            <a:normAutofit/>
-          </a:bodyPr>
-          <a:lstStyle/>
-          <a:p>
-            <a:r>
-              <a:rPr lang="en-US" sz="4800" dirty="0">
-                <a:solidFill>
-                  <a:schemeClr val="bg1"/>
-                </a:solidFill>
-              </a:rPr>
-              <a:t>Section I</a:t>
-            </a:r>
-          </a:p>
-        </p:txBody>
-      </p:sp>
-      <p:sp>
-        <p:nvSpPr>
-          <p:cNvPr id="3" name="Subtitle 2"/>
-          <p:cNvSpPr>
-            <a:spLocks noGrp="1"/>
-          </p:cNvSpPr>
-          <p:nvPr>
-            <p:ph type="subTitle" idx="4294967295"/>
-          </p:nvPr>
-        </p:nvSpPr>
-        <p:spPr>
-          <a:xfrm>
-            <a:off x="855620" y="2933108"/>
-            <a:ext cx="9582736" cy="1137793"/>
-          </a:xfrm>
-        </p:spPr>
-        <p:txBody>
-          <a:bodyPr>
-            <a:normAutofit/>
-          </a:bodyPr>
-          <a:lstStyle/>
-          <a:p>
-            <a:pPr marL="0" indent="0">
-              <a:buNone/>
-            </a:pPr>
-            <a:r>
-              <a:rPr lang="en-US" sz="2400" dirty="0">
-                <a:solidFill>
-                  <a:schemeClr val="bg1"/>
-                </a:solidFill>
-                <a:latin typeface="+mj-lt"/>
-              </a:rPr>
-              <a:t>Introduction to Databases</a:t>
-            </a:r>
-            <a:endParaRPr lang="en-US" sz="2400" i="1" dirty="0">
-              <a:solidFill>
-                <a:schemeClr val="bg1"/>
-              </a:solidFill>
-              <a:latin typeface="+mj-lt"/>
-            </a:endParaRPr>
-          </a:p>
-        </p:txBody>
-      </p:sp>
-    </p:spTree>
-    <p:extLst>
-      <p:ext uri="{BB962C8B-B14F-4D97-AF65-F5344CB8AC3E}">
-        <p14:creationId xmlns:p14="http://schemas.microsoft.com/office/powerpoint/2010/main" val="819233218"/>
-      </p:ext>
-    </p:extLst>
-  </p:cSld>
-  <p:clrMapOvr>
-    <a:masterClrMapping/>
-  </p:clrMapOvr>
-</p:sld>
-</file>
-
-<file path=ppt/slides/slide50.xml><?xml version="1.0" encoding="utf-8"?>
+<file path=ppt/slides/slide51.xml><?xml version="1.0" encoding="utf-8"?>
 <p:sld xmlns:a="http://schemas.openxmlformats.org/drawingml/2006/main" xmlns:r="http://schemas.openxmlformats.org/officeDocument/2006/relationships" xmlns:p="http://schemas.openxmlformats.org/presentationml/2006/main">
   <p:cSld>
     <p:spTree>
@@ -18987,7 +19453,7 @@
 </p:sld>
 </file>
 
-<file path=ppt/slides/slide51.xml><?xml version="1.0" encoding="utf-8"?>
+<file path=ppt/slides/slide52.xml><?xml version="1.0" encoding="utf-8"?>
 <p:sld xmlns:a="http://schemas.openxmlformats.org/drawingml/2006/main" xmlns:r="http://schemas.openxmlformats.org/officeDocument/2006/relationships" xmlns:p="http://schemas.openxmlformats.org/presentationml/2006/main">
   <p:cSld>
     <p:spTree>
@@ -19063,7 +19529,7 @@
 </p:sld>
 </file>
 
-<file path=ppt/slides/slide52.xml><?xml version="1.0" encoding="utf-8"?>
+<file path=ppt/slides/slide53.xml><?xml version="1.0" encoding="utf-8"?>
 <p:sld xmlns:a="http://schemas.openxmlformats.org/drawingml/2006/main" xmlns:r="http://schemas.openxmlformats.org/officeDocument/2006/relationships" xmlns:p="http://schemas.openxmlformats.org/presentationml/2006/main">
   <p:cSld>
     <p:spTree>
@@ -19139,7 +19605,7 @@
 </p:sld>
 </file>
 
-<file path=ppt/slides/slide53.xml><?xml version="1.0" encoding="utf-8"?>
+<file path=ppt/slides/slide54.xml><?xml version="1.0" encoding="utf-8"?>
 <p:sld xmlns:a="http://schemas.openxmlformats.org/drawingml/2006/main" xmlns:r="http://schemas.openxmlformats.org/officeDocument/2006/relationships" xmlns:p="http://schemas.openxmlformats.org/presentationml/2006/main">
   <p:cSld>
     <p:spTree>
@@ -19506,7 +19972,7 @@
 </p:sld>
 </file>
 
-<file path=ppt/slides/slide54.xml><?xml version="1.0" encoding="utf-8"?>
+<file path=ppt/slides/slide55.xml><?xml version="1.0" encoding="utf-8"?>
 <p:sld xmlns:a="http://schemas.openxmlformats.org/drawingml/2006/main" xmlns:r="http://schemas.openxmlformats.org/officeDocument/2006/relationships" xmlns:p="http://schemas.openxmlformats.org/presentationml/2006/main">
   <p:cSld>
     <p:spTree>
@@ -19948,7 +20414,7 @@
 </p:sld>
 </file>
 
-<file path=ppt/slides/slide55.xml><?xml version="1.0" encoding="utf-8"?>
+<file path=ppt/slides/slide56.xml><?xml version="1.0" encoding="utf-8"?>
 <p:sld xmlns:a="http://schemas.openxmlformats.org/drawingml/2006/main" xmlns:r="http://schemas.openxmlformats.org/officeDocument/2006/relationships" xmlns:p="http://schemas.openxmlformats.org/presentationml/2006/main">
   <p:cSld>
     <p:spTree>
@@ -20495,7 +20961,7 @@
 </p:sld>
 </file>
 
-<file path=ppt/slides/slide56.xml><?xml version="1.0" encoding="utf-8"?>
+<file path=ppt/slides/slide57.xml><?xml version="1.0" encoding="utf-8"?>
 <p:sld xmlns:a="http://schemas.openxmlformats.org/drawingml/2006/main" xmlns:r="http://schemas.openxmlformats.org/officeDocument/2006/relationships" xmlns:p="http://schemas.openxmlformats.org/presentationml/2006/main">
   <p:cSld>
     <p:spTree>
@@ -20782,7 +21248,7 @@
 </p:sld>
 </file>
 
-<file path=ppt/slides/slide57.xml><?xml version="1.0" encoding="utf-8"?>
+<file path=ppt/slides/slide58.xml><?xml version="1.0" encoding="utf-8"?>
 <p:sld xmlns:a="http://schemas.openxmlformats.org/drawingml/2006/main" xmlns:r="http://schemas.openxmlformats.org/officeDocument/2006/relationships" xmlns:p="http://schemas.openxmlformats.org/presentationml/2006/main">
   <p:cSld>
     <p:spTree>
@@ -21172,7 +21638,7 @@
 </p:sld>
 </file>
 
-<file path=ppt/slides/slide58.xml><?xml version="1.0" encoding="utf-8"?>
+<file path=ppt/slides/slide59.xml><?xml version="1.0" encoding="utf-8"?>
 <p:sld xmlns:a="http://schemas.openxmlformats.org/drawingml/2006/main" xmlns:r="http://schemas.openxmlformats.org/officeDocument/2006/relationships" xmlns:p="http://schemas.openxmlformats.org/presentationml/2006/main">
   <p:cSld>
     <p:spTree>
@@ -21507,7 +21973,655 @@
 </p:sld>
 </file>
 
-<file path=ppt/slides/slide59.xml><?xml version="1.0" encoding="utf-8"?>
+<file path=ppt/slides/slide6.xml><?xml version="1.0" encoding="utf-8"?>
+<p:sld xmlns:a="http://schemas.openxmlformats.org/drawingml/2006/main" xmlns:r="http://schemas.openxmlformats.org/officeDocument/2006/relationships" xmlns:p="http://schemas.openxmlformats.org/presentationml/2006/main">
+  <p:cSld>
+    <p:spTree>
+      <p:nvGrpSpPr>
+        <p:cNvPr id="1" name=""/>
+        <p:cNvGrpSpPr/>
+        <p:nvPr/>
+      </p:nvGrpSpPr>
+      <p:grpSpPr>
+        <a:xfrm>
+          <a:off x="0" y="0"/>
+          <a:ext cx="0" cy="0"/>
+          <a:chOff x="0" y="0"/>
+          <a:chExt cx="0" cy="0"/>
+        </a:xfrm>
+      </p:grpSpPr>
+      <p:sp>
+        <p:nvSpPr>
+          <p:cNvPr id="38" name="Content Placeholder 17"/>
+          <p:cNvSpPr txBox="1">
+            <a:spLocks/>
+          </p:cNvSpPr>
+          <p:nvPr/>
+        </p:nvSpPr>
+        <p:spPr>
+          <a:xfrm>
+            <a:off x="541611" y="1296102"/>
+            <a:ext cx="7109491" cy="3871519"/>
+          </a:xfrm>
+          <a:prstGeom prst="rect">
+            <a:avLst/>
+          </a:prstGeom>
+        </p:spPr>
+        <p:txBody>
+          <a:bodyPr vert="horz" lIns="91440" tIns="45720" rIns="91440" bIns="45720" rtlCol="0">
+            <a:normAutofit/>
+          </a:bodyPr>
+          <a:lstStyle>
+            <a:lvl1pPr marL="228600" indent="-228600" algn="l" defTabSz="914400" rtl="0" eaLnBrk="1" latinLnBrk="0" hangingPunct="1">
+              <a:lnSpc>
+                <a:spcPts val="1800"/>
+              </a:lnSpc>
+              <a:spcBef>
+                <a:spcPts val="1000"/>
+              </a:spcBef>
+              <a:spcAft>
+                <a:spcPts val="1000"/>
+              </a:spcAft>
+              <a:buFont typeface="Arial" panose="020B0604020202020204" pitchFamily="34" charset="0"/>
+              <a:buChar char="•"/>
+              <a:defRPr lang="en-US" sz="1200" kern="1200" smtClean="0">
+                <a:solidFill>
+                  <a:schemeClr val="tx1">
+                    <a:lumMod val="75000"/>
+                    <a:lumOff val="25000"/>
+                  </a:schemeClr>
+                </a:solidFill>
+                <a:latin typeface="+mn-lt"/>
+                <a:ea typeface="+mn-ea"/>
+                <a:cs typeface="+mn-cs"/>
+              </a:defRPr>
+            </a:lvl1pPr>
+            <a:lvl2pPr marL="685800" indent="-228600" algn="l" defTabSz="914400" rtl="0" eaLnBrk="1" latinLnBrk="0" hangingPunct="1">
+              <a:lnSpc>
+                <a:spcPts val="1800"/>
+              </a:lnSpc>
+              <a:spcBef>
+                <a:spcPts val="1000"/>
+              </a:spcBef>
+              <a:spcAft>
+                <a:spcPts val="1000"/>
+              </a:spcAft>
+              <a:buFont typeface="Arial" panose="020B0604020202020204" pitchFamily="34" charset="0"/>
+              <a:buChar char="•"/>
+              <a:defRPr lang="en-US" sz="1200" kern="1200" smtClean="0">
+                <a:solidFill>
+                  <a:schemeClr val="tx1">
+                    <a:lumMod val="75000"/>
+                    <a:lumOff val="25000"/>
+                  </a:schemeClr>
+                </a:solidFill>
+                <a:latin typeface="+mn-lt"/>
+                <a:ea typeface="+mn-ea"/>
+                <a:cs typeface="+mn-cs"/>
+              </a:defRPr>
+            </a:lvl2pPr>
+            <a:lvl3pPr marL="1143000" indent="-228600" algn="l" defTabSz="914400" rtl="0" eaLnBrk="1" latinLnBrk="0" hangingPunct="1">
+              <a:lnSpc>
+                <a:spcPts val="1800"/>
+              </a:lnSpc>
+              <a:spcBef>
+                <a:spcPts val="1000"/>
+              </a:spcBef>
+              <a:spcAft>
+                <a:spcPts val="1000"/>
+              </a:spcAft>
+              <a:buFont typeface="Arial" panose="020B0604020202020204" pitchFamily="34" charset="0"/>
+              <a:buChar char="•"/>
+              <a:defRPr lang="en-US" sz="1200" kern="1200" smtClean="0">
+                <a:solidFill>
+                  <a:schemeClr val="tx1">
+                    <a:lumMod val="75000"/>
+                    <a:lumOff val="25000"/>
+                  </a:schemeClr>
+                </a:solidFill>
+                <a:latin typeface="+mn-lt"/>
+                <a:ea typeface="+mn-ea"/>
+                <a:cs typeface="+mn-cs"/>
+              </a:defRPr>
+            </a:lvl3pPr>
+            <a:lvl4pPr marL="1600200" indent="-228600" algn="l" defTabSz="914400" rtl="0" eaLnBrk="1" latinLnBrk="0" hangingPunct="1">
+              <a:lnSpc>
+                <a:spcPts val="1800"/>
+              </a:lnSpc>
+              <a:spcBef>
+                <a:spcPts val="1000"/>
+              </a:spcBef>
+              <a:spcAft>
+                <a:spcPts val="1000"/>
+              </a:spcAft>
+              <a:buFont typeface="Arial" panose="020B0604020202020204" pitchFamily="34" charset="0"/>
+              <a:buChar char="•"/>
+              <a:defRPr lang="en-US" sz="1200" kern="1200" smtClean="0">
+                <a:solidFill>
+                  <a:schemeClr val="tx1">
+                    <a:lumMod val="75000"/>
+                    <a:lumOff val="25000"/>
+                  </a:schemeClr>
+                </a:solidFill>
+                <a:latin typeface="+mn-lt"/>
+                <a:ea typeface="+mn-ea"/>
+                <a:cs typeface="+mn-cs"/>
+              </a:defRPr>
+            </a:lvl4pPr>
+            <a:lvl5pPr marL="2057400" indent="-228600" algn="l" defTabSz="914400" rtl="0" eaLnBrk="1" latinLnBrk="0" hangingPunct="1">
+              <a:lnSpc>
+                <a:spcPts val="1800"/>
+              </a:lnSpc>
+              <a:spcBef>
+                <a:spcPts val="1000"/>
+              </a:spcBef>
+              <a:spcAft>
+                <a:spcPts val="1000"/>
+              </a:spcAft>
+              <a:buFont typeface="Arial" panose="020B0604020202020204" pitchFamily="34" charset="0"/>
+              <a:buChar char="•"/>
+              <a:defRPr lang="en-US" sz="1200" kern="1200">
+                <a:solidFill>
+                  <a:schemeClr val="tx1">
+                    <a:lumMod val="75000"/>
+                    <a:lumOff val="25000"/>
+                  </a:schemeClr>
+                </a:solidFill>
+                <a:latin typeface="+mn-lt"/>
+                <a:ea typeface="+mn-ea"/>
+                <a:cs typeface="+mn-cs"/>
+              </a:defRPr>
+            </a:lvl5pPr>
+            <a:lvl6pPr marL="2514600" indent="-228600" algn="l" defTabSz="914400" rtl="0" eaLnBrk="1" latinLnBrk="0" hangingPunct="1">
+              <a:lnSpc>
+                <a:spcPct val="90000"/>
+              </a:lnSpc>
+              <a:spcBef>
+                <a:spcPct val="30000"/>
+              </a:spcBef>
+              <a:buFont typeface="Arial" panose="020B0604020202020204" pitchFamily="34" charset="0"/>
+              <a:buChar char="•"/>
+              <a:defRPr sz="1800" kern="1200">
+                <a:solidFill>
+                  <a:schemeClr val="tx1"/>
+                </a:solidFill>
+                <a:latin typeface="+mn-lt"/>
+                <a:ea typeface="+mn-ea"/>
+                <a:cs typeface="+mn-cs"/>
+              </a:defRPr>
+            </a:lvl6pPr>
+            <a:lvl7pPr marL="2971800" indent="-228600" algn="l" defTabSz="914400" rtl="0" eaLnBrk="1" latinLnBrk="0" hangingPunct="1">
+              <a:lnSpc>
+                <a:spcPct val="90000"/>
+              </a:lnSpc>
+              <a:spcBef>
+                <a:spcPct val="30000"/>
+              </a:spcBef>
+              <a:buFont typeface="Arial" panose="020B0604020202020204" pitchFamily="34" charset="0"/>
+              <a:buChar char="•"/>
+              <a:defRPr sz="1800" kern="1200">
+                <a:solidFill>
+                  <a:schemeClr val="tx1"/>
+                </a:solidFill>
+                <a:latin typeface="+mn-lt"/>
+                <a:ea typeface="+mn-ea"/>
+                <a:cs typeface="+mn-cs"/>
+              </a:defRPr>
+            </a:lvl7pPr>
+            <a:lvl8pPr marL="3429000" indent="-228600" algn="l" defTabSz="914400" rtl="0" eaLnBrk="1" latinLnBrk="0" hangingPunct="1">
+              <a:lnSpc>
+                <a:spcPct val="90000"/>
+              </a:lnSpc>
+              <a:spcBef>
+                <a:spcPct val="30000"/>
+              </a:spcBef>
+              <a:buFont typeface="Arial" panose="020B0604020202020204" pitchFamily="34" charset="0"/>
+              <a:buChar char="•"/>
+              <a:defRPr sz="1800" kern="1200">
+                <a:solidFill>
+                  <a:schemeClr val="tx1"/>
+                </a:solidFill>
+                <a:latin typeface="+mn-lt"/>
+                <a:ea typeface="+mn-ea"/>
+                <a:cs typeface="+mn-cs"/>
+              </a:defRPr>
+            </a:lvl8pPr>
+            <a:lvl9pPr marL="3886200" indent="-228600" algn="l" defTabSz="914400" rtl="0" eaLnBrk="1" latinLnBrk="0" hangingPunct="1">
+              <a:lnSpc>
+                <a:spcPct val="90000"/>
+              </a:lnSpc>
+              <a:spcBef>
+                <a:spcPct val="30000"/>
+              </a:spcBef>
+              <a:buFont typeface="Arial" panose="020B0604020202020204" pitchFamily="34" charset="0"/>
+              <a:buChar char="•"/>
+              <a:defRPr sz="1800" kern="1200">
+                <a:solidFill>
+                  <a:schemeClr val="tx1"/>
+                </a:solidFill>
+                <a:latin typeface="+mn-lt"/>
+                <a:ea typeface="+mn-ea"/>
+                <a:cs typeface="+mn-cs"/>
+              </a:defRPr>
+            </a:lvl9pPr>
+          </a:lstStyle>
+          <a:p>
+            <a:pPr marL="0" indent="0">
+              <a:spcAft>
+                <a:spcPts val="600"/>
+              </a:spcAft>
+              <a:buNone/>
+              <a:defRPr/>
+            </a:pPr>
+            <a:endParaRPr lang="en-US" sz="1800" dirty="0">
+              <a:latin typeface="Segoe UI" panose="020B0502040204020203" pitchFamily="34" charset="0"/>
+              <a:cs typeface="Segoe UI" panose="020B0502040204020203" pitchFamily="34" charset="0"/>
+            </a:endParaRPr>
+          </a:p>
+        </p:txBody>
+      </p:sp>
+      <p:sp>
+        <p:nvSpPr>
+          <p:cNvPr id="8" name="Title 7"/>
+          <p:cNvSpPr>
+            <a:spLocks noGrp="1"/>
+          </p:cNvSpPr>
+          <p:nvPr>
+            <p:ph type="title"/>
+          </p:nvPr>
+        </p:nvSpPr>
+        <p:spPr/>
+        <p:txBody>
+          <a:bodyPr/>
+          <a:lstStyle/>
+          <a:p>
+            <a:r>
+              <a:rPr lang="en-US" dirty="0">
+                <a:latin typeface="Segoe UI Light" panose="020B0502040204020203" pitchFamily="34" charset="0"/>
+                <a:cs typeface="Segoe UI Light" panose="020B0502040204020203" pitchFamily="34" charset="0"/>
+              </a:rPr>
+              <a:t>What is a Database?</a:t>
+            </a:r>
+          </a:p>
+        </p:txBody>
+      </p:sp>
+      <p:sp>
+        <p:nvSpPr>
+          <p:cNvPr id="3" name="Rectangle 2"/>
+          <p:cNvSpPr/>
+          <p:nvPr/>
+        </p:nvSpPr>
+        <p:spPr>
+          <a:xfrm>
+            <a:off x="521208" y="1427222"/>
+            <a:ext cx="8766227" cy="3416320"/>
+          </a:xfrm>
+          <a:prstGeom prst="rect">
+            <a:avLst/>
+          </a:prstGeom>
+        </p:spPr>
+        <p:txBody>
+          <a:bodyPr wrap="square">
+            <a:spAutoFit/>
+          </a:bodyPr>
+          <a:lstStyle/>
+          <a:p>
+            <a:r>
+              <a:rPr lang="en-US" dirty="0"/>
+              <a:t>Broad definition: A </a:t>
+            </a:r>
+            <a:r>
+              <a:rPr lang="en-US" i="1" dirty="0"/>
+              <a:t>database</a:t>
+            </a:r>
+            <a:r>
+              <a:rPr lang="en-US" dirty="0"/>
+              <a:t> is anything that collects and organizes data</a:t>
+            </a:r>
+          </a:p>
+          <a:p>
+            <a:endParaRPr lang="en-US" dirty="0"/>
+          </a:p>
+          <a:p>
+            <a:r>
+              <a:rPr lang="en-US" dirty="0"/>
+              <a:t>Examples: </a:t>
+            </a:r>
+          </a:p>
+          <a:p>
+            <a:endParaRPr lang="en-US" dirty="0"/>
+          </a:p>
+          <a:p>
+            <a:pPr marL="285744" indent="-285744">
+              <a:buFont typeface="Arial" panose="020B0604020202020204" pitchFamily="34" charset="0"/>
+              <a:buChar char="•"/>
+            </a:pPr>
+            <a:r>
+              <a:rPr lang="en-US" dirty="0"/>
+              <a:t>Excel spreadsheets</a:t>
+            </a:r>
+          </a:p>
+          <a:p>
+            <a:endParaRPr lang="en-US" dirty="0"/>
+          </a:p>
+          <a:p>
+            <a:pPr marL="285744" indent="-285744">
+              <a:buFont typeface="Arial" panose="020B0604020202020204" pitchFamily="34" charset="0"/>
+              <a:buChar char="•"/>
+            </a:pPr>
+            <a:r>
+              <a:rPr lang="en-US" dirty="0"/>
+              <a:t>Text files (CSV, XML, JSON)</a:t>
+            </a:r>
+          </a:p>
+          <a:p>
+            <a:endParaRPr lang="en-US" dirty="0"/>
+          </a:p>
+          <a:p>
+            <a:pPr marL="285744" indent="-285744">
+              <a:buFont typeface="Arial" panose="020B0604020202020204" pitchFamily="34" charset="0"/>
+              <a:buChar char="•"/>
+            </a:pPr>
+            <a:r>
+              <a:rPr lang="en-US" dirty="0"/>
+              <a:t>File cabinet with organized documents</a:t>
+            </a:r>
+          </a:p>
+          <a:p>
+            <a:endParaRPr lang="en-US" dirty="0"/>
+          </a:p>
+          <a:p>
+            <a:r>
+              <a:rPr lang="en-US" dirty="0"/>
+              <a:t>When referred to professionally, a database is typically a Relational Database Management System (RDBMS)</a:t>
+            </a:r>
+          </a:p>
+        </p:txBody>
+      </p:sp>
+    </p:spTree>
+    <p:extLst>
+      <p:ext uri="{BB962C8B-B14F-4D97-AF65-F5344CB8AC3E}">
+        <p14:creationId xmlns:p14="http://schemas.microsoft.com/office/powerpoint/2010/main" val="2919633486"/>
+      </p:ext>
+    </p:extLst>
+  </p:cSld>
+  <p:clrMapOvr>
+    <a:masterClrMapping/>
+  </p:clrMapOvr>
+  <p:timing>
+    <p:tnLst>
+      <p:par>
+        <p:cTn id="1" dur="indefinite" restart="never" nodeType="tmRoot">
+          <p:childTnLst>
+            <p:seq concurrent="1" nextAc="seek">
+              <p:cTn id="2" dur="indefinite" nodeType="mainSeq">
+                <p:childTnLst>
+                  <p:par>
+                    <p:cTn id="3" fill="hold">
+                      <p:stCondLst>
+                        <p:cond delay="indefinite"/>
+                      </p:stCondLst>
+                      <p:childTnLst>
+                        <p:par>
+                          <p:cTn id="4" fill="hold">
+                            <p:stCondLst>
+                              <p:cond delay="0"/>
+                            </p:stCondLst>
+                            <p:childTnLst>
+                              <p:par>
+                                <p:cTn id="5" presetID="1" presetClass="entr" presetSubtype="0" fill="hold" nodeType="clickEffect">
+                                  <p:stCondLst>
+                                    <p:cond delay="0"/>
+                                  </p:stCondLst>
+                                  <p:childTnLst>
+                                    <p:set>
+                                      <p:cBhvr>
+                                        <p:cTn id="6" dur="1" fill="hold">
+                                          <p:stCondLst>
+                                            <p:cond delay="0"/>
+                                          </p:stCondLst>
+                                        </p:cTn>
+                                        <p:tgtEl>
+                                          <p:spTgt spid="3">
+                                            <p:txEl>
+                                              <p:pRg st="0" end="0"/>
+                                            </p:txEl>
+                                          </p:spTgt>
+                                        </p:tgtEl>
+                                        <p:attrNameLst>
+                                          <p:attrName>style.visibility</p:attrName>
+                                        </p:attrNameLst>
+                                      </p:cBhvr>
+                                      <p:to>
+                                        <p:strVal val="visible"/>
+                                      </p:to>
+                                    </p:set>
+                                  </p:childTnLst>
+                                </p:cTn>
+                              </p:par>
+                            </p:childTnLst>
+                          </p:cTn>
+                        </p:par>
+                      </p:childTnLst>
+                    </p:cTn>
+                  </p:par>
+                  <p:par>
+                    <p:cTn id="7" fill="hold">
+                      <p:stCondLst>
+                        <p:cond delay="indefinite"/>
+                      </p:stCondLst>
+                      <p:childTnLst>
+                        <p:par>
+                          <p:cTn id="8" fill="hold">
+                            <p:stCondLst>
+                              <p:cond delay="0"/>
+                            </p:stCondLst>
+                            <p:childTnLst>
+                              <p:par>
+                                <p:cTn id="9" presetID="1" presetClass="entr" presetSubtype="0" fill="hold" nodeType="clickEffect">
+                                  <p:stCondLst>
+                                    <p:cond delay="0"/>
+                                  </p:stCondLst>
+                                  <p:childTnLst>
+                                    <p:set>
+                                      <p:cBhvr>
+                                        <p:cTn id="10" dur="1" fill="hold">
+                                          <p:stCondLst>
+                                            <p:cond delay="0"/>
+                                          </p:stCondLst>
+                                        </p:cTn>
+                                        <p:tgtEl>
+                                          <p:spTgt spid="3">
+                                            <p:txEl>
+                                              <p:pRg st="2" end="2"/>
+                                            </p:txEl>
+                                          </p:spTgt>
+                                        </p:tgtEl>
+                                        <p:attrNameLst>
+                                          <p:attrName>style.visibility</p:attrName>
+                                        </p:attrNameLst>
+                                      </p:cBhvr>
+                                      <p:to>
+                                        <p:strVal val="visible"/>
+                                      </p:to>
+                                    </p:set>
+                                  </p:childTnLst>
+                                </p:cTn>
+                              </p:par>
+                              <p:par>
+                                <p:cTn id="11" presetID="1" presetClass="entr" presetSubtype="0" fill="hold" nodeType="withEffect">
+                                  <p:stCondLst>
+                                    <p:cond delay="0"/>
+                                  </p:stCondLst>
+                                  <p:childTnLst>
+                                    <p:set>
+                                      <p:cBhvr>
+                                        <p:cTn id="12" dur="1" fill="hold">
+                                          <p:stCondLst>
+                                            <p:cond delay="0"/>
+                                          </p:stCondLst>
+                                        </p:cTn>
+                                        <p:tgtEl>
+                                          <p:spTgt spid="3">
+                                            <p:txEl>
+                                              <p:pRg st="4" end="4"/>
+                                            </p:txEl>
+                                          </p:spTgt>
+                                        </p:tgtEl>
+                                        <p:attrNameLst>
+                                          <p:attrName>style.visibility</p:attrName>
+                                        </p:attrNameLst>
+                                      </p:cBhvr>
+                                      <p:to>
+                                        <p:strVal val="visible"/>
+                                      </p:to>
+                                    </p:set>
+                                  </p:childTnLst>
+                                </p:cTn>
+                              </p:par>
+                              <p:par>
+                                <p:cTn id="13" presetID="1" presetClass="entr" presetSubtype="0" fill="hold" nodeType="withEffect">
+                                  <p:stCondLst>
+                                    <p:cond delay="0"/>
+                                  </p:stCondLst>
+                                  <p:childTnLst>
+                                    <p:set>
+                                      <p:cBhvr>
+                                        <p:cTn id="14" dur="1" fill="hold">
+                                          <p:stCondLst>
+                                            <p:cond delay="0"/>
+                                          </p:stCondLst>
+                                        </p:cTn>
+                                        <p:tgtEl>
+                                          <p:spTgt spid="3">
+                                            <p:txEl>
+                                              <p:pRg st="6" end="6"/>
+                                            </p:txEl>
+                                          </p:spTgt>
+                                        </p:tgtEl>
+                                        <p:attrNameLst>
+                                          <p:attrName>style.visibility</p:attrName>
+                                        </p:attrNameLst>
+                                      </p:cBhvr>
+                                      <p:to>
+                                        <p:strVal val="visible"/>
+                                      </p:to>
+                                    </p:set>
+                                  </p:childTnLst>
+                                </p:cTn>
+                              </p:par>
+                              <p:par>
+                                <p:cTn id="15" presetID="1" presetClass="entr" presetSubtype="0" fill="hold" nodeType="withEffect">
+                                  <p:stCondLst>
+                                    <p:cond delay="0"/>
+                                  </p:stCondLst>
+                                  <p:childTnLst>
+                                    <p:set>
+                                      <p:cBhvr>
+                                        <p:cTn id="16" dur="1" fill="hold">
+                                          <p:stCondLst>
+                                            <p:cond delay="0"/>
+                                          </p:stCondLst>
+                                        </p:cTn>
+                                        <p:tgtEl>
+                                          <p:spTgt spid="3">
+                                            <p:txEl>
+                                              <p:pRg st="8" end="8"/>
+                                            </p:txEl>
+                                          </p:spTgt>
+                                        </p:tgtEl>
+                                        <p:attrNameLst>
+                                          <p:attrName>style.visibility</p:attrName>
+                                        </p:attrNameLst>
+                                      </p:cBhvr>
+                                      <p:to>
+                                        <p:strVal val="visible"/>
+                                      </p:to>
+                                    </p:set>
+                                  </p:childTnLst>
+                                </p:cTn>
+                              </p:par>
+                            </p:childTnLst>
+                          </p:cTn>
+                        </p:par>
+                      </p:childTnLst>
+                    </p:cTn>
+                  </p:par>
+                  <p:par>
+                    <p:cTn id="17" fill="hold">
+                      <p:stCondLst>
+                        <p:cond delay="indefinite"/>
+                      </p:stCondLst>
+                      <p:childTnLst>
+                        <p:par>
+                          <p:cTn id="18" fill="hold">
+                            <p:stCondLst>
+                              <p:cond delay="0"/>
+                            </p:stCondLst>
+                            <p:childTnLst>
+                              <p:par>
+                                <p:cTn id="19" presetID="1" presetClass="entr" presetSubtype="0" fill="hold" nodeType="clickEffect">
+                                  <p:stCondLst>
+                                    <p:cond delay="0"/>
+                                  </p:stCondLst>
+                                  <p:childTnLst>
+                                    <p:set>
+                                      <p:cBhvr>
+                                        <p:cTn id="20" dur="1" fill="hold">
+                                          <p:stCondLst>
+                                            <p:cond delay="0"/>
+                                          </p:stCondLst>
+                                        </p:cTn>
+                                        <p:tgtEl>
+                                          <p:spTgt spid="3">
+                                            <p:txEl>
+                                              <p:pRg st="10" end="10"/>
+                                            </p:txEl>
+                                          </p:spTgt>
+                                        </p:tgtEl>
+                                        <p:attrNameLst>
+                                          <p:attrName>style.visibility</p:attrName>
+                                        </p:attrNameLst>
+                                      </p:cBhvr>
+                                      <p:to>
+                                        <p:strVal val="visible"/>
+                                      </p:to>
+                                    </p:set>
+                                  </p:childTnLst>
+                                </p:cTn>
+                              </p:par>
+                            </p:childTnLst>
+                          </p:cTn>
+                        </p:par>
+                      </p:childTnLst>
+                    </p:cTn>
+                  </p:par>
+                </p:childTnLst>
+              </p:cTn>
+              <p:prevCondLst>
+                <p:cond evt="onPrev" delay="0">
+                  <p:tgtEl>
+                    <p:sldTgt/>
+                  </p:tgtEl>
+                </p:cond>
+              </p:prevCondLst>
+              <p:nextCondLst>
+                <p:cond evt="onNext" delay="0">
+                  <p:tgtEl>
+                    <p:sldTgt/>
+                  </p:tgtEl>
+                </p:cond>
+              </p:nextCondLst>
+            </p:seq>
+          </p:childTnLst>
+        </p:cTn>
+      </p:par>
+    </p:tnLst>
+  </p:timing>
+</p:sld>
+</file>
+
+<file path=ppt/slides/slide60.xml><?xml version="1.0" encoding="utf-8"?>
 <p:sld xmlns:a="http://schemas.openxmlformats.org/drawingml/2006/main" xmlns:r="http://schemas.openxmlformats.org/officeDocument/2006/relationships" xmlns:p="http://schemas.openxmlformats.org/presentationml/2006/main">
   <p:cSld>
     <p:spTree>
@@ -21954,655 +23068,7 @@
 </p:sld>
 </file>
 
-<file path=ppt/slides/slide6.xml><?xml version="1.0" encoding="utf-8"?>
-<p:sld xmlns:a="http://schemas.openxmlformats.org/drawingml/2006/main" xmlns:r="http://schemas.openxmlformats.org/officeDocument/2006/relationships" xmlns:p="http://schemas.openxmlformats.org/presentationml/2006/main">
-  <p:cSld>
-    <p:spTree>
-      <p:nvGrpSpPr>
-        <p:cNvPr id="1" name=""/>
-        <p:cNvGrpSpPr/>
-        <p:nvPr/>
-      </p:nvGrpSpPr>
-      <p:grpSpPr>
-        <a:xfrm>
-          <a:off x="0" y="0"/>
-          <a:ext cx="0" cy="0"/>
-          <a:chOff x="0" y="0"/>
-          <a:chExt cx="0" cy="0"/>
-        </a:xfrm>
-      </p:grpSpPr>
-      <p:sp>
-        <p:nvSpPr>
-          <p:cNvPr id="38" name="Content Placeholder 17"/>
-          <p:cNvSpPr txBox="1">
-            <a:spLocks/>
-          </p:cNvSpPr>
-          <p:nvPr/>
-        </p:nvSpPr>
-        <p:spPr>
-          <a:xfrm>
-            <a:off x="541611" y="1296102"/>
-            <a:ext cx="7109491" cy="3871519"/>
-          </a:xfrm>
-          <a:prstGeom prst="rect">
-            <a:avLst/>
-          </a:prstGeom>
-        </p:spPr>
-        <p:txBody>
-          <a:bodyPr vert="horz" lIns="91440" tIns="45720" rIns="91440" bIns="45720" rtlCol="0">
-            <a:normAutofit/>
-          </a:bodyPr>
-          <a:lstStyle>
-            <a:lvl1pPr marL="228600" indent="-228600" algn="l" defTabSz="914400" rtl="0" eaLnBrk="1" latinLnBrk="0" hangingPunct="1">
-              <a:lnSpc>
-                <a:spcPts val="1800"/>
-              </a:lnSpc>
-              <a:spcBef>
-                <a:spcPts val="1000"/>
-              </a:spcBef>
-              <a:spcAft>
-                <a:spcPts val="1000"/>
-              </a:spcAft>
-              <a:buFont typeface="Arial" panose="020B0604020202020204" pitchFamily="34" charset="0"/>
-              <a:buChar char="•"/>
-              <a:defRPr lang="en-US" sz="1200" kern="1200" smtClean="0">
-                <a:solidFill>
-                  <a:schemeClr val="tx1">
-                    <a:lumMod val="75000"/>
-                    <a:lumOff val="25000"/>
-                  </a:schemeClr>
-                </a:solidFill>
-                <a:latin typeface="+mn-lt"/>
-                <a:ea typeface="+mn-ea"/>
-                <a:cs typeface="+mn-cs"/>
-              </a:defRPr>
-            </a:lvl1pPr>
-            <a:lvl2pPr marL="685800" indent="-228600" algn="l" defTabSz="914400" rtl="0" eaLnBrk="1" latinLnBrk="0" hangingPunct="1">
-              <a:lnSpc>
-                <a:spcPts val="1800"/>
-              </a:lnSpc>
-              <a:spcBef>
-                <a:spcPts val="1000"/>
-              </a:spcBef>
-              <a:spcAft>
-                <a:spcPts val="1000"/>
-              </a:spcAft>
-              <a:buFont typeface="Arial" panose="020B0604020202020204" pitchFamily="34" charset="0"/>
-              <a:buChar char="•"/>
-              <a:defRPr lang="en-US" sz="1200" kern="1200" smtClean="0">
-                <a:solidFill>
-                  <a:schemeClr val="tx1">
-                    <a:lumMod val="75000"/>
-                    <a:lumOff val="25000"/>
-                  </a:schemeClr>
-                </a:solidFill>
-                <a:latin typeface="+mn-lt"/>
-                <a:ea typeface="+mn-ea"/>
-                <a:cs typeface="+mn-cs"/>
-              </a:defRPr>
-            </a:lvl2pPr>
-            <a:lvl3pPr marL="1143000" indent="-228600" algn="l" defTabSz="914400" rtl="0" eaLnBrk="1" latinLnBrk="0" hangingPunct="1">
-              <a:lnSpc>
-                <a:spcPts val="1800"/>
-              </a:lnSpc>
-              <a:spcBef>
-                <a:spcPts val="1000"/>
-              </a:spcBef>
-              <a:spcAft>
-                <a:spcPts val="1000"/>
-              </a:spcAft>
-              <a:buFont typeface="Arial" panose="020B0604020202020204" pitchFamily="34" charset="0"/>
-              <a:buChar char="•"/>
-              <a:defRPr lang="en-US" sz="1200" kern="1200" smtClean="0">
-                <a:solidFill>
-                  <a:schemeClr val="tx1">
-                    <a:lumMod val="75000"/>
-                    <a:lumOff val="25000"/>
-                  </a:schemeClr>
-                </a:solidFill>
-                <a:latin typeface="+mn-lt"/>
-                <a:ea typeface="+mn-ea"/>
-                <a:cs typeface="+mn-cs"/>
-              </a:defRPr>
-            </a:lvl3pPr>
-            <a:lvl4pPr marL="1600200" indent="-228600" algn="l" defTabSz="914400" rtl="0" eaLnBrk="1" latinLnBrk="0" hangingPunct="1">
-              <a:lnSpc>
-                <a:spcPts val="1800"/>
-              </a:lnSpc>
-              <a:spcBef>
-                <a:spcPts val="1000"/>
-              </a:spcBef>
-              <a:spcAft>
-                <a:spcPts val="1000"/>
-              </a:spcAft>
-              <a:buFont typeface="Arial" panose="020B0604020202020204" pitchFamily="34" charset="0"/>
-              <a:buChar char="•"/>
-              <a:defRPr lang="en-US" sz="1200" kern="1200" smtClean="0">
-                <a:solidFill>
-                  <a:schemeClr val="tx1">
-                    <a:lumMod val="75000"/>
-                    <a:lumOff val="25000"/>
-                  </a:schemeClr>
-                </a:solidFill>
-                <a:latin typeface="+mn-lt"/>
-                <a:ea typeface="+mn-ea"/>
-                <a:cs typeface="+mn-cs"/>
-              </a:defRPr>
-            </a:lvl4pPr>
-            <a:lvl5pPr marL="2057400" indent="-228600" algn="l" defTabSz="914400" rtl="0" eaLnBrk="1" latinLnBrk="0" hangingPunct="1">
-              <a:lnSpc>
-                <a:spcPts val="1800"/>
-              </a:lnSpc>
-              <a:spcBef>
-                <a:spcPts val="1000"/>
-              </a:spcBef>
-              <a:spcAft>
-                <a:spcPts val="1000"/>
-              </a:spcAft>
-              <a:buFont typeface="Arial" panose="020B0604020202020204" pitchFamily="34" charset="0"/>
-              <a:buChar char="•"/>
-              <a:defRPr lang="en-US" sz="1200" kern="1200">
-                <a:solidFill>
-                  <a:schemeClr val="tx1">
-                    <a:lumMod val="75000"/>
-                    <a:lumOff val="25000"/>
-                  </a:schemeClr>
-                </a:solidFill>
-                <a:latin typeface="+mn-lt"/>
-                <a:ea typeface="+mn-ea"/>
-                <a:cs typeface="+mn-cs"/>
-              </a:defRPr>
-            </a:lvl5pPr>
-            <a:lvl6pPr marL="2514600" indent="-228600" algn="l" defTabSz="914400" rtl="0" eaLnBrk="1" latinLnBrk="0" hangingPunct="1">
-              <a:lnSpc>
-                <a:spcPct val="90000"/>
-              </a:lnSpc>
-              <a:spcBef>
-                <a:spcPct val="30000"/>
-              </a:spcBef>
-              <a:buFont typeface="Arial" panose="020B0604020202020204" pitchFamily="34" charset="0"/>
-              <a:buChar char="•"/>
-              <a:defRPr sz="1800" kern="1200">
-                <a:solidFill>
-                  <a:schemeClr val="tx1"/>
-                </a:solidFill>
-                <a:latin typeface="+mn-lt"/>
-                <a:ea typeface="+mn-ea"/>
-                <a:cs typeface="+mn-cs"/>
-              </a:defRPr>
-            </a:lvl6pPr>
-            <a:lvl7pPr marL="2971800" indent="-228600" algn="l" defTabSz="914400" rtl="0" eaLnBrk="1" latinLnBrk="0" hangingPunct="1">
-              <a:lnSpc>
-                <a:spcPct val="90000"/>
-              </a:lnSpc>
-              <a:spcBef>
-                <a:spcPct val="30000"/>
-              </a:spcBef>
-              <a:buFont typeface="Arial" panose="020B0604020202020204" pitchFamily="34" charset="0"/>
-              <a:buChar char="•"/>
-              <a:defRPr sz="1800" kern="1200">
-                <a:solidFill>
-                  <a:schemeClr val="tx1"/>
-                </a:solidFill>
-                <a:latin typeface="+mn-lt"/>
-                <a:ea typeface="+mn-ea"/>
-                <a:cs typeface="+mn-cs"/>
-              </a:defRPr>
-            </a:lvl7pPr>
-            <a:lvl8pPr marL="3429000" indent="-228600" algn="l" defTabSz="914400" rtl="0" eaLnBrk="1" latinLnBrk="0" hangingPunct="1">
-              <a:lnSpc>
-                <a:spcPct val="90000"/>
-              </a:lnSpc>
-              <a:spcBef>
-                <a:spcPct val="30000"/>
-              </a:spcBef>
-              <a:buFont typeface="Arial" panose="020B0604020202020204" pitchFamily="34" charset="0"/>
-              <a:buChar char="•"/>
-              <a:defRPr sz="1800" kern="1200">
-                <a:solidFill>
-                  <a:schemeClr val="tx1"/>
-                </a:solidFill>
-                <a:latin typeface="+mn-lt"/>
-                <a:ea typeface="+mn-ea"/>
-                <a:cs typeface="+mn-cs"/>
-              </a:defRPr>
-            </a:lvl8pPr>
-            <a:lvl9pPr marL="3886200" indent="-228600" algn="l" defTabSz="914400" rtl="0" eaLnBrk="1" latinLnBrk="0" hangingPunct="1">
-              <a:lnSpc>
-                <a:spcPct val="90000"/>
-              </a:lnSpc>
-              <a:spcBef>
-                <a:spcPct val="30000"/>
-              </a:spcBef>
-              <a:buFont typeface="Arial" panose="020B0604020202020204" pitchFamily="34" charset="0"/>
-              <a:buChar char="•"/>
-              <a:defRPr sz="1800" kern="1200">
-                <a:solidFill>
-                  <a:schemeClr val="tx1"/>
-                </a:solidFill>
-                <a:latin typeface="+mn-lt"/>
-                <a:ea typeface="+mn-ea"/>
-                <a:cs typeface="+mn-cs"/>
-              </a:defRPr>
-            </a:lvl9pPr>
-          </a:lstStyle>
-          <a:p>
-            <a:pPr marL="0" indent="0">
-              <a:spcAft>
-                <a:spcPts val="600"/>
-              </a:spcAft>
-              <a:buNone/>
-              <a:defRPr/>
-            </a:pPr>
-            <a:endParaRPr lang="en-US" sz="1800" dirty="0">
-              <a:latin typeface="Segoe UI" panose="020B0502040204020203" pitchFamily="34" charset="0"/>
-              <a:cs typeface="Segoe UI" panose="020B0502040204020203" pitchFamily="34" charset="0"/>
-            </a:endParaRPr>
-          </a:p>
-        </p:txBody>
-      </p:sp>
-      <p:sp>
-        <p:nvSpPr>
-          <p:cNvPr id="8" name="Title 7"/>
-          <p:cNvSpPr>
-            <a:spLocks noGrp="1"/>
-          </p:cNvSpPr>
-          <p:nvPr>
-            <p:ph type="title"/>
-          </p:nvPr>
-        </p:nvSpPr>
-        <p:spPr/>
-        <p:txBody>
-          <a:bodyPr/>
-          <a:lstStyle/>
-          <a:p>
-            <a:r>
-              <a:rPr lang="en-US" dirty="0">
-                <a:latin typeface="Segoe UI Light" panose="020B0502040204020203" pitchFamily="34" charset="0"/>
-                <a:cs typeface="Segoe UI Light" panose="020B0502040204020203" pitchFamily="34" charset="0"/>
-              </a:rPr>
-              <a:t>What is a Database?</a:t>
-            </a:r>
-          </a:p>
-        </p:txBody>
-      </p:sp>
-      <p:sp>
-        <p:nvSpPr>
-          <p:cNvPr id="3" name="Rectangle 2"/>
-          <p:cNvSpPr/>
-          <p:nvPr/>
-        </p:nvSpPr>
-        <p:spPr>
-          <a:xfrm>
-            <a:off x="521208" y="1427222"/>
-            <a:ext cx="8766227" cy="3416320"/>
-          </a:xfrm>
-          <a:prstGeom prst="rect">
-            <a:avLst/>
-          </a:prstGeom>
-        </p:spPr>
-        <p:txBody>
-          <a:bodyPr wrap="square">
-            <a:spAutoFit/>
-          </a:bodyPr>
-          <a:lstStyle/>
-          <a:p>
-            <a:r>
-              <a:rPr lang="en-US" dirty="0"/>
-              <a:t>Broad definition: A </a:t>
-            </a:r>
-            <a:r>
-              <a:rPr lang="en-US" i="1" dirty="0"/>
-              <a:t>database</a:t>
-            </a:r>
-            <a:r>
-              <a:rPr lang="en-US" dirty="0"/>
-              <a:t> is anything that collects and organizes data</a:t>
-            </a:r>
-          </a:p>
-          <a:p>
-            <a:endParaRPr lang="en-US" dirty="0"/>
-          </a:p>
-          <a:p>
-            <a:r>
-              <a:rPr lang="en-US" dirty="0"/>
-              <a:t>Examples: </a:t>
-            </a:r>
-          </a:p>
-          <a:p>
-            <a:endParaRPr lang="en-US" dirty="0"/>
-          </a:p>
-          <a:p>
-            <a:pPr marL="285744" indent="-285744">
-              <a:buFont typeface="Arial" panose="020B0604020202020204" pitchFamily="34" charset="0"/>
-              <a:buChar char="•"/>
-            </a:pPr>
-            <a:r>
-              <a:rPr lang="en-US" dirty="0"/>
-              <a:t>Excel spreadsheets</a:t>
-            </a:r>
-          </a:p>
-          <a:p>
-            <a:endParaRPr lang="en-US" dirty="0"/>
-          </a:p>
-          <a:p>
-            <a:pPr marL="285744" indent="-285744">
-              <a:buFont typeface="Arial" panose="020B0604020202020204" pitchFamily="34" charset="0"/>
-              <a:buChar char="•"/>
-            </a:pPr>
-            <a:r>
-              <a:rPr lang="en-US" dirty="0"/>
-              <a:t>Text files (CSV, XML, JSON)</a:t>
-            </a:r>
-          </a:p>
-          <a:p>
-            <a:endParaRPr lang="en-US" dirty="0"/>
-          </a:p>
-          <a:p>
-            <a:pPr marL="285744" indent="-285744">
-              <a:buFont typeface="Arial" panose="020B0604020202020204" pitchFamily="34" charset="0"/>
-              <a:buChar char="•"/>
-            </a:pPr>
-            <a:r>
-              <a:rPr lang="en-US" dirty="0"/>
-              <a:t>File cabinet with organized documents</a:t>
-            </a:r>
-          </a:p>
-          <a:p>
-            <a:endParaRPr lang="en-US" dirty="0"/>
-          </a:p>
-          <a:p>
-            <a:r>
-              <a:rPr lang="en-US" dirty="0"/>
-              <a:t>When referred to professionally, a database is typically a Relational Database Management System (RDBMS)</a:t>
-            </a:r>
-          </a:p>
-        </p:txBody>
-      </p:sp>
-    </p:spTree>
-    <p:extLst>
-      <p:ext uri="{BB962C8B-B14F-4D97-AF65-F5344CB8AC3E}">
-        <p14:creationId xmlns:p14="http://schemas.microsoft.com/office/powerpoint/2010/main" val="2919633486"/>
-      </p:ext>
-    </p:extLst>
-  </p:cSld>
-  <p:clrMapOvr>
-    <a:masterClrMapping/>
-  </p:clrMapOvr>
-  <p:timing>
-    <p:tnLst>
-      <p:par>
-        <p:cTn id="1" dur="indefinite" restart="never" nodeType="tmRoot">
-          <p:childTnLst>
-            <p:seq concurrent="1" nextAc="seek">
-              <p:cTn id="2" dur="indefinite" nodeType="mainSeq">
-                <p:childTnLst>
-                  <p:par>
-                    <p:cTn id="3" fill="hold">
-                      <p:stCondLst>
-                        <p:cond delay="indefinite"/>
-                      </p:stCondLst>
-                      <p:childTnLst>
-                        <p:par>
-                          <p:cTn id="4" fill="hold">
-                            <p:stCondLst>
-                              <p:cond delay="0"/>
-                            </p:stCondLst>
-                            <p:childTnLst>
-                              <p:par>
-                                <p:cTn id="5" presetID="1" presetClass="entr" presetSubtype="0" fill="hold" nodeType="clickEffect">
-                                  <p:stCondLst>
-                                    <p:cond delay="0"/>
-                                  </p:stCondLst>
-                                  <p:childTnLst>
-                                    <p:set>
-                                      <p:cBhvr>
-                                        <p:cTn id="6" dur="1" fill="hold">
-                                          <p:stCondLst>
-                                            <p:cond delay="0"/>
-                                          </p:stCondLst>
-                                        </p:cTn>
-                                        <p:tgtEl>
-                                          <p:spTgt spid="3">
-                                            <p:txEl>
-                                              <p:pRg st="0" end="0"/>
-                                            </p:txEl>
-                                          </p:spTgt>
-                                        </p:tgtEl>
-                                        <p:attrNameLst>
-                                          <p:attrName>style.visibility</p:attrName>
-                                        </p:attrNameLst>
-                                      </p:cBhvr>
-                                      <p:to>
-                                        <p:strVal val="visible"/>
-                                      </p:to>
-                                    </p:set>
-                                  </p:childTnLst>
-                                </p:cTn>
-                              </p:par>
-                            </p:childTnLst>
-                          </p:cTn>
-                        </p:par>
-                      </p:childTnLst>
-                    </p:cTn>
-                  </p:par>
-                  <p:par>
-                    <p:cTn id="7" fill="hold">
-                      <p:stCondLst>
-                        <p:cond delay="indefinite"/>
-                      </p:stCondLst>
-                      <p:childTnLst>
-                        <p:par>
-                          <p:cTn id="8" fill="hold">
-                            <p:stCondLst>
-                              <p:cond delay="0"/>
-                            </p:stCondLst>
-                            <p:childTnLst>
-                              <p:par>
-                                <p:cTn id="9" presetID="1" presetClass="entr" presetSubtype="0" fill="hold" nodeType="clickEffect">
-                                  <p:stCondLst>
-                                    <p:cond delay="0"/>
-                                  </p:stCondLst>
-                                  <p:childTnLst>
-                                    <p:set>
-                                      <p:cBhvr>
-                                        <p:cTn id="10" dur="1" fill="hold">
-                                          <p:stCondLst>
-                                            <p:cond delay="0"/>
-                                          </p:stCondLst>
-                                        </p:cTn>
-                                        <p:tgtEl>
-                                          <p:spTgt spid="3">
-                                            <p:txEl>
-                                              <p:pRg st="2" end="2"/>
-                                            </p:txEl>
-                                          </p:spTgt>
-                                        </p:tgtEl>
-                                        <p:attrNameLst>
-                                          <p:attrName>style.visibility</p:attrName>
-                                        </p:attrNameLst>
-                                      </p:cBhvr>
-                                      <p:to>
-                                        <p:strVal val="visible"/>
-                                      </p:to>
-                                    </p:set>
-                                  </p:childTnLst>
-                                </p:cTn>
-                              </p:par>
-                              <p:par>
-                                <p:cTn id="11" presetID="1" presetClass="entr" presetSubtype="0" fill="hold" nodeType="withEffect">
-                                  <p:stCondLst>
-                                    <p:cond delay="0"/>
-                                  </p:stCondLst>
-                                  <p:childTnLst>
-                                    <p:set>
-                                      <p:cBhvr>
-                                        <p:cTn id="12" dur="1" fill="hold">
-                                          <p:stCondLst>
-                                            <p:cond delay="0"/>
-                                          </p:stCondLst>
-                                        </p:cTn>
-                                        <p:tgtEl>
-                                          <p:spTgt spid="3">
-                                            <p:txEl>
-                                              <p:pRg st="4" end="4"/>
-                                            </p:txEl>
-                                          </p:spTgt>
-                                        </p:tgtEl>
-                                        <p:attrNameLst>
-                                          <p:attrName>style.visibility</p:attrName>
-                                        </p:attrNameLst>
-                                      </p:cBhvr>
-                                      <p:to>
-                                        <p:strVal val="visible"/>
-                                      </p:to>
-                                    </p:set>
-                                  </p:childTnLst>
-                                </p:cTn>
-                              </p:par>
-                              <p:par>
-                                <p:cTn id="13" presetID="1" presetClass="entr" presetSubtype="0" fill="hold" nodeType="withEffect">
-                                  <p:stCondLst>
-                                    <p:cond delay="0"/>
-                                  </p:stCondLst>
-                                  <p:childTnLst>
-                                    <p:set>
-                                      <p:cBhvr>
-                                        <p:cTn id="14" dur="1" fill="hold">
-                                          <p:stCondLst>
-                                            <p:cond delay="0"/>
-                                          </p:stCondLst>
-                                        </p:cTn>
-                                        <p:tgtEl>
-                                          <p:spTgt spid="3">
-                                            <p:txEl>
-                                              <p:pRg st="6" end="6"/>
-                                            </p:txEl>
-                                          </p:spTgt>
-                                        </p:tgtEl>
-                                        <p:attrNameLst>
-                                          <p:attrName>style.visibility</p:attrName>
-                                        </p:attrNameLst>
-                                      </p:cBhvr>
-                                      <p:to>
-                                        <p:strVal val="visible"/>
-                                      </p:to>
-                                    </p:set>
-                                  </p:childTnLst>
-                                </p:cTn>
-                              </p:par>
-                              <p:par>
-                                <p:cTn id="15" presetID="1" presetClass="entr" presetSubtype="0" fill="hold" nodeType="withEffect">
-                                  <p:stCondLst>
-                                    <p:cond delay="0"/>
-                                  </p:stCondLst>
-                                  <p:childTnLst>
-                                    <p:set>
-                                      <p:cBhvr>
-                                        <p:cTn id="16" dur="1" fill="hold">
-                                          <p:stCondLst>
-                                            <p:cond delay="0"/>
-                                          </p:stCondLst>
-                                        </p:cTn>
-                                        <p:tgtEl>
-                                          <p:spTgt spid="3">
-                                            <p:txEl>
-                                              <p:pRg st="8" end="8"/>
-                                            </p:txEl>
-                                          </p:spTgt>
-                                        </p:tgtEl>
-                                        <p:attrNameLst>
-                                          <p:attrName>style.visibility</p:attrName>
-                                        </p:attrNameLst>
-                                      </p:cBhvr>
-                                      <p:to>
-                                        <p:strVal val="visible"/>
-                                      </p:to>
-                                    </p:set>
-                                  </p:childTnLst>
-                                </p:cTn>
-                              </p:par>
-                            </p:childTnLst>
-                          </p:cTn>
-                        </p:par>
-                      </p:childTnLst>
-                    </p:cTn>
-                  </p:par>
-                  <p:par>
-                    <p:cTn id="17" fill="hold">
-                      <p:stCondLst>
-                        <p:cond delay="indefinite"/>
-                      </p:stCondLst>
-                      <p:childTnLst>
-                        <p:par>
-                          <p:cTn id="18" fill="hold">
-                            <p:stCondLst>
-                              <p:cond delay="0"/>
-                            </p:stCondLst>
-                            <p:childTnLst>
-                              <p:par>
-                                <p:cTn id="19" presetID="1" presetClass="entr" presetSubtype="0" fill="hold" nodeType="clickEffect">
-                                  <p:stCondLst>
-                                    <p:cond delay="0"/>
-                                  </p:stCondLst>
-                                  <p:childTnLst>
-                                    <p:set>
-                                      <p:cBhvr>
-                                        <p:cTn id="20" dur="1" fill="hold">
-                                          <p:stCondLst>
-                                            <p:cond delay="0"/>
-                                          </p:stCondLst>
-                                        </p:cTn>
-                                        <p:tgtEl>
-                                          <p:spTgt spid="3">
-                                            <p:txEl>
-                                              <p:pRg st="10" end="10"/>
-                                            </p:txEl>
-                                          </p:spTgt>
-                                        </p:tgtEl>
-                                        <p:attrNameLst>
-                                          <p:attrName>style.visibility</p:attrName>
-                                        </p:attrNameLst>
-                                      </p:cBhvr>
-                                      <p:to>
-                                        <p:strVal val="visible"/>
-                                      </p:to>
-                                    </p:set>
-                                  </p:childTnLst>
-                                </p:cTn>
-                              </p:par>
-                            </p:childTnLst>
-                          </p:cTn>
-                        </p:par>
-                      </p:childTnLst>
-                    </p:cTn>
-                  </p:par>
-                </p:childTnLst>
-              </p:cTn>
-              <p:prevCondLst>
-                <p:cond evt="onPrev" delay="0">
-                  <p:tgtEl>
-                    <p:sldTgt/>
-                  </p:tgtEl>
-                </p:cond>
-              </p:prevCondLst>
-              <p:nextCondLst>
-                <p:cond evt="onNext" delay="0">
-                  <p:tgtEl>
-                    <p:sldTgt/>
-                  </p:tgtEl>
-                </p:cond>
-              </p:nextCondLst>
-            </p:seq>
-          </p:childTnLst>
-        </p:cTn>
-      </p:par>
-    </p:tnLst>
-  </p:timing>
-</p:sld>
-</file>
-
-<file path=ppt/slides/slide60.xml><?xml version="1.0" encoding="utf-8"?>
+<file path=ppt/slides/slide61.xml><?xml version="1.0" encoding="utf-8"?>
 <p:sld xmlns:a="http://schemas.openxmlformats.org/drawingml/2006/main" xmlns:r="http://schemas.openxmlformats.org/officeDocument/2006/relationships" xmlns:p="http://schemas.openxmlformats.org/presentationml/2006/main">
   <p:cSld>
     <p:spTree>
@@ -23161,7 +23627,7 @@
 </p:sld>
 </file>
 
-<file path=ppt/slides/slide61.xml><?xml version="1.0" encoding="utf-8"?>
+<file path=ppt/slides/slide62.xml><?xml version="1.0" encoding="utf-8"?>
 <p:sld xmlns:a="http://schemas.openxmlformats.org/drawingml/2006/main" xmlns:r="http://schemas.openxmlformats.org/officeDocument/2006/relationships" xmlns:p="http://schemas.openxmlformats.org/presentationml/2006/main">
   <p:cSld>
     <p:spTree>
@@ -23402,7 +23868,7 @@
 </p:sld>
 </file>
 
-<file path=ppt/slides/slide62.xml><?xml version="1.0" encoding="utf-8"?>
+<file path=ppt/slides/slide63.xml><?xml version="1.0" encoding="utf-8"?>
 <p:sld xmlns:a="http://schemas.openxmlformats.org/drawingml/2006/main" xmlns:r="http://schemas.openxmlformats.org/officeDocument/2006/relationships" xmlns:p="http://schemas.openxmlformats.org/presentationml/2006/main">
   <p:cSld>
     <p:spTree>
@@ -23925,7 +24391,7 @@
 </p:sld>
 </file>
 
-<file path=ppt/slides/slide63.xml><?xml version="1.0" encoding="utf-8"?>
+<file path=ppt/slides/slide64.xml><?xml version="1.0" encoding="utf-8"?>
 <p:sld xmlns:a="http://schemas.openxmlformats.org/drawingml/2006/main" xmlns:r="http://schemas.openxmlformats.org/officeDocument/2006/relationships" xmlns:p="http://schemas.openxmlformats.org/presentationml/2006/main">
   <p:cSld>
     <p:spTree>
@@ -24464,7 +24930,7 @@
 </p:sld>
 </file>
 
-<file path=ppt/slides/slide64.xml><?xml version="1.0" encoding="utf-8"?>
+<file path=ppt/slides/slide65.xml><?xml version="1.0" encoding="utf-8"?>
 <p:sld xmlns:a="http://schemas.openxmlformats.org/drawingml/2006/main" xmlns:r="http://schemas.openxmlformats.org/officeDocument/2006/relationships" xmlns:p="http://schemas.openxmlformats.org/presentationml/2006/main">
   <p:cSld>
     <p:spTree>
@@ -24965,7 +25431,7 @@
 </p:sld>
 </file>
 
-<file path=ppt/slides/slide65.xml><?xml version="1.0" encoding="utf-8"?>
+<file path=ppt/slides/slide66.xml><?xml version="1.0" encoding="utf-8"?>
 <p:sld xmlns:a="http://schemas.openxmlformats.org/drawingml/2006/main" xmlns:r="http://schemas.openxmlformats.org/officeDocument/2006/relationships" xmlns:p="http://schemas.openxmlformats.org/presentationml/2006/main">
   <p:cSld>
     <p:spTree>
@@ -25504,7 +25970,7 @@
 </p:sld>
 </file>
 
-<file path=ppt/slides/slide66.xml><?xml version="1.0" encoding="utf-8"?>
+<file path=ppt/slides/slide67.xml><?xml version="1.0" encoding="utf-8"?>
 <p:sld xmlns:a="http://schemas.openxmlformats.org/drawingml/2006/main" xmlns:r="http://schemas.openxmlformats.org/officeDocument/2006/relationships" xmlns:p="http://schemas.openxmlformats.org/presentationml/2006/main">
   <p:cSld>
     <p:spTree>
@@ -25967,7 +26433,7 @@
 </p:sld>
 </file>
 
-<file path=ppt/slides/slide67.xml><?xml version="1.0" encoding="utf-8"?>
+<file path=ppt/slides/slide68.xml><?xml version="1.0" encoding="utf-8"?>
 <p:sld xmlns:a="http://schemas.openxmlformats.org/drawingml/2006/main" xmlns:r="http://schemas.openxmlformats.org/officeDocument/2006/relationships" xmlns:p="http://schemas.openxmlformats.org/presentationml/2006/main">
   <p:cSld>
     <p:spTree>
@@ -26512,7 +26978,7 @@
 </p:sld>
 </file>
 
-<file path=ppt/slides/slide68.xml><?xml version="1.0" encoding="utf-8"?>
+<file path=ppt/slides/slide69.xml><?xml version="1.0" encoding="utf-8"?>
 <p:sld xmlns:a="http://schemas.openxmlformats.org/drawingml/2006/main" xmlns:r="http://schemas.openxmlformats.org/officeDocument/2006/relationships" xmlns:p="http://schemas.openxmlformats.org/presentationml/2006/main">
   <p:cSld>
     <p:spTree>
@@ -26986,219 +27452,6 @@
 </p:sld>
 </file>
 
-<file path=ppt/slides/slide69.xml><?xml version="1.0" encoding="utf-8"?>
-<p:sld xmlns:a="http://schemas.openxmlformats.org/drawingml/2006/main" xmlns:r="http://schemas.openxmlformats.org/officeDocument/2006/relationships" xmlns:p="http://schemas.openxmlformats.org/presentationml/2006/main">
-  <p:cSld>
-    <p:spTree>
-      <p:nvGrpSpPr>
-        <p:cNvPr id="1" name=""/>
-        <p:cNvGrpSpPr/>
-        <p:nvPr/>
-      </p:nvGrpSpPr>
-      <p:grpSpPr>
-        <a:xfrm>
-          <a:off x="0" y="0"/>
-          <a:ext cx="0" cy="0"/>
-          <a:chOff x="0" y="0"/>
-          <a:chExt cx="0" cy="0"/>
-        </a:xfrm>
-      </p:grpSpPr>
-      <p:sp>
-        <p:nvSpPr>
-          <p:cNvPr id="2" name="Content Placeholder 1"/>
-          <p:cNvSpPr>
-            <a:spLocks noGrp="1"/>
-          </p:cNvSpPr>
-          <p:nvPr>
-            <p:ph sz="half" idx="2"/>
-          </p:nvPr>
-        </p:nvSpPr>
-        <p:spPr>
-          <a:xfrm>
-            <a:off x="541612" y="1431014"/>
-            <a:ext cx="10213074" cy="5426986"/>
-          </a:xfrm>
-        </p:spPr>
-        <p:txBody>
-          <a:bodyPr>
-            <a:normAutofit/>
-          </a:bodyPr>
-          <a:lstStyle/>
-          <a:p>
-            <a:pPr marL="0" indent="0">
-              <a:buNone/>
-            </a:pPr>
-            <a:r>
-              <a:rPr lang="en-US" dirty="0"/>
-              <a:t>With our knowledge of primary and foreign keys, we can create a </a:t>
-            </a:r>
-            <a:r>
-              <a:rPr lang="en-US" b="1" dirty="0"/>
-              <a:t>database schema</a:t>
-            </a:r>
-            <a:r>
-              <a:rPr lang="en-US" dirty="0"/>
-              <a:t> of all tables and their relationships for the </a:t>
-            </a:r>
-            <a:r>
-              <a:rPr lang="en-US" dirty="0" err="1"/>
-              <a:t>SurgeTech</a:t>
-            </a:r>
-            <a:r>
-              <a:rPr lang="en-US" dirty="0"/>
-              <a:t> conference</a:t>
-            </a:r>
-          </a:p>
-          <a:p>
-            <a:pPr marL="0" indent="0">
-              <a:buNone/>
-            </a:pPr>
-            <a:endParaRPr lang="en-US" dirty="0"/>
-          </a:p>
-          <a:p>
-            <a:pPr marL="0" indent="0">
-              <a:buNone/>
-            </a:pPr>
-            <a:endParaRPr lang="en-US" dirty="0"/>
-          </a:p>
-          <a:p>
-            <a:pPr marL="0" indent="0">
-              <a:buNone/>
-            </a:pPr>
-            <a:endParaRPr lang="en-US" dirty="0"/>
-          </a:p>
-          <a:p>
-            <a:pPr marL="0" indent="0">
-              <a:buNone/>
-            </a:pPr>
-            <a:endParaRPr lang="en-US" dirty="0"/>
-          </a:p>
-          <a:p>
-            <a:pPr marL="0" indent="0">
-              <a:buNone/>
-            </a:pPr>
-            <a:endParaRPr lang="en-US" dirty="0"/>
-          </a:p>
-          <a:p>
-            <a:pPr marL="0" indent="0">
-              <a:buNone/>
-            </a:pPr>
-            <a:endParaRPr lang="en-US" dirty="0"/>
-          </a:p>
-          <a:p>
-            <a:pPr marL="0" indent="0">
-              <a:buNone/>
-            </a:pPr>
-            <a:endParaRPr lang="en-US" dirty="0"/>
-          </a:p>
-          <a:p>
-            <a:pPr marL="0" indent="0">
-              <a:buNone/>
-            </a:pPr>
-            <a:endParaRPr lang="en-US" dirty="0"/>
-          </a:p>
-          <a:p>
-            <a:pPr marL="0" indent="0">
-              <a:buNone/>
-            </a:pPr>
-            <a:endParaRPr lang="en-US" dirty="0"/>
-          </a:p>
-          <a:p>
-            <a:pPr marL="0" indent="0">
-              <a:buNone/>
-            </a:pPr>
-            <a:endParaRPr lang="en-US" dirty="0"/>
-          </a:p>
-        </p:txBody>
-      </p:sp>
-      <p:sp>
-        <p:nvSpPr>
-          <p:cNvPr id="3" name="Title 2"/>
-          <p:cNvSpPr>
-            <a:spLocks noGrp="1"/>
-          </p:cNvSpPr>
-          <p:nvPr>
-            <p:ph type="title"/>
-          </p:nvPr>
-        </p:nvSpPr>
-        <p:spPr/>
-        <p:txBody>
-          <a:bodyPr/>
-          <a:lstStyle/>
-          <a:p>
-            <a:r>
-              <a:rPr lang="en-US" dirty="0"/>
-              <a:t>The Database Schema</a:t>
-            </a:r>
-          </a:p>
-        </p:txBody>
-      </p:sp>
-      <p:pic>
-        <p:nvPicPr>
-          <p:cNvPr id="5" name="Picture 4"/>
-          <p:cNvPicPr>
-            <a:picLocks noChangeAspect="1"/>
-          </p:cNvPicPr>
-          <p:nvPr/>
-        </p:nvPicPr>
-        <p:blipFill>
-          <a:blip r:embed="rId2"/>
-          <a:stretch>
-            <a:fillRect/>
-          </a:stretch>
-        </p:blipFill>
-        <p:spPr>
-          <a:xfrm>
-            <a:off x="2081538" y="2211952"/>
-            <a:ext cx="7133221" cy="3865110"/>
-          </a:xfrm>
-          <a:prstGeom prst="rect">
-            <a:avLst/>
-          </a:prstGeom>
-        </p:spPr>
-      </p:pic>
-      <p:sp>
-        <p:nvSpPr>
-          <p:cNvPr id="6" name="TextBox 5"/>
-          <p:cNvSpPr txBox="1"/>
-          <p:nvPr/>
-        </p:nvSpPr>
-        <p:spPr>
-          <a:xfrm>
-            <a:off x="2081538" y="5738508"/>
-            <a:ext cx="5083728" cy="338554"/>
-          </a:xfrm>
-          <a:prstGeom prst="rect">
-            <a:avLst/>
-          </a:prstGeom>
-          <a:noFill/>
-        </p:spPr>
-        <p:txBody>
-          <a:bodyPr wrap="square" rtlCol="0">
-            <a:spAutoFit/>
-          </a:bodyPr>
-          <a:lstStyle/>
-          <a:p>
-            <a:r>
-              <a:rPr lang="en-US" sz="1600" dirty="0"/>
-              <a:t>*Primary Key → Foreign Key</a:t>
-            </a:r>
-          </a:p>
-        </p:txBody>
-      </p:sp>
-    </p:spTree>
-    <p:extLst>
-      <p:ext uri="{BB962C8B-B14F-4D97-AF65-F5344CB8AC3E}">
-        <p14:creationId xmlns:p14="http://schemas.microsoft.com/office/powerpoint/2010/main" val="1758736051"/>
-      </p:ext>
-    </p:extLst>
-  </p:cSld>
-  <p:clrMapOvr>
-    <a:masterClrMapping/>
-  </p:clrMapOvr>
-</p:sld>
-</file>
-
 <file path=ppt/slides/slide7.xml><?xml version="1.0" encoding="utf-8"?>
 <p:sld xmlns:a="http://schemas.openxmlformats.org/drawingml/2006/main" xmlns:r="http://schemas.openxmlformats.org/officeDocument/2006/relationships" xmlns:p="http://schemas.openxmlformats.org/presentationml/2006/main">
   <p:cSld>
@@ -27523,6 +27776,219 @@
           <a:chExt cx="0" cy="0"/>
         </a:xfrm>
       </p:grpSpPr>
+      <p:sp>
+        <p:nvSpPr>
+          <p:cNvPr id="2" name="Content Placeholder 1"/>
+          <p:cNvSpPr>
+            <a:spLocks noGrp="1"/>
+          </p:cNvSpPr>
+          <p:nvPr>
+            <p:ph sz="half" idx="2"/>
+          </p:nvPr>
+        </p:nvSpPr>
+        <p:spPr>
+          <a:xfrm>
+            <a:off x="541612" y="1431014"/>
+            <a:ext cx="10213074" cy="5426986"/>
+          </a:xfrm>
+        </p:spPr>
+        <p:txBody>
+          <a:bodyPr>
+            <a:normAutofit/>
+          </a:bodyPr>
+          <a:lstStyle/>
+          <a:p>
+            <a:pPr marL="0" indent="0">
+              <a:buNone/>
+            </a:pPr>
+            <a:r>
+              <a:rPr lang="en-US" dirty="0"/>
+              <a:t>With our knowledge of primary and foreign keys, we can create a </a:t>
+            </a:r>
+            <a:r>
+              <a:rPr lang="en-US" b="1" dirty="0"/>
+              <a:t>database schema</a:t>
+            </a:r>
+            <a:r>
+              <a:rPr lang="en-US" dirty="0"/>
+              <a:t> of all tables and their relationships for the </a:t>
+            </a:r>
+            <a:r>
+              <a:rPr lang="en-US" dirty="0" err="1"/>
+              <a:t>SurgeTech</a:t>
+            </a:r>
+            <a:r>
+              <a:rPr lang="en-US" dirty="0"/>
+              <a:t> conference</a:t>
+            </a:r>
+          </a:p>
+          <a:p>
+            <a:pPr marL="0" indent="0">
+              <a:buNone/>
+            </a:pPr>
+            <a:endParaRPr lang="en-US" dirty="0"/>
+          </a:p>
+          <a:p>
+            <a:pPr marL="0" indent="0">
+              <a:buNone/>
+            </a:pPr>
+            <a:endParaRPr lang="en-US" dirty="0"/>
+          </a:p>
+          <a:p>
+            <a:pPr marL="0" indent="0">
+              <a:buNone/>
+            </a:pPr>
+            <a:endParaRPr lang="en-US" dirty="0"/>
+          </a:p>
+          <a:p>
+            <a:pPr marL="0" indent="0">
+              <a:buNone/>
+            </a:pPr>
+            <a:endParaRPr lang="en-US" dirty="0"/>
+          </a:p>
+          <a:p>
+            <a:pPr marL="0" indent="0">
+              <a:buNone/>
+            </a:pPr>
+            <a:endParaRPr lang="en-US" dirty="0"/>
+          </a:p>
+          <a:p>
+            <a:pPr marL="0" indent="0">
+              <a:buNone/>
+            </a:pPr>
+            <a:endParaRPr lang="en-US" dirty="0"/>
+          </a:p>
+          <a:p>
+            <a:pPr marL="0" indent="0">
+              <a:buNone/>
+            </a:pPr>
+            <a:endParaRPr lang="en-US" dirty="0"/>
+          </a:p>
+          <a:p>
+            <a:pPr marL="0" indent="0">
+              <a:buNone/>
+            </a:pPr>
+            <a:endParaRPr lang="en-US" dirty="0"/>
+          </a:p>
+          <a:p>
+            <a:pPr marL="0" indent="0">
+              <a:buNone/>
+            </a:pPr>
+            <a:endParaRPr lang="en-US" dirty="0"/>
+          </a:p>
+          <a:p>
+            <a:pPr marL="0" indent="0">
+              <a:buNone/>
+            </a:pPr>
+            <a:endParaRPr lang="en-US" dirty="0"/>
+          </a:p>
+        </p:txBody>
+      </p:sp>
+      <p:sp>
+        <p:nvSpPr>
+          <p:cNvPr id="3" name="Title 2"/>
+          <p:cNvSpPr>
+            <a:spLocks noGrp="1"/>
+          </p:cNvSpPr>
+          <p:nvPr>
+            <p:ph type="title"/>
+          </p:nvPr>
+        </p:nvSpPr>
+        <p:spPr/>
+        <p:txBody>
+          <a:bodyPr/>
+          <a:lstStyle/>
+          <a:p>
+            <a:r>
+              <a:rPr lang="en-US" dirty="0"/>
+              <a:t>The Database Schema</a:t>
+            </a:r>
+          </a:p>
+        </p:txBody>
+      </p:sp>
+      <p:pic>
+        <p:nvPicPr>
+          <p:cNvPr id="5" name="Picture 4"/>
+          <p:cNvPicPr>
+            <a:picLocks noChangeAspect="1"/>
+          </p:cNvPicPr>
+          <p:nvPr/>
+        </p:nvPicPr>
+        <p:blipFill>
+          <a:blip r:embed="rId2"/>
+          <a:stretch>
+            <a:fillRect/>
+          </a:stretch>
+        </p:blipFill>
+        <p:spPr>
+          <a:xfrm>
+            <a:off x="2081538" y="2211952"/>
+            <a:ext cx="7133221" cy="3865110"/>
+          </a:xfrm>
+          <a:prstGeom prst="rect">
+            <a:avLst/>
+          </a:prstGeom>
+        </p:spPr>
+      </p:pic>
+      <p:sp>
+        <p:nvSpPr>
+          <p:cNvPr id="6" name="TextBox 5"/>
+          <p:cNvSpPr txBox="1"/>
+          <p:nvPr/>
+        </p:nvSpPr>
+        <p:spPr>
+          <a:xfrm>
+            <a:off x="2081538" y="5738508"/>
+            <a:ext cx="5083728" cy="338554"/>
+          </a:xfrm>
+          <a:prstGeom prst="rect">
+            <a:avLst/>
+          </a:prstGeom>
+          <a:noFill/>
+        </p:spPr>
+        <p:txBody>
+          <a:bodyPr wrap="square" rtlCol="0">
+            <a:spAutoFit/>
+          </a:bodyPr>
+          <a:lstStyle/>
+          <a:p>
+            <a:r>
+              <a:rPr lang="en-US" sz="1600" dirty="0"/>
+              <a:t>*Primary Key → Foreign Key</a:t>
+            </a:r>
+          </a:p>
+        </p:txBody>
+      </p:sp>
+    </p:spTree>
+    <p:extLst>
+      <p:ext uri="{BB962C8B-B14F-4D97-AF65-F5344CB8AC3E}">
+        <p14:creationId xmlns:p14="http://schemas.microsoft.com/office/powerpoint/2010/main" val="1758736051"/>
+      </p:ext>
+    </p:extLst>
+  </p:cSld>
+  <p:clrMapOvr>
+    <a:masterClrMapping/>
+  </p:clrMapOvr>
+</p:sld>
+</file>
+
+<file path=ppt/slides/slide71.xml><?xml version="1.0" encoding="utf-8"?>
+<p:sld xmlns:a="http://schemas.openxmlformats.org/drawingml/2006/main" xmlns:r="http://schemas.openxmlformats.org/officeDocument/2006/relationships" xmlns:p="http://schemas.openxmlformats.org/presentationml/2006/main">
+  <p:cSld>
+    <p:spTree>
+      <p:nvGrpSpPr>
+        <p:cNvPr id="1" name=""/>
+        <p:cNvGrpSpPr/>
+        <p:nvPr/>
+      </p:nvGrpSpPr>
+      <p:grpSpPr>
+        <a:xfrm>
+          <a:off x="0" y="0"/>
+          <a:ext cx="0" cy="0"/>
+          <a:chOff x="0" y="0"/>
+          <a:chExt cx="0" cy="0"/>
+        </a:xfrm>
+      </p:grpSpPr>
       <p:pic>
         <p:nvPicPr>
           <p:cNvPr id="4" name="Picture 3"/>
@@ -27703,7 +28169,7 @@
 </p:sld>
 </file>
 
-<file path=ppt/slides/slide71.xml><?xml version="1.0" encoding="utf-8"?>
+<file path=ppt/slides/slide72.xml><?xml version="1.0" encoding="utf-8"?>
 <p:sld xmlns:a="http://schemas.openxmlformats.org/drawingml/2006/main" xmlns:r="http://schemas.openxmlformats.org/officeDocument/2006/relationships" xmlns:p="http://schemas.openxmlformats.org/presentationml/2006/main">
   <p:cSld>
     <p:spTree>
@@ -28166,7 +28632,7 @@
 </p:sld>
 </file>
 
-<file path=ppt/slides/slide72.xml><?xml version="1.0" encoding="utf-8"?>
+<file path=ppt/slides/slide73.xml><?xml version="1.0" encoding="utf-8"?>
 <p:sld xmlns:a="http://schemas.openxmlformats.org/drawingml/2006/main" xmlns:r="http://schemas.openxmlformats.org/officeDocument/2006/relationships" xmlns:p="http://schemas.openxmlformats.org/presentationml/2006/main">
   <p:cSld>
     <p:spTree>
@@ -28448,7 +28914,7 @@
 </p:sld>
 </file>
 
-<file path=ppt/slides/slide73.xml><?xml version="1.0" encoding="utf-8"?>
+<file path=ppt/slides/slide74.xml><?xml version="1.0" encoding="utf-8"?>
 <p:sld xmlns:a="http://schemas.openxmlformats.org/drawingml/2006/main" xmlns:r="http://schemas.openxmlformats.org/officeDocument/2006/relationships" xmlns:p="http://schemas.openxmlformats.org/presentationml/2006/main">
   <p:cSld>
     <p:spTree>
@@ -28735,7 +29201,7 @@
 </p:sld>
 </file>
 
-<file path=ppt/slides/slide74.xml><?xml version="1.0" encoding="utf-8"?>
+<file path=ppt/slides/slide75.xml><?xml version="1.0" encoding="utf-8"?>
 <p:sld xmlns:a="http://schemas.openxmlformats.org/drawingml/2006/main" xmlns:r="http://schemas.openxmlformats.org/officeDocument/2006/relationships" xmlns:p="http://schemas.openxmlformats.org/presentationml/2006/main">
   <p:cSld>
     <p:spTree>
@@ -28874,293 +29340,6 @@
     <p:extLst>
       <p:ext uri="{BB962C8B-B14F-4D97-AF65-F5344CB8AC3E}">
         <p14:creationId xmlns:p14="http://schemas.microsoft.com/office/powerpoint/2010/main" val="2835694093"/>
-      </p:ext>
-    </p:extLst>
-  </p:cSld>
-  <p:clrMapOvr>
-    <a:masterClrMapping/>
-  </p:clrMapOvr>
-  <p:timing>
-    <p:tnLst>
-      <p:par>
-        <p:cTn id="1" dur="indefinite" restart="never" nodeType="tmRoot">
-          <p:childTnLst>
-            <p:seq concurrent="1" nextAc="seek">
-              <p:cTn id="2" dur="indefinite" nodeType="mainSeq">
-                <p:childTnLst>
-                  <p:par>
-                    <p:cTn id="3" fill="hold">
-                      <p:stCondLst>
-                        <p:cond delay="indefinite"/>
-                      </p:stCondLst>
-                      <p:childTnLst>
-                        <p:par>
-                          <p:cTn id="4" fill="hold">
-                            <p:stCondLst>
-                              <p:cond delay="0"/>
-                            </p:stCondLst>
-                            <p:childTnLst>
-                              <p:par>
-                                <p:cTn id="5" presetID="1" presetClass="entr" presetSubtype="0" fill="hold" nodeType="clickEffect">
-                                  <p:stCondLst>
-                                    <p:cond delay="0"/>
-                                  </p:stCondLst>
-                                  <p:childTnLst>
-                                    <p:set>
-                                      <p:cBhvr>
-                                        <p:cTn id="6" dur="1" fill="hold">
-                                          <p:stCondLst>
-                                            <p:cond delay="0"/>
-                                          </p:stCondLst>
-                                        </p:cTn>
-                                        <p:tgtEl>
-                                          <p:spTgt spid="2">
-                                            <p:txEl>
-                                              <p:pRg st="2" end="2"/>
-                                            </p:txEl>
-                                          </p:spTgt>
-                                        </p:tgtEl>
-                                        <p:attrNameLst>
-                                          <p:attrName>style.visibility</p:attrName>
-                                        </p:attrNameLst>
-                                      </p:cBhvr>
-                                      <p:to>
-                                        <p:strVal val="visible"/>
-                                      </p:to>
-                                    </p:set>
-                                  </p:childTnLst>
-                                </p:cTn>
-                              </p:par>
-                              <p:par>
-                                <p:cTn id="7" presetID="1" presetClass="entr" presetSubtype="0" fill="hold" nodeType="withEffect">
-                                  <p:stCondLst>
-                                    <p:cond delay="0"/>
-                                  </p:stCondLst>
-                                  <p:childTnLst>
-                                    <p:set>
-                                      <p:cBhvr>
-                                        <p:cTn id="8" dur="1" fill="hold">
-                                          <p:stCondLst>
-                                            <p:cond delay="0"/>
-                                          </p:stCondLst>
-                                        </p:cTn>
-                                        <p:tgtEl>
-                                          <p:spTgt spid="2">
-                                            <p:txEl>
-                                              <p:pRg st="3" end="3"/>
-                                            </p:txEl>
-                                          </p:spTgt>
-                                        </p:tgtEl>
-                                        <p:attrNameLst>
-                                          <p:attrName>style.visibility</p:attrName>
-                                        </p:attrNameLst>
-                                      </p:cBhvr>
-                                      <p:to>
-                                        <p:strVal val="visible"/>
-                                      </p:to>
-                                    </p:set>
-                                  </p:childTnLst>
-                                </p:cTn>
-                              </p:par>
-                            </p:childTnLst>
-                          </p:cTn>
-                        </p:par>
-                      </p:childTnLst>
-                    </p:cTn>
-                  </p:par>
-                </p:childTnLst>
-              </p:cTn>
-              <p:prevCondLst>
-                <p:cond evt="onPrev" delay="0">
-                  <p:tgtEl>
-                    <p:sldTgt/>
-                  </p:tgtEl>
-                </p:cond>
-              </p:prevCondLst>
-              <p:nextCondLst>
-                <p:cond evt="onNext" delay="0">
-                  <p:tgtEl>
-                    <p:sldTgt/>
-                  </p:tgtEl>
-                </p:cond>
-              </p:nextCondLst>
-            </p:seq>
-          </p:childTnLst>
-        </p:cTn>
-      </p:par>
-    </p:tnLst>
-  </p:timing>
-</p:sld>
-</file>
-
-<file path=ppt/slides/slide75.xml><?xml version="1.0" encoding="utf-8"?>
-<p:sld xmlns:a="http://schemas.openxmlformats.org/drawingml/2006/main" xmlns:r="http://schemas.openxmlformats.org/officeDocument/2006/relationships" xmlns:p="http://schemas.openxmlformats.org/presentationml/2006/main">
-  <p:cSld>
-    <p:spTree>
-      <p:nvGrpSpPr>
-        <p:cNvPr id="1" name=""/>
-        <p:cNvGrpSpPr/>
-        <p:nvPr/>
-      </p:nvGrpSpPr>
-      <p:grpSpPr>
-        <a:xfrm>
-          <a:off x="0" y="0"/>
-          <a:ext cx="0" cy="0"/>
-          <a:chOff x="0" y="0"/>
-          <a:chExt cx="0" cy="0"/>
-        </a:xfrm>
-      </p:grpSpPr>
-      <p:sp>
-        <p:nvSpPr>
-          <p:cNvPr id="2" name="Content Placeholder 1"/>
-          <p:cNvSpPr>
-            <a:spLocks noGrp="1"/>
-          </p:cNvSpPr>
-          <p:nvPr>
-            <p:ph sz="half" idx="2"/>
-          </p:nvPr>
-        </p:nvSpPr>
-        <p:spPr>
-          <a:xfrm>
-            <a:off x="541612" y="1431014"/>
-            <a:ext cx="9469896" cy="3978275"/>
-          </a:xfrm>
-        </p:spPr>
-        <p:txBody>
-          <a:bodyPr/>
-          <a:lstStyle/>
-          <a:p>
-            <a:pPr marL="0" indent="0">
-              <a:buNone/>
-            </a:pPr>
-            <a:r>
-              <a:rPr lang="en-US" dirty="0">
-                <a:latin typeface="Segoe UI (Body)"/>
-              </a:rPr>
-              <a:t>Create a new </a:t>
-            </a:r>
-            <a:r>
-              <a:rPr lang="en-US" dirty="0">
-                <a:solidFill>
-                  <a:srgbClr val="DD462F"/>
-                </a:solidFill>
-                <a:latin typeface="Segoe UI (Body)"/>
-              </a:rPr>
-              <a:t>ATTENDEE</a:t>
-            </a:r>
-            <a:r>
-              <a:rPr lang="en-US" dirty="0">
-                <a:latin typeface="Segoe UI (Body)"/>
-              </a:rPr>
-              <a:t> named Richard Hendricks, with an </a:t>
-            </a:r>
-            <a:r>
-              <a:rPr lang="en-US" dirty="0">
-                <a:solidFill>
-                  <a:srgbClr val="0070C0"/>
-                </a:solidFill>
-                <a:latin typeface="Segoe UI (Body)"/>
-              </a:rPr>
-              <a:t>EMAIL</a:t>
-            </a:r>
-            <a:r>
-              <a:rPr lang="en-US" dirty="0">
-                <a:latin typeface="Segoe UI (Body)"/>
-              </a:rPr>
-              <a:t> of </a:t>
-            </a:r>
-            <a:r>
-              <a:rPr lang="en-US" i="1" dirty="0">
-                <a:latin typeface="Segoe UI (Body)"/>
-              </a:rPr>
-              <a:t>richard.hendricks@piedpiper.com </a:t>
-            </a:r>
-            <a:r>
-              <a:rPr lang="en-US" dirty="0">
-                <a:latin typeface="Segoe UI (Body)"/>
-              </a:rPr>
-              <a:t>and a </a:t>
-            </a:r>
-            <a:r>
-              <a:rPr lang="en-US" dirty="0">
-                <a:solidFill>
-                  <a:srgbClr val="0070C0"/>
-                </a:solidFill>
-                <a:latin typeface="Segoe UI (Body)"/>
-              </a:rPr>
-              <a:t>VIP</a:t>
-            </a:r>
-            <a:r>
-              <a:rPr lang="en-US" dirty="0">
-                <a:latin typeface="Segoe UI (Body)"/>
-              </a:rPr>
-              <a:t> true value</a:t>
-            </a:r>
-          </a:p>
-          <a:p>
-            <a:pPr marL="0" indent="0">
-              <a:buNone/>
-            </a:pPr>
-            <a:endParaRPr lang="en-US" dirty="0">
-              <a:latin typeface="Segoe UI (Body)"/>
-            </a:endParaRPr>
-          </a:p>
-          <a:p>
-            <a:pPr marL="0" indent="0">
-              <a:buNone/>
-            </a:pPr>
-            <a:r>
-              <a:rPr lang="en-US" dirty="0">
-                <a:latin typeface="Consolas" panose="020B0609020204030204" pitchFamily="49" charset="0"/>
-              </a:rPr>
-              <a:t>INSERT INTO ATTENDEE (FIRST_NAME, LAST_NAME, EMAIL, VIP) </a:t>
-            </a:r>
-          </a:p>
-          <a:p>
-            <a:pPr marL="0" indent="0">
-              <a:buNone/>
-            </a:pPr>
-            <a:r>
-              <a:rPr lang="en-US" dirty="0">
-                <a:latin typeface="Consolas" panose="020B0609020204030204" pitchFamily="49" charset="0"/>
-              </a:rPr>
-              <a:t>VALUES ('Richard', 'Hendricks', 'richard.hendricks@piedpiper.com',1)</a:t>
-            </a:r>
-          </a:p>
-          <a:p>
-            <a:pPr marL="0" indent="0">
-              <a:buNone/>
-            </a:pPr>
-            <a:endParaRPr lang="en-US" dirty="0"/>
-          </a:p>
-        </p:txBody>
-      </p:sp>
-      <p:sp>
-        <p:nvSpPr>
-          <p:cNvPr id="3" name="Title 2"/>
-          <p:cNvSpPr>
-            <a:spLocks noGrp="1"/>
-          </p:cNvSpPr>
-          <p:nvPr>
-            <p:ph type="title"/>
-          </p:nvPr>
-        </p:nvSpPr>
-        <p:spPr/>
-        <p:txBody>
-          <a:bodyPr/>
-          <a:lstStyle/>
-          <a:p>
-            <a:r>
-              <a:rPr lang="en-US" dirty="0"/>
-              <a:t>Exercise 9.2</a:t>
-            </a:r>
-          </a:p>
-        </p:txBody>
-      </p:sp>
-    </p:spTree>
-    <p:extLst>
-      <p:ext uri="{BB962C8B-B14F-4D97-AF65-F5344CB8AC3E}">
-        <p14:creationId xmlns:p14="http://schemas.microsoft.com/office/powerpoint/2010/main" val="3586242799"/>
       </p:ext>
     </p:extLst>
   </p:cSld>
@@ -29310,57 +29489,108 @@
         <p:spPr>
           <a:xfrm>
             <a:off x="541612" y="1431014"/>
-            <a:ext cx="9423003" cy="3978275"/>
+            <a:ext cx="9469896" cy="3978275"/>
           </a:xfrm>
         </p:spPr>
         <p:txBody>
-          <a:bodyPr vert="horz" lIns="91440" tIns="45720" rIns="91440" bIns="45720" rtlCol="0" anchor="t">
-            <a:normAutofit/>
-          </a:bodyPr>
+          <a:bodyPr/>
           <a:lstStyle/>
           <a:p>
             <a:pPr marL="0" indent="0">
               <a:buNone/>
             </a:pPr>
             <a:r>
-              <a:rPr lang="en-US" dirty="0"/>
-              <a:t>Make Richard Hendricks’ </a:t>
-            </a:r>
-            <a:r>
               <a:rPr lang="en-US" dirty="0">
+                <a:latin typeface="Segoe UI (Body)"/>
+              </a:rPr>
+              <a:t>Create a new </a:t>
+            </a:r>
+            <a:r>
+              <a:rPr lang="en-US" dirty="0">
+                <a:solidFill>
+                  <a:srgbClr val="DD462F"/>
+                </a:solidFill>
+                <a:latin typeface="Segoe UI (Body)"/>
+              </a:rPr>
+              <a:t>ATTENDEE</a:t>
+            </a:r>
+            <a:r>
+              <a:rPr lang="en-US" dirty="0">
+                <a:latin typeface="Segoe UI (Body)"/>
+              </a:rPr>
+              <a:t> named Richard Hendricks, with an </a:t>
+            </a:r>
+            <a:r>
+              <a:rPr lang="en-US" dirty="0">
                 <a:solidFill>
                   <a:srgbClr val="0070C0"/>
                 </a:solidFill>
+                <a:latin typeface="Segoe UI (Body)"/>
               </a:rPr>
-              <a:t>ATTENDEE_ID</a:t>
-            </a:r>
-            <a:r>
-              <a:rPr lang="en-US" dirty="0"/>
-              <a:t> the </a:t>
+              <a:t>EMAIL</a:t>
             </a:r>
             <a:r>
               <a:rPr lang="en-US" dirty="0">
+                <a:latin typeface="Segoe UI (Body)"/>
+              </a:rPr>
+              <a:t> of </a:t>
+            </a:r>
+            <a:r>
+              <a:rPr lang="en-US" i="1" dirty="0">
+                <a:latin typeface="Segoe UI (Body)"/>
+              </a:rPr>
+              <a:t>richard.hendricks@piedpiper.com </a:t>
+            </a:r>
+            <a:r>
+              <a:rPr lang="en-US" dirty="0">
+                <a:latin typeface="Segoe UI (Body)"/>
+              </a:rPr>
+              <a:t>and a </a:t>
+            </a:r>
+            <a:r>
+              <a:rPr lang="en-US" dirty="0">
                 <a:solidFill>
                   <a:srgbClr val="0070C0"/>
                 </a:solidFill>
+                <a:latin typeface="Segoe UI (Body)"/>
               </a:rPr>
-              <a:t>PRIMARY_CONTACT_ATTENDEE_ID</a:t>
-            </a:r>
-            <a:r>
-              <a:rPr lang="en-US" dirty="0"/>
-              <a:t> for the </a:t>
+              <a:t>VIP</a:t>
             </a:r>
             <a:r>
               <a:rPr lang="en-US" dirty="0">
-                <a:solidFill>
-                  <a:srgbClr val="DD462F"/>
-                </a:solidFill>
+                <a:latin typeface="Segoe UI (Body)"/>
               </a:rPr>
-              <a:t>COMPANY</a:t>
-            </a:r>
-            <a:r>
-              <a:rPr lang="en-US" dirty="0"/>
-              <a:t> “Pied Piper”</a:t>
+              <a:t> true value</a:t>
+            </a:r>
+          </a:p>
+          <a:p>
+            <a:pPr marL="0" indent="0">
+              <a:buNone/>
+            </a:pPr>
+            <a:endParaRPr lang="en-US" dirty="0">
+              <a:latin typeface="Segoe UI (Body)"/>
+            </a:endParaRPr>
+          </a:p>
+          <a:p>
+            <a:pPr marL="0" indent="0">
+              <a:buNone/>
+            </a:pPr>
+            <a:r>
+              <a:rPr lang="en-US" dirty="0">
+                <a:latin typeface="Consolas" panose="020B0609020204030204" pitchFamily="49" charset="0"/>
+              </a:rPr>
+              <a:t>INSERT INTO ATTENDEE (FIRST_NAME, LAST_NAME, EMAIL, VIP) </a:t>
+            </a:r>
+          </a:p>
+          <a:p>
+            <a:pPr marL="0" indent="0">
+              <a:buNone/>
+            </a:pPr>
+            <a:r>
+              <a:rPr lang="en-US" dirty="0">
+                <a:latin typeface="Consolas" panose="020B0609020204030204" pitchFamily="49" charset="0"/>
+              </a:rPr>
+              <a:t>VALUES ('Richard', 'Hendricks', 'richard.hendricks@piedpiper.com',1)</a:t>
             </a:r>
           </a:p>
           <a:p>
@@ -29368,28 +29598,6 @@
               <a:buNone/>
             </a:pPr>
             <a:endParaRPr lang="en-US" dirty="0"/>
-          </a:p>
-          <a:p>
-            <a:pPr marL="0" indent="0">
-              <a:buNone/>
-            </a:pPr>
-            <a:r>
-              <a:rPr lang="en-US" dirty="0">
-                <a:latin typeface="Consolas" panose="020B0609020204030204" pitchFamily="49" charset="0"/>
-              </a:rPr>
-              <a:t>UPDATE COMPANY SET PRIMARY_CONTACT_ATTENDEE_ID = 5</a:t>
-            </a:r>
-          </a:p>
-          <a:p>
-            <a:pPr marL="0" indent="0">
-              <a:buNone/>
-            </a:pPr>
-            <a:r>
-              <a:rPr lang="en-US" dirty="0">
-                <a:latin typeface="Consolas" panose="020B0609020204030204" pitchFamily="49" charset="0"/>
-              </a:rPr>
-              <a:t>WHERE COMPANY_ID = 2</a:t>
-            </a:r>
           </a:p>
         </p:txBody>
       </p:sp>
@@ -29410,7 +29618,7 @@
           <a:p>
             <a:r>
               <a:rPr lang="en-US" dirty="0"/>
-              <a:t>Exercise 9.3</a:t>
+              <a:t>Exercise 9.2</a:t>
             </a:r>
           </a:p>
         </p:txBody>
@@ -29418,7 +29626,7 @@
     </p:spTree>
     <p:extLst>
       <p:ext uri="{BB962C8B-B14F-4D97-AF65-F5344CB8AC3E}">
-        <p14:creationId xmlns:p14="http://schemas.microsoft.com/office/powerpoint/2010/main" val="2746550493"/>
+        <p14:creationId xmlns:p14="http://schemas.microsoft.com/office/powerpoint/2010/main" val="3586242799"/>
       </p:ext>
     </p:extLst>
   </p:cSld>
@@ -29557,6 +29765,264 @@
       </p:grpSpPr>
       <p:sp>
         <p:nvSpPr>
+          <p:cNvPr id="2" name="Content Placeholder 1"/>
+          <p:cNvSpPr>
+            <a:spLocks noGrp="1"/>
+          </p:cNvSpPr>
+          <p:nvPr>
+            <p:ph sz="half" idx="2"/>
+          </p:nvPr>
+        </p:nvSpPr>
+        <p:spPr>
+          <a:xfrm>
+            <a:off x="541612" y="1431014"/>
+            <a:ext cx="9423003" cy="3978275"/>
+          </a:xfrm>
+        </p:spPr>
+        <p:txBody>
+          <a:bodyPr vert="horz" lIns="91440" tIns="45720" rIns="91440" bIns="45720" rtlCol="0" anchor="t">
+            <a:normAutofit/>
+          </a:bodyPr>
+          <a:lstStyle/>
+          <a:p>
+            <a:pPr marL="0" indent="0">
+              <a:buNone/>
+            </a:pPr>
+            <a:r>
+              <a:rPr lang="en-US" dirty="0"/>
+              <a:t>Make Richard Hendricks’ </a:t>
+            </a:r>
+            <a:r>
+              <a:rPr lang="en-US" dirty="0">
+                <a:solidFill>
+                  <a:srgbClr val="0070C0"/>
+                </a:solidFill>
+              </a:rPr>
+              <a:t>ATTENDEE_ID</a:t>
+            </a:r>
+            <a:r>
+              <a:rPr lang="en-US" dirty="0"/>
+              <a:t> the </a:t>
+            </a:r>
+            <a:r>
+              <a:rPr lang="en-US" dirty="0">
+                <a:solidFill>
+                  <a:srgbClr val="0070C0"/>
+                </a:solidFill>
+              </a:rPr>
+              <a:t>PRIMARY_CONTACT_ATTENDEE_ID</a:t>
+            </a:r>
+            <a:r>
+              <a:rPr lang="en-US" dirty="0"/>
+              <a:t> for the </a:t>
+            </a:r>
+            <a:r>
+              <a:rPr lang="en-US" dirty="0">
+                <a:solidFill>
+                  <a:srgbClr val="DD462F"/>
+                </a:solidFill>
+              </a:rPr>
+              <a:t>COMPANY</a:t>
+            </a:r>
+            <a:r>
+              <a:rPr lang="en-US" dirty="0"/>
+              <a:t> “Pied Piper”</a:t>
+            </a:r>
+          </a:p>
+          <a:p>
+            <a:pPr marL="0" indent="0">
+              <a:buNone/>
+            </a:pPr>
+            <a:endParaRPr lang="en-US" dirty="0"/>
+          </a:p>
+          <a:p>
+            <a:pPr marL="0" indent="0">
+              <a:buNone/>
+            </a:pPr>
+            <a:r>
+              <a:rPr lang="en-US" dirty="0">
+                <a:latin typeface="Consolas" panose="020B0609020204030204" pitchFamily="49" charset="0"/>
+              </a:rPr>
+              <a:t>UPDATE COMPANY SET PRIMARY_CONTACT_ATTENDEE_ID = 5</a:t>
+            </a:r>
+          </a:p>
+          <a:p>
+            <a:pPr marL="0" indent="0">
+              <a:buNone/>
+            </a:pPr>
+            <a:r>
+              <a:rPr lang="en-US" dirty="0">
+                <a:latin typeface="Consolas" panose="020B0609020204030204" pitchFamily="49" charset="0"/>
+              </a:rPr>
+              <a:t>WHERE COMPANY_ID = 2</a:t>
+            </a:r>
+          </a:p>
+        </p:txBody>
+      </p:sp>
+      <p:sp>
+        <p:nvSpPr>
+          <p:cNvPr id="3" name="Title 2"/>
+          <p:cNvSpPr>
+            <a:spLocks noGrp="1"/>
+          </p:cNvSpPr>
+          <p:nvPr>
+            <p:ph type="title"/>
+          </p:nvPr>
+        </p:nvSpPr>
+        <p:spPr/>
+        <p:txBody>
+          <a:bodyPr/>
+          <a:lstStyle/>
+          <a:p>
+            <a:r>
+              <a:rPr lang="en-US" dirty="0"/>
+              <a:t>Exercise 9.3</a:t>
+            </a:r>
+          </a:p>
+        </p:txBody>
+      </p:sp>
+    </p:spTree>
+    <p:extLst>
+      <p:ext uri="{BB962C8B-B14F-4D97-AF65-F5344CB8AC3E}">
+        <p14:creationId xmlns:p14="http://schemas.microsoft.com/office/powerpoint/2010/main" val="2746550493"/>
+      </p:ext>
+    </p:extLst>
+  </p:cSld>
+  <p:clrMapOvr>
+    <a:masterClrMapping/>
+  </p:clrMapOvr>
+  <p:timing>
+    <p:tnLst>
+      <p:par>
+        <p:cTn id="1" dur="indefinite" restart="never" nodeType="tmRoot">
+          <p:childTnLst>
+            <p:seq concurrent="1" nextAc="seek">
+              <p:cTn id="2" dur="indefinite" nodeType="mainSeq">
+                <p:childTnLst>
+                  <p:par>
+                    <p:cTn id="3" fill="hold">
+                      <p:stCondLst>
+                        <p:cond delay="indefinite"/>
+                      </p:stCondLst>
+                      <p:childTnLst>
+                        <p:par>
+                          <p:cTn id="4" fill="hold">
+                            <p:stCondLst>
+                              <p:cond delay="0"/>
+                            </p:stCondLst>
+                            <p:childTnLst>
+                              <p:par>
+                                <p:cTn id="5" presetID="1" presetClass="entr" presetSubtype="0" fill="hold" nodeType="clickEffect">
+                                  <p:stCondLst>
+                                    <p:cond delay="0"/>
+                                  </p:stCondLst>
+                                  <p:childTnLst>
+                                    <p:set>
+                                      <p:cBhvr>
+                                        <p:cTn id="6" dur="1" fill="hold">
+                                          <p:stCondLst>
+                                            <p:cond delay="0"/>
+                                          </p:stCondLst>
+                                        </p:cTn>
+                                        <p:tgtEl>
+                                          <p:spTgt spid="2">
+                                            <p:txEl>
+                                              <p:pRg st="2" end="2"/>
+                                            </p:txEl>
+                                          </p:spTgt>
+                                        </p:tgtEl>
+                                        <p:attrNameLst>
+                                          <p:attrName>style.visibility</p:attrName>
+                                        </p:attrNameLst>
+                                      </p:cBhvr>
+                                      <p:to>
+                                        <p:strVal val="visible"/>
+                                      </p:to>
+                                    </p:set>
+                                  </p:childTnLst>
+                                </p:cTn>
+                              </p:par>
+                              <p:par>
+                                <p:cTn id="7" presetID="1" presetClass="entr" presetSubtype="0" fill="hold" nodeType="withEffect">
+                                  <p:stCondLst>
+                                    <p:cond delay="0"/>
+                                  </p:stCondLst>
+                                  <p:childTnLst>
+                                    <p:set>
+                                      <p:cBhvr>
+                                        <p:cTn id="8" dur="1" fill="hold">
+                                          <p:stCondLst>
+                                            <p:cond delay="0"/>
+                                          </p:stCondLst>
+                                        </p:cTn>
+                                        <p:tgtEl>
+                                          <p:spTgt spid="2">
+                                            <p:txEl>
+                                              <p:pRg st="3" end="3"/>
+                                            </p:txEl>
+                                          </p:spTgt>
+                                        </p:tgtEl>
+                                        <p:attrNameLst>
+                                          <p:attrName>style.visibility</p:attrName>
+                                        </p:attrNameLst>
+                                      </p:cBhvr>
+                                      <p:to>
+                                        <p:strVal val="visible"/>
+                                      </p:to>
+                                    </p:set>
+                                  </p:childTnLst>
+                                </p:cTn>
+                              </p:par>
+                            </p:childTnLst>
+                          </p:cTn>
+                        </p:par>
+                      </p:childTnLst>
+                    </p:cTn>
+                  </p:par>
+                </p:childTnLst>
+              </p:cTn>
+              <p:prevCondLst>
+                <p:cond evt="onPrev" delay="0">
+                  <p:tgtEl>
+                    <p:sldTgt/>
+                  </p:tgtEl>
+                </p:cond>
+              </p:prevCondLst>
+              <p:nextCondLst>
+                <p:cond evt="onNext" delay="0">
+                  <p:tgtEl>
+                    <p:sldTgt/>
+                  </p:tgtEl>
+                </p:cond>
+              </p:nextCondLst>
+            </p:seq>
+          </p:childTnLst>
+        </p:cTn>
+      </p:par>
+    </p:tnLst>
+  </p:timing>
+</p:sld>
+</file>
+
+<file path=ppt/slides/slide78.xml><?xml version="1.0" encoding="utf-8"?>
+<p:sld xmlns:a="http://schemas.openxmlformats.org/drawingml/2006/main" xmlns:r="http://schemas.openxmlformats.org/officeDocument/2006/relationships" xmlns:p="http://schemas.openxmlformats.org/presentationml/2006/main">
+  <p:cSld>
+    <p:spTree>
+      <p:nvGrpSpPr>
+        <p:cNvPr id="1" name=""/>
+        <p:cNvGrpSpPr/>
+        <p:nvPr/>
+      </p:nvGrpSpPr>
+      <p:grpSpPr>
+        <a:xfrm>
+          <a:off x="0" y="0"/>
+          <a:ext cx="0" cy="0"/>
+          <a:chOff x="0" y="0"/>
+          <a:chExt cx="0" cy="0"/>
+        </a:xfrm>
+      </p:grpSpPr>
+      <p:sp>
+        <p:nvSpPr>
           <p:cNvPr id="6" name="Title 1"/>
           <p:cNvSpPr txBox="1">
             <a:spLocks/>
@@ -29825,7 +30291,7 @@
 </p:sld>
 </file>
 
-<file path=ppt/slides/slide78.xml><?xml version="1.0" encoding="utf-8"?>
+<file path=ppt/slides/slide79.xml><?xml version="1.0" encoding="utf-8"?>
 <p:sld xmlns:a="http://schemas.openxmlformats.org/drawingml/2006/main" xmlns:r="http://schemas.openxmlformats.org/officeDocument/2006/relationships" xmlns:p="http://schemas.openxmlformats.org/presentationml/2006/main">
   <p:cSld>
     <p:spTree>
@@ -30385,502 +30851,6 @@
                                           <p:spTgt spid="2">
                                             <p:txEl>
                                               <p:pRg st="10" end="10"/>
-                                            </p:txEl>
-                                          </p:spTgt>
-                                        </p:tgtEl>
-                                        <p:attrNameLst>
-                                          <p:attrName>style.visibility</p:attrName>
-                                        </p:attrNameLst>
-                                      </p:cBhvr>
-                                      <p:to>
-                                        <p:strVal val="visible"/>
-                                      </p:to>
-                                    </p:set>
-                                  </p:childTnLst>
-                                </p:cTn>
-                              </p:par>
-                            </p:childTnLst>
-                          </p:cTn>
-                        </p:par>
-                      </p:childTnLst>
-                    </p:cTn>
-                  </p:par>
-                </p:childTnLst>
-              </p:cTn>
-              <p:prevCondLst>
-                <p:cond evt="onPrev" delay="0">
-                  <p:tgtEl>
-                    <p:sldTgt/>
-                  </p:tgtEl>
-                </p:cond>
-              </p:prevCondLst>
-              <p:nextCondLst>
-                <p:cond evt="onNext" delay="0">
-                  <p:tgtEl>
-                    <p:sldTgt/>
-                  </p:tgtEl>
-                </p:cond>
-              </p:nextCondLst>
-            </p:seq>
-          </p:childTnLst>
-        </p:cTn>
-      </p:par>
-    </p:tnLst>
-  </p:timing>
-</p:sld>
-</file>
-
-<file path=ppt/slides/slide79.xml><?xml version="1.0" encoding="utf-8"?>
-<p:sld xmlns:a="http://schemas.openxmlformats.org/drawingml/2006/main" xmlns:r="http://schemas.openxmlformats.org/officeDocument/2006/relationships" xmlns:p="http://schemas.openxmlformats.org/presentationml/2006/main">
-  <p:cSld>
-    <p:spTree>
-      <p:nvGrpSpPr>
-        <p:cNvPr id="1" name=""/>
-        <p:cNvGrpSpPr/>
-        <p:nvPr/>
-      </p:nvGrpSpPr>
-      <p:grpSpPr>
-        <a:xfrm>
-          <a:off x="0" y="0"/>
-          <a:ext cx="0" cy="0"/>
-          <a:chOff x="0" y="0"/>
-          <a:chExt cx="0" cy="0"/>
-        </a:xfrm>
-      </p:grpSpPr>
-      <p:sp>
-        <p:nvSpPr>
-          <p:cNvPr id="2" name="Content Placeholder 1"/>
-          <p:cNvSpPr>
-            <a:spLocks noGrp="1"/>
-          </p:cNvSpPr>
-          <p:nvPr>
-            <p:ph sz="half" idx="2"/>
-          </p:nvPr>
-        </p:nvSpPr>
-        <p:spPr>
-          <a:xfrm>
-            <a:off x="541612" y="1431014"/>
-            <a:ext cx="9877515" cy="5162733"/>
-          </a:xfrm>
-        </p:spPr>
-        <p:txBody>
-          <a:bodyPr>
-            <a:normAutofit/>
-          </a:bodyPr>
-          <a:lstStyle/>
-          <a:p>
-            <a:pPr marL="0" indent="0">
-              <a:buNone/>
-            </a:pPr>
-            <a:r>
-              <a:rPr lang="en-US" b="1" dirty="0"/>
-              <a:t>SQL Resources</a:t>
-            </a:r>
-          </a:p>
-          <a:p>
-            <a:pPr lvl="1"/>
-            <a:r>
-              <a:rPr lang="en-US" dirty="0">
-                <a:hlinkClick r:id="rId2"/>
-              </a:rPr>
-              <a:t>Getting Started with SQL (O'Reilly)</a:t>
-            </a:r>
-            <a:r>
-              <a:rPr lang="en-US" dirty="0"/>
-              <a:t> by Thomas Nield</a:t>
-            </a:r>
-          </a:p>
-          <a:p>
-            <a:pPr lvl="1"/>
-            <a:r>
-              <a:rPr lang="en-US" dirty="0">
-                <a:hlinkClick r:id="rId3"/>
-              </a:rPr>
-              <a:t>Learning SQL (O'Reilly)</a:t>
-            </a:r>
-            <a:r>
-              <a:rPr lang="en-US" dirty="0"/>
-              <a:t> by Alan Beaulieu</a:t>
-            </a:r>
-          </a:p>
-          <a:p>
-            <a:pPr lvl="1"/>
-            <a:r>
-              <a:rPr lang="en-US" dirty="0">
-                <a:hlinkClick r:id="rId4"/>
-              </a:rPr>
-              <a:t>Using SQLite (O'Reilly)</a:t>
-            </a:r>
-            <a:r>
-              <a:rPr lang="en-US" dirty="0"/>
-              <a:t> by Jay A. </a:t>
-            </a:r>
-            <a:r>
-              <a:rPr lang="en-US" dirty="0" err="1"/>
-              <a:t>Kreibich</a:t>
-            </a:r>
-            <a:endParaRPr lang="en-US" dirty="0"/>
-          </a:p>
-          <a:p>
-            <a:pPr marL="457177" lvl="1" indent="0">
-              <a:buNone/>
-            </a:pPr>
-            <a:endParaRPr lang="en-US" dirty="0"/>
-          </a:p>
-          <a:p>
-            <a:pPr marL="0" indent="0">
-              <a:buNone/>
-            </a:pPr>
-            <a:r>
-              <a:rPr lang="en-US" dirty="0"/>
-              <a:t>It can be lucrative to combine SQL with another technical skill</a:t>
-            </a:r>
-          </a:p>
-          <a:p>
-            <a:pPr lvl="1"/>
-            <a:r>
-              <a:rPr lang="en-US" sz="1400" dirty="0"/>
-              <a:t>Python - versatile scripting language</a:t>
-            </a:r>
-          </a:p>
-          <a:p>
-            <a:pPr lvl="1"/>
-            <a:r>
-              <a:rPr lang="en-US" sz="1400" dirty="0"/>
-              <a:t>R – statistical scripting language and environment </a:t>
-            </a:r>
-          </a:p>
-          <a:p>
-            <a:pPr lvl="1"/>
-            <a:r>
-              <a:rPr lang="en-US" sz="1400" dirty="0"/>
-              <a:t>Java – Build full software solutions</a:t>
-            </a:r>
-          </a:p>
-          <a:p>
-            <a:endParaRPr lang="en-US" sz="2000" dirty="0"/>
-          </a:p>
-          <a:p>
-            <a:pPr lvl="1"/>
-            <a:endParaRPr lang="en-US" sz="1400" dirty="0"/>
-          </a:p>
-          <a:p>
-            <a:pPr lvl="1"/>
-            <a:endParaRPr lang="en-US" sz="1400" dirty="0"/>
-          </a:p>
-          <a:p>
-            <a:pPr lvl="1"/>
-            <a:endParaRPr lang="en-US" dirty="0"/>
-          </a:p>
-          <a:p>
-            <a:endParaRPr lang="en-US" dirty="0"/>
-          </a:p>
-        </p:txBody>
-      </p:sp>
-      <p:sp>
-        <p:nvSpPr>
-          <p:cNvPr id="3" name="Title 2"/>
-          <p:cNvSpPr>
-            <a:spLocks noGrp="1"/>
-          </p:cNvSpPr>
-          <p:nvPr>
-            <p:ph type="title"/>
-          </p:nvPr>
-        </p:nvSpPr>
-        <p:spPr/>
-        <p:txBody>
-          <a:bodyPr/>
-          <a:lstStyle/>
-          <a:p>
-            <a:r>
-              <a:rPr lang="en-US" dirty="0"/>
-              <a:t>What Now?</a:t>
-            </a:r>
-          </a:p>
-        </p:txBody>
-      </p:sp>
-    </p:spTree>
-    <p:extLst>
-      <p:ext uri="{BB962C8B-B14F-4D97-AF65-F5344CB8AC3E}">
-        <p14:creationId xmlns:p14="http://schemas.microsoft.com/office/powerpoint/2010/main" val="545924195"/>
-      </p:ext>
-    </p:extLst>
-  </p:cSld>
-  <p:clrMapOvr>
-    <a:masterClrMapping/>
-  </p:clrMapOvr>
-  <p:timing>
-    <p:tnLst>
-      <p:par>
-        <p:cTn id="1" dur="indefinite" restart="never" nodeType="tmRoot">
-          <p:childTnLst>
-            <p:seq concurrent="1" nextAc="seek">
-              <p:cTn id="2" dur="indefinite" nodeType="mainSeq">
-                <p:childTnLst>
-                  <p:par>
-                    <p:cTn id="3" fill="hold">
-                      <p:stCondLst>
-                        <p:cond delay="indefinite"/>
-                      </p:stCondLst>
-                      <p:childTnLst>
-                        <p:par>
-                          <p:cTn id="4" fill="hold">
-                            <p:stCondLst>
-                              <p:cond delay="0"/>
-                            </p:stCondLst>
-                            <p:childTnLst>
-                              <p:par>
-                                <p:cTn id="5" presetID="1" presetClass="entr" presetSubtype="0" fill="hold" nodeType="clickEffect">
-                                  <p:stCondLst>
-                                    <p:cond delay="0"/>
-                                  </p:stCondLst>
-                                  <p:childTnLst>
-                                    <p:set>
-                                      <p:cBhvr>
-                                        <p:cTn id="6" dur="1" fill="hold">
-                                          <p:stCondLst>
-                                            <p:cond delay="0"/>
-                                          </p:stCondLst>
-                                        </p:cTn>
-                                        <p:tgtEl>
-                                          <p:spTgt spid="2">
-                                            <p:txEl>
-                                              <p:pRg st="0" end="0"/>
-                                            </p:txEl>
-                                          </p:spTgt>
-                                        </p:tgtEl>
-                                        <p:attrNameLst>
-                                          <p:attrName>style.visibility</p:attrName>
-                                        </p:attrNameLst>
-                                      </p:cBhvr>
-                                      <p:to>
-                                        <p:strVal val="visible"/>
-                                      </p:to>
-                                    </p:set>
-                                  </p:childTnLst>
-                                </p:cTn>
-                              </p:par>
-                              <p:par>
-                                <p:cTn id="7" presetID="1" presetClass="entr" presetSubtype="0" fill="hold" nodeType="withEffect">
-                                  <p:stCondLst>
-                                    <p:cond delay="0"/>
-                                  </p:stCondLst>
-                                  <p:childTnLst>
-                                    <p:set>
-                                      <p:cBhvr>
-                                        <p:cTn id="8" dur="1" fill="hold">
-                                          <p:stCondLst>
-                                            <p:cond delay="0"/>
-                                          </p:stCondLst>
-                                        </p:cTn>
-                                        <p:tgtEl>
-                                          <p:spTgt spid="2">
-                                            <p:txEl>
-                                              <p:pRg st="1" end="1"/>
-                                            </p:txEl>
-                                          </p:spTgt>
-                                        </p:tgtEl>
-                                        <p:attrNameLst>
-                                          <p:attrName>style.visibility</p:attrName>
-                                        </p:attrNameLst>
-                                      </p:cBhvr>
-                                      <p:to>
-                                        <p:strVal val="visible"/>
-                                      </p:to>
-                                    </p:set>
-                                  </p:childTnLst>
-                                </p:cTn>
-                              </p:par>
-                              <p:par>
-                                <p:cTn id="9" presetID="1" presetClass="entr" presetSubtype="0" fill="hold" nodeType="withEffect">
-                                  <p:stCondLst>
-                                    <p:cond delay="0"/>
-                                  </p:stCondLst>
-                                  <p:childTnLst>
-                                    <p:set>
-                                      <p:cBhvr>
-                                        <p:cTn id="10" dur="1" fill="hold">
-                                          <p:stCondLst>
-                                            <p:cond delay="0"/>
-                                          </p:stCondLst>
-                                        </p:cTn>
-                                        <p:tgtEl>
-                                          <p:spTgt spid="2">
-                                            <p:txEl>
-                                              <p:pRg st="2" end="2"/>
-                                            </p:txEl>
-                                          </p:spTgt>
-                                        </p:tgtEl>
-                                        <p:attrNameLst>
-                                          <p:attrName>style.visibility</p:attrName>
-                                        </p:attrNameLst>
-                                      </p:cBhvr>
-                                      <p:to>
-                                        <p:strVal val="visible"/>
-                                      </p:to>
-                                    </p:set>
-                                  </p:childTnLst>
-                                </p:cTn>
-                              </p:par>
-                              <p:par>
-                                <p:cTn id="11" presetID="1" presetClass="entr" presetSubtype="0" fill="hold" nodeType="withEffect">
-                                  <p:stCondLst>
-                                    <p:cond delay="0"/>
-                                  </p:stCondLst>
-                                  <p:childTnLst>
-                                    <p:set>
-                                      <p:cBhvr>
-                                        <p:cTn id="12" dur="1" fill="hold">
-                                          <p:stCondLst>
-                                            <p:cond delay="0"/>
-                                          </p:stCondLst>
-                                        </p:cTn>
-                                        <p:tgtEl>
-                                          <p:spTgt spid="2">
-                                            <p:txEl>
-                                              <p:pRg st="3" end="3"/>
-                                            </p:txEl>
-                                          </p:spTgt>
-                                        </p:tgtEl>
-                                        <p:attrNameLst>
-                                          <p:attrName>style.visibility</p:attrName>
-                                        </p:attrNameLst>
-                                      </p:cBhvr>
-                                      <p:to>
-                                        <p:strVal val="visible"/>
-                                      </p:to>
-                                    </p:set>
-                                  </p:childTnLst>
-                                </p:cTn>
-                              </p:par>
-                            </p:childTnLst>
-                          </p:cTn>
-                        </p:par>
-                      </p:childTnLst>
-                    </p:cTn>
-                  </p:par>
-                  <p:par>
-                    <p:cTn id="13" fill="hold">
-                      <p:stCondLst>
-                        <p:cond delay="indefinite"/>
-                      </p:stCondLst>
-                      <p:childTnLst>
-                        <p:par>
-                          <p:cTn id="14" fill="hold">
-                            <p:stCondLst>
-                              <p:cond delay="0"/>
-                            </p:stCondLst>
-                            <p:childTnLst>
-                              <p:par>
-                                <p:cTn id="15" presetID="1" presetClass="entr" presetSubtype="0" fill="hold" nodeType="clickEffect">
-                                  <p:stCondLst>
-                                    <p:cond delay="0"/>
-                                  </p:stCondLst>
-                                  <p:childTnLst>
-                                    <p:set>
-                                      <p:cBhvr>
-                                        <p:cTn id="16" dur="1" fill="hold">
-                                          <p:stCondLst>
-                                            <p:cond delay="0"/>
-                                          </p:stCondLst>
-                                        </p:cTn>
-                                        <p:tgtEl>
-                                          <p:spTgt spid="2">
-                                            <p:txEl>
-                                              <p:pRg st="5" end="5"/>
-                                            </p:txEl>
-                                          </p:spTgt>
-                                        </p:tgtEl>
-                                        <p:attrNameLst>
-                                          <p:attrName>style.visibility</p:attrName>
-                                        </p:attrNameLst>
-                                      </p:cBhvr>
-                                      <p:to>
-                                        <p:strVal val="visible"/>
-                                      </p:to>
-                                    </p:set>
-                                  </p:childTnLst>
-                                </p:cTn>
-                              </p:par>
-                              <p:par>
-                                <p:cTn id="17" presetID="1" presetClass="entr" presetSubtype="0" fill="hold" nodeType="withEffect">
-                                  <p:stCondLst>
-                                    <p:cond delay="0"/>
-                                  </p:stCondLst>
-                                  <p:childTnLst>
-                                    <p:set>
-                                      <p:cBhvr>
-                                        <p:cTn id="18" dur="1" fill="hold">
-                                          <p:stCondLst>
-                                            <p:cond delay="0"/>
-                                          </p:stCondLst>
-                                        </p:cTn>
-                                        <p:tgtEl>
-                                          <p:spTgt spid="2">
-                                            <p:txEl>
-                                              <p:pRg st="6" end="6"/>
-                                            </p:txEl>
-                                          </p:spTgt>
-                                        </p:tgtEl>
-                                        <p:attrNameLst>
-                                          <p:attrName>style.visibility</p:attrName>
-                                        </p:attrNameLst>
-                                      </p:cBhvr>
-                                      <p:to>
-                                        <p:strVal val="visible"/>
-                                      </p:to>
-                                    </p:set>
-                                  </p:childTnLst>
-                                </p:cTn>
-                              </p:par>
-                              <p:par>
-                                <p:cTn id="19" presetID="1" presetClass="entr" presetSubtype="0" fill="hold" nodeType="withEffect">
-                                  <p:stCondLst>
-                                    <p:cond delay="0"/>
-                                  </p:stCondLst>
-                                  <p:childTnLst>
-                                    <p:set>
-                                      <p:cBhvr>
-                                        <p:cTn id="20" dur="1" fill="hold">
-                                          <p:stCondLst>
-                                            <p:cond delay="0"/>
-                                          </p:stCondLst>
-                                        </p:cTn>
-                                        <p:tgtEl>
-                                          <p:spTgt spid="2">
-                                            <p:txEl>
-                                              <p:pRg st="7" end="7"/>
-                                            </p:txEl>
-                                          </p:spTgt>
-                                        </p:tgtEl>
-                                        <p:attrNameLst>
-                                          <p:attrName>style.visibility</p:attrName>
-                                        </p:attrNameLst>
-                                      </p:cBhvr>
-                                      <p:to>
-                                        <p:strVal val="visible"/>
-                                      </p:to>
-                                    </p:set>
-                                  </p:childTnLst>
-                                </p:cTn>
-                              </p:par>
-                              <p:par>
-                                <p:cTn id="21" presetID="1" presetClass="entr" presetSubtype="0" fill="hold" nodeType="withEffect">
-                                  <p:stCondLst>
-                                    <p:cond delay="0"/>
-                                  </p:stCondLst>
-                                  <p:childTnLst>
-                                    <p:set>
-                                      <p:cBhvr>
-                                        <p:cTn id="22" dur="1" fill="hold">
-                                          <p:stCondLst>
-                                            <p:cond delay="0"/>
-                                          </p:stCondLst>
-                                        </p:cTn>
-                                        <p:tgtEl>
-                                          <p:spTgt spid="2">
-                                            <p:txEl>
-                                              <p:pRg st="8" end="8"/>
                                             </p:txEl>
                                           </p:spTgt>
                                         </p:tgtEl>
@@ -31575,6 +31545,502 @@
       <p:bldP spid="9" grpId="0"/>
       <p:bldP spid="9" grpId="1"/>
     </p:bldLst>
+  </p:timing>
+</p:sld>
+</file>
+
+<file path=ppt/slides/slide80.xml><?xml version="1.0" encoding="utf-8"?>
+<p:sld xmlns:a="http://schemas.openxmlformats.org/drawingml/2006/main" xmlns:r="http://schemas.openxmlformats.org/officeDocument/2006/relationships" xmlns:p="http://schemas.openxmlformats.org/presentationml/2006/main">
+  <p:cSld>
+    <p:spTree>
+      <p:nvGrpSpPr>
+        <p:cNvPr id="1" name=""/>
+        <p:cNvGrpSpPr/>
+        <p:nvPr/>
+      </p:nvGrpSpPr>
+      <p:grpSpPr>
+        <a:xfrm>
+          <a:off x="0" y="0"/>
+          <a:ext cx="0" cy="0"/>
+          <a:chOff x="0" y="0"/>
+          <a:chExt cx="0" cy="0"/>
+        </a:xfrm>
+      </p:grpSpPr>
+      <p:sp>
+        <p:nvSpPr>
+          <p:cNvPr id="2" name="Content Placeholder 1"/>
+          <p:cNvSpPr>
+            <a:spLocks noGrp="1"/>
+          </p:cNvSpPr>
+          <p:nvPr>
+            <p:ph sz="half" idx="2"/>
+          </p:nvPr>
+        </p:nvSpPr>
+        <p:spPr>
+          <a:xfrm>
+            <a:off x="541612" y="1431014"/>
+            <a:ext cx="9877515" cy="5162733"/>
+          </a:xfrm>
+        </p:spPr>
+        <p:txBody>
+          <a:bodyPr>
+            <a:normAutofit/>
+          </a:bodyPr>
+          <a:lstStyle/>
+          <a:p>
+            <a:pPr marL="0" indent="0">
+              <a:buNone/>
+            </a:pPr>
+            <a:r>
+              <a:rPr lang="en-US" b="1" dirty="0"/>
+              <a:t>SQL Resources</a:t>
+            </a:r>
+          </a:p>
+          <a:p>
+            <a:pPr lvl="1"/>
+            <a:r>
+              <a:rPr lang="en-US" dirty="0">
+                <a:hlinkClick r:id="rId2"/>
+              </a:rPr>
+              <a:t>Getting Started with SQL (O'Reilly)</a:t>
+            </a:r>
+            <a:r>
+              <a:rPr lang="en-US" dirty="0"/>
+              <a:t> by Thomas Nield</a:t>
+            </a:r>
+          </a:p>
+          <a:p>
+            <a:pPr lvl="1"/>
+            <a:r>
+              <a:rPr lang="en-US" dirty="0">
+                <a:hlinkClick r:id="rId3"/>
+              </a:rPr>
+              <a:t>Learning SQL (O'Reilly)</a:t>
+            </a:r>
+            <a:r>
+              <a:rPr lang="en-US" dirty="0"/>
+              <a:t> by Alan Beaulieu</a:t>
+            </a:r>
+          </a:p>
+          <a:p>
+            <a:pPr lvl="1"/>
+            <a:r>
+              <a:rPr lang="en-US" dirty="0">
+                <a:hlinkClick r:id="rId4"/>
+              </a:rPr>
+              <a:t>Using SQLite (O'Reilly)</a:t>
+            </a:r>
+            <a:r>
+              <a:rPr lang="en-US" dirty="0"/>
+              <a:t> by Jay A. </a:t>
+            </a:r>
+            <a:r>
+              <a:rPr lang="en-US" dirty="0" err="1"/>
+              <a:t>Kreibich</a:t>
+            </a:r>
+            <a:endParaRPr lang="en-US" dirty="0"/>
+          </a:p>
+          <a:p>
+            <a:pPr marL="457177" lvl="1" indent="0">
+              <a:buNone/>
+            </a:pPr>
+            <a:endParaRPr lang="en-US" dirty="0"/>
+          </a:p>
+          <a:p>
+            <a:pPr marL="0" indent="0">
+              <a:buNone/>
+            </a:pPr>
+            <a:r>
+              <a:rPr lang="en-US" dirty="0"/>
+              <a:t>It can be lucrative to combine SQL with another technical skill</a:t>
+            </a:r>
+          </a:p>
+          <a:p>
+            <a:pPr lvl="1"/>
+            <a:r>
+              <a:rPr lang="en-US" sz="1400" dirty="0"/>
+              <a:t>Python - versatile scripting language</a:t>
+            </a:r>
+          </a:p>
+          <a:p>
+            <a:pPr lvl="1"/>
+            <a:r>
+              <a:rPr lang="en-US" sz="1400" dirty="0"/>
+              <a:t>R – statistical scripting language and environment </a:t>
+            </a:r>
+          </a:p>
+          <a:p>
+            <a:pPr lvl="1"/>
+            <a:r>
+              <a:rPr lang="en-US" sz="1400" dirty="0"/>
+              <a:t>Java – Build full software solutions</a:t>
+            </a:r>
+          </a:p>
+          <a:p>
+            <a:endParaRPr lang="en-US" sz="2000" dirty="0"/>
+          </a:p>
+          <a:p>
+            <a:pPr lvl="1"/>
+            <a:endParaRPr lang="en-US" sz="1400" dirty="0"/>
+          </a:p>
+          <a:p>
+            <a:pPr lvl="1"/>
+            <a:endParaRPr lang="en-US" sz="1400" dirty="0"/>
+          </a:p>
+          <a:p>
+            <a:pPr lvl="1"/>
+            <a:endParaRPr lang="en-US" dirty="0"/>
+          </a:p>
+          <a:p>
+            <a:endParaRPr lang="en-US" dirty="0"/>
+          </a:p>
+        </p:txBody>
+      </p:sp>
+      <p:sp>
+        <p:nvSpPr>
+          <p:cNvPr id="3" name="Title 2"/>
+          <p:cNvSpPr>
+            <a:spLocks noGrp="1"/>
+          </p:cNvSpPr>
+          <p:nvPr>
+            <p:ph type="title"/>
+          </p:nvPr>
+        </p:nvSpPr>
+        <p:spPr/>
+        <p:txBody>
+          <a:bodyPr/>
+          <a:lstStyle/>
+          <a:p>
+            <a:r>
+              <a:rPr lang="en-US" dirty="0"/>
+              <a:t>What Now?</a:t>
+            </a:r>
+          </a:p>
+        </p:txBody>
+      </p:sp>
+    </p:spTree>
+    <p:extLst>
+      <p:ext uri="{BB962C8B-B14F-4D97-AF65-F5344CB8AC3E}">
+        <p14:creationId xmlns:p14="http://schemas.microsoft.com/office/powerpoint/2010/main" val="545924195"/>
+      </p:ext>
+    </p:extLst>
+  </p:cSld>
+  <p:clrMapOvr>
+    <a:masterClrMapping/>
+  </p:clrMapOvr>
+  <p:timing>
+    <p:tnLst>
+      <p:par>
+        <p:cTn id="1" dur="indefinite" restart="never" nodeType="tmRoot">
+          <p:childTnLst>
+            <p:seq concurrent="1" nextAc="seek">
+              <p:cTn id="2" dur="indefinite" nodeType="mainSeq">
+                <p:childTnLst>
+                  <p:par>
+                    <p:cTn id="3" fill="hold">
+                      <p:stCondLst>
+                        <p:cond delay="indefinite"/>
+                      </p:stCondLst>
+                      <p:childTnLst>
+                        <p:par>
+                          <p:cTn id="4" fill="hold">
+                            <p:stCondLst>
+                              <p:cond delay="0"/>
+                            </p:stCondLst>
+                            <p:childTnLst>
+                              <p:par>
+                                <p:cTn id="5" presetID="1" presetClass="entr" presetSubtype="0" fill="hold" nodeType="clickEffect">
+                                  <p:stCondLst>
+                                    <p:cond delay="0"/>
+                                  </p:stCondLst>
+                                  <p:childTnLst>
+                                    <p:set>
+                                      <p:cBhvr>
+                                        <p:cTn id="6" dur="1" fill="hold">
+                                          <p:stCondLst>
+                                            <p:cond delay="0"/>
+                                          </p:stCondLst>
+                                        </p:cTn>
+                                        <p:tgtEl>
+                                          <p:spTgt spid="2">
+                                            <p:txEl>
+                                              <p:pRg st="0" end="0"/>
+                                            </p:txEl>
+                                          </p:spTgt>
+                                        </p:tgtEl>
+                                        <p:attrNameLst>
+                                          <p:attrName>style.visibility</p:attrName>
+                                        </p:attrNameLst>
+                                      </p:cBhvr>
+                                      <p:to>
+                                        <p:strVal val="visible"/>
+                                      </p:to>
+                                    </p:set>
+                                  </p:childTnLst>
+                                </p:cTn>
+                              </p:par>
+                              <p:par>
+                                <p:cTn id="7" presetID="1" presetClass="entr" presetSubtype="0" fill="hold" nodeType="withEffect">
+                                  <p:stCondLst>
+                                    <p:cond delay="0"/>
+                                  </p:stCondLst>
+                                  <p:childTnLst>
+                                    <p:set>
+                                      <p:cBhvr>
+                                        <p:cTn id="8" dur="1" fill="hold">
+                                          <p:stCondLst>
+                                            <p:cond delay="0"/>
+                                          </p:stCondLst>
+                                        </p:cTn>
+                                        <p:tgtEl>
+                                          <p:spTgt spid="2">
+                                            <p:txEl>
+                                              <p:pRg st="1" end="1"/>
+                                            </p:txEl>
+                                          </p:spTgt>
+                                        </p:tgtEl>
+                                        <p:attrNameLst>
+                                          <p:attrName>style.visibility</p:attrName>
+                                        </p:attrNameLst>
+                                      </p:cBhvr>
+                                      <p:to>
+                                        <p:strVal val="visible"/>
+                                      </p:to>
+                                    </p:set>
+                                  </p:childTnLst>
+                                </p:cTn>
+                              </p:par>
+                              <p:par>
+                                <p:cTn id="9" presetID="1" presetClass="entr" presetSubtype="0" fill="hold" nodeType="withEffect">
+                                  <p:stCondLst>
+                                    <p:cond delay="0"/>
+                                  </p:stCondLst>
+                                  <p:childTnLst>
+                                    <p:set>
+                                      <p:cBhvr>
+                                        <p:cTn id="10" dur="1" fill="hold">
+                                          <p:stCondLst>
+                                            <p:cond delay="0"/>
+                                          </p:stCondLst>
+                                        </p:cTn>
+                                        <p:tgtEl>
+                                          <p:spTgt spid="2">
+                                            <p:txEl>
+                                              <p:pRg st="2" end="2"/>
+                                            </p:txEl>
+                                          </p:spTgt>
+                                        </p:tgtEl>
+                                        <p:attrNameLst>
+                                          <p:attrName>style.visibility</p:attrName>
+                                        </p:attrNameLst>
+                                      </p:cBhvr>
+                                      <p:to>
+                                        <p:strVal val="visible"/>
+                                      </p:to>
+                                    </p:set>
+                                  </p:childTnLst>
+                                </p:cTn>
+                              </p:par>
+                              <p:par>
+                                <p:cTn id="11" presetID="1" presetClass="entr" presetSubtype="0" fill="hold" nodeType="withEffect">
+                                  <p:stCondLst>
+                                    <p:cond delay="0"/>
+                                  </p:stCondLst>
+                                  <p:childTnLst>
+                                    <p:set>
+                                      <p:cBhvr>
+                                        <p:cTn id="12" dur="1" fill="hold">
+                                          <p:stCondLst>
+                                            <p:cond delay="0"/>
+                                          </p:stCondLst>
+                                        </p:cTn>
+                                        <p:tgtEl>
+                                          <p:spTgt spid="2">
+                                            <p:txEl>
+                                              <p:pRg st="3" end="3"/>
+                                            </p:txEl>
+                                          </p:spTgt>
+                                        </p:tgtEl>
+                                        <p:attrNameLst>
+                                          <p:attrName>style.visibility</p:attrName>
+                                        </p:attrNameLst>
+                                      </p:cBhvr>
+                                      <p:to>
+                                        <p:strVal val="visible"/>
+                                      </p:to>
+                                    </p:set>
+                                  </p:childTnLst>
+                                </p:cTn>
+                              </p:par>
+                            </p:childTnLst>
+                          </p:cTn>
+                        </p:par>
+                      </p:childTnLst>
+                    </p:cTn>
+                  </p:par>
+                  <p:par>
+                    <p:cTn id="13" fill="hold">
+                      <p:stCondLst>
+                        <p:cond delay="indefinite"/>
+                      </p:stCondLst>
+                      <p:childTnLst>
+                        <p:par>
+                          <p:cTn id="14" fill="hold">
+                            <p:stCondLst>
+                              <p:cond delay="0"/>
+                            </p:stCondLst>
+                            <p:childTnLst>
+                              <p:par>
+                                <p:cTn id="15" presetID="1" presetClass="entr" presetSubtype="0" fill="hold" nodeType="clickEffect">
+                                  <p:stCondLst>
+                                    <p:cond delay="0"/>
+                                  </p:stCondLst>
+                                  <p:childTnLst>
+                                    <p:set>
+                                      <p:cBhvr>
+                                        <p:cTn id="16" dur="1" fill="hold">
+                                          <p:stCondLst>
+                                            <p:cond delay="0"/>
+                                          </p:stCondLst>
+                                        </p:cTn>
+                                        <p:tgtEl>
+                                          <p:spTgt spid="2">
+                                            <p:txEl>
+                                              <p:pRg st="5" end="5"/>
+                                            </p:txEl>
+                                          </p:spTgt>
+                                        </p:tgtEl>
+                                        <p:attrNameLst>
+                                          <p:attrName>style.visibility</p:attrName>
+                                        </p:attrNameLst>
+                                      </p:cBhvr>
+                                      <p:to>
+                                        <p:strVal val="visible"/>
+                                      </p:to>
+                                    </p:set>
+                                  </p:childTnLst>
+                                </p:cTn>
+                              </p:par>
+                              <p:par>
+                                <p:cTn id="17" presetID="1" presetClass="entr" presetSubtype="0" fill="hold" nodeType="withEffect">
+                                  <p:stCondLst>
+                                    <p:cond delay="0"/>
+                                  </p:stCondLst>
+                                  <p:childTnLst>
+                                    <p:set>
+                                      <p:cBhvr>
+                                        <p:cTn id="18" dur="1" fill="hold">
+                                          <p:stCondLst>
+                                            <p:cond delay="0"/>
+                                          </p:stCondLst>
+                                        </p:cTn>
+                                        <p:tgtEl>
+                                          <p:spTgt spid="2">
+                                            <p:txEl>
+                                              <p:pRg st="6" end="6"/>
+                                            </p:txEl>
+                                          </p:spTgt>
+                                        </p:tgtEl>
+                                        <p:attrNameLst>
+                                          <p:attrName>style.visibility</p:attrName>
+                                        </p:attrNameLst>
+                                      </p:cBhvr>
+                                      <p:to>
+                                        <p:strVal val="visible"/>
+                                      </p:to>
+                                    </p:set>
+                                  </p:childTnLst>
+                                </p:cTn>
+                              </p:par>
+                              <p:par>
+                                <p:cTn id="19" presetID="1" presetClass="entr" presetSubtype="0" fill="hold" nodeType="withEffect">
+                                  <p:stCondLst>
+                                    <p:cond delay="0"/>
+                                  </p:stCondLst>
+                                  <p:childTnLst>
+                                    <p:set>
+                                      <p:cBhvr>
+                                        <p:cTn id="20" dur="1" fill="hold">
+                                          <p:stCondLst>
+                                            <p:cond delay="0"/>
+                                          </p:stCondLst>
+                                        </p:cTn>
+                                        <p:tgtEl>
+                                          <p:spTgt spid="2">
+                                            <p:txEl>
+                                              <p:pRg st="7" end="7"/>
+                                            </p:txEl>
+                                          </p:spTgt>
+                                        </p:tgtEl>
+                                        <p:attrNameLst>
+                                          <p:attrName>style.visibility</p:attrName>
+                                        </p:attrNameLst>
+                                      </p:cBhvr>
+                                      <p:to>
+                                        <p:strVal val="visible"/>
+                                      </p:to>
+                                    </p:set>
+                                  </p:childTnLst>
+                                </p:cTn>
+                              </p:par>
+                              <p:par>
+                                <p:cTn id="21" presetID="1" presetClass="entr" presetSubtype="0" fill="hold" nodeType="withEffect">
+                                  <p:stCondLst>
+                                    <p:cond delay="0"/>
+                                  </p:stCondLst>
+                                  <p:childTnLst>
+                                    <p:set>
+                                      <p:cBhvr>
+                                        <p:cTn id="22" dur="1" fill="hold">
+                                          <p:stCondLst>
+                                            <p:cond delay="0"/>
+                                          </p:stCondLst>
+                                        </p:cTn>
+                                        <p:tgtEl>
+                                          <p:spTgt spid="2">
+                                            <p:txEl>
+                                              <p:pRg st="8" end="8"/>
+                                            </p:txEl>
+                                          </p:spTgt>
+                                        </p:tgtEl>
+                                        <p:attrNameLst>
+                                          <p:attrName>style.visibility</p:attrName>
+                                        </p:attrNameLst>
+                                      </p:cBhvr>
+                                      <p:to>
+                                        <p:strVal val="visible"/>
+                                      </p:to>
+                                    </p:set>
+                                  </p:childTnLst>
+                                </p:cTn>
+                              </p:par>
+                            </p:childTnLst>
+                          </p:cTn>
+                        </p:par>
+                      </p:childTnLst>
+                    </p:cTn>
+                  </p:par>
+                </p:childTnLst>
+              </p:cTn>
+              <p:prevCondLst>
+                <p:cond evt="onPrev" delay="0">
+                  <p:tgtEl>
+                    <p:sldTgt/>
+                  </p:tgtEl>
+                </p:cond>
+              </p:prevCondLst>
+              <p:nextCondLst>
+                <p:cond evt="onNext" delay="0">
+                  <p:tgtEl>
+                    <p:sldTgt/>
+                  </p:tgtEl>
+                </p:cond>
+              </p:nextCondLst>
+            </p:seq>
+          </p:childTnLst>
+        </p:cTn>
+      </p:par>
+    </p:tnLst>
   </p:timing>
 </p:sld>
 </file>

--- a/notes_and_slides/sql_fundamentals_slides.pptx
+++ b/notes_and_slides/sql_fundamentals_slides.pptx
@@ -6054,6 +6054,36 @@
           </a:prstGeom>
         </p:spPr>
       </p:pic>
+      <p:pic>
+        <p:nvPicPr>
+          <p:cNvPr id="3" name="Picture 2"/>
+          <p:cNvPicPr>
+            <a:picLocks noChangeAspect="1"/>
+          </p:cNvPicPr>
+          <p:nvPr/>
+        </p:nvPicPr>
+        <p:blipFill>
+          <a:blip r:embed="rId10">
+            <a:extLst>
+              <a:ext uri="{28A0092B-C50C-407E-A947-70E740481C1C}">
+                <a14:useLocalDpi xmlns:a14="http://schemas.microsoft.com/office/drawing/2010/main" val="0"/>
+              </a:ext>
+            </a:extLst>
+          </a:blip>
+          <a:stretch>
+            <a:fillRect/>
+          </a:stretch>
+        </p:blipFill>
+        <p:spPr>
+          <a:xfrm>
+            <a:off x="8914897" y="1549265"/>
+            <a:ext cx="2273753" cy="2977960"/>
+          </a:xfrm>
+          <a:prstGeom prst="rect">
+            <a:avLst/>
+          </a:prstGeom>
+        </p:spPr>
+      </p:pic>
     </p:spTree>
     <p:extLst>
       <p:ext uri="{BB962C8B-B14F-4D97-AF65-F5344CB8AC3E}">

--- a/notes_and_slides/sql_fundamentals_slides.pptx
+++ b/notes_and_slides/sql_fundamentals_slides.pptx
@@ -325,10 +325,6 @@
 </p:cmAuthorLst>
 </file>
 
-<file path=ppt/revisionInfo.xml><?xml version="1.0" encoding="utf-8"?>
-<p1510:revInfo xmlns:a="http://schemas.openxmlformats.org/drawingml/2006/main" xmlns:r="http://schemas.openxmlformats.org/officeDocument/2006/relationships" xmlns:p1510="http://schemas.microsoft.com/office/powerpoint/2015/10/main"/>
-</file>
-
 <file path=ppt/handoutMasters/handoutMaster1.xml><?xml version="1.0" encoding="utf-8"?>
 <p:handoutMaster xmlns:a="http://schemas.openxmlformats.org/drawingml/2006/main" xmlns:r="http://schemas.openxmlformats.org/officeDocument/2006/relationships" xmlns:p="http://schemas.openxmlformats.org/presentationml/2006/main">
   <p:cSld>
@@ -411,7 +407,7 @@
           <a:p>
             <a:fld id="{80680FBE-A8DF-4758-9AC4-3A9E1039168F}" type="datetimeFigureOut">
               <a:rPr lang="en-US" smtClean="0"/>
-              <a:t>8/14/2019</a:t>
+              <a:t>4/28/2021</a:t>
             </a:fld>
             <a:endParaRPr lang="en-US"/>
           </a:p>
@@ -576,7 +572,7 @@
           <a:p>
             <a:fld id="{EC13577B-6902-467D-A26C-08A0DD5E4E03}" type="datetimeFigureOut">
               <a:rPr lang="en-US" smtClean="0"/>
-              <a:t>8/14/2019</a:t>
+              <a:t>4/28/2021</a:t>
             </a:fld>
             <a:endParaRPr lang="en-US"/>
           </a:p>
@@ -1101,7 +1097,7 @@
           <a:p>
             <a:fld id="{8BEEBAAA-29B5-4AF5-BC5F-7E580C29002D}" type="datetimeFigureOut">
               <a:rPr lang="en-US" smtClean="0"/>
-              <a:t>8/14/2019</a:t>
+              <a:t>4/28/2021</a:t>
             </a:fld>
             <a:endParaRPr lang="en-US"/>
           </a:p>
@@ -1882,7 +1878,7 @@
           <a:p>
             <a:fld id="{8BEEBAAA-29B5-4AF5-BC5F-7E580C29002D}" type="datetimeFigureOut">
               <a:rPr lang="en-US" smtClean="0"/>
-              <a:t>8/14/2019</a:t>
+              <a:t>4/28/2021</a:t>
             </a:fld>
             <a:endParaRPr lang="en-US"/>
           </a:p>
@@ -2394,7 +2390,7 @@
           <a:p>
             <a:fld id="{8BEEBAAA-29B5-4AF5-BC5F-7E580C29002D}" type="datetimeFigureOut">
               <a:rPr lang="en-US" smtClean="0"/>
-              <a:t>8/14/2019</a:t>
+              <a:t>4/28/2021</a:t>
             </a:fld>
             <a:endParaRPr lang="en-US"/>
           </a:p>
@@ -5730,7 +5726,6 @@
               <a:rPr lang="en-US" dirty="0"/>
               <a:t> Business Consultant for Southwest Airlines </a:t>
             </a:r>
-            <a:endParaRPr lang="en-US" dirty="0"/>
           </a:p>
           <a:p>
             <a:pPr marL="0" indent="0">
@@ -5740,12 +5735,8 @@
               <a:buNone/>
             </a:pPr>
             <a:r>
-              <a:rPr lang="en-US" dirty="0" smtClean="0"/>
-              <a:t> Author </a:t>
-            </a:r>
-            <a:r>
               <a:rPr lang="en-US" dirty="0"/>
-              <a:t>of </a:t>
+              <a:t> Author of </a:t>
             </a:r>
             <a:r>
               <a:rPr lang="en-US" i="1" dirty="0">
@@ -5795,18 +5786,9 @@
               <a:buNone/>
             </a:pPr>
             <a:r>
-              <a:rPr lang="en-US" dirty="0" smtClean="0"/>
-              <a:t> My other online </a:t>
-            </a:r>
-            <a:r>
               <a:rPr lang="en-US" dirty="0"/>
-              <a:t>trainings at </a:t>
-            </a:r>
-            <a:r>
-              <a:rPr lang="en-US" dirty="0" smtClean="0"/>
-              <a:t>O'Reilly:</a:t>
-            </a:r>
-            <a:endParaRPr lang="en-US" dirty="0"/>
+              <a:t> My other online trainings at O'Reilly:</a:t>
+            </a:r>
           </a:p>
           <a:p>
             <a:pPr marL="154951" lvl="1" indent="0">
@@ -5819,15 +5801,9 @@
               <a:rPr lang="en-US" sz="1600" i="1" dirty="0">
                 <a:hlinkClick r:id="rId4"/>
               </a:rPr>
-              <a:t>SQL Fundamentals for </a:t>
-            </a:r>
-            <a:r>
-              <a:rPr lang="en-US" sz="1600" i="1" dirty="0" smtClean="0">
-                <a:hlinkClick r:id="rId4"/>
-              </a:rPr>
-              <a:t>Data</a:t>
-            </a:r>
-            <a:endParaRPr lang="en-US" sz="1600" i="1" dirty="0" smtClean="0"/>
+              <a:t>SQL Fundamentals for Data</a:t>
+            </a:r>
+            <a:endParaRPr lang="en-US" sz="1600" i="1" dirty="0"/>
           </a:p>
           <a:p>
             <a:pPr marL="154951" lvl="1" indent="0">
@@ -5837,7 +5813,7 @@
               <a:buNone/>
             </a:pPr>
             <a:r>
-              <a:rPr lang="en-US" sz="1600" i="1" dirty="0" smtClean="0">
+              <a:rPr lang="en-US" sz="1600" i="1" dirty="0">
                 <a:hlinkClick r:id="rId5"/>
               </a:rPr>
               <a:t>Intermediate SQL for Data Analytics</a:t>
@@ -5852,12 +5828,12 @@
               <a:buNone/>
             </a:pPr>
             <a:r>
-              <a:rPr lang="en-US" sz="1600" i="1" dirty="0" smtClean="0">
+              <a:rPr lang="en-US" sz="1600" i="1" dirty="0">
                 <a:hlinkClick r:id="rId6"/>
               </a:rPr>
               <a:t>Intro to Mathematical Optimization</a:t>
             </a:r>
-            <a:endParaRPr lang="en-US" sz="1600" i="1" dirty="0" smtClean="0"/>
+            <a:endParaRPr lang="en-US" sz="1600" i="1" dirty="0"/>
           </a:p>
           <a:p>
             <a:pPr marL="154951" lvl="1" indent="0">
@@ -5867,7 +5843,7 @@
               <a:buNone/>
             </a:pPr>
             <a:r>
-              <a:rPr lang="en-US" sz="1600" i="1" dirty="0" smtClean="0">
+              <a:rPr lang="en-US" sz="1600" i="1" dirty="0">
                 <a:hlinkClick r:id="rId7"/>
               </a:rPr>
               <a:t>Machine Learning from Scratch</a:t>
@@ -21507,7 +21483,7 @@
               <a:rPr lang="en-US" dirty="0">
                 <a:latin typeface="Consolas" pitchFamily="49"/>
               </a:rPr>
-              <a:t>SELECT PRODUCT_ID,</a:t>
+              <a:t>SELECT PRODUCT.PRODUCT_ID,</a:t>
             </a:r>
           </a:p>
           <a:p>
@@ -32309,10 +32285,9 @@
               <a:buNone/>
             </a:pPr>
             <a:r>
-              <a:rPr lang="en-US" dirty="0" smtClean="0"/>
+              <a:rPr lang="en-US" dirty="0"/>
               <a:t>Did you enjoy this online training? Consider taking the follow-up class!</a:t>
             </a:r>
-            <a:endParaRPr lang="en-US" dirty="0"/>
           </a:p>
           <a:p>
             <a:pPr marL="0" indent="0">
@@ -32347,10 +32322,9 @@
           <a:lstStyle/>
           <a:p>
             <a:r>
-              <a:rPr lang="en-US" dirty="0" smtClean="0"/>
+              <a:rPr lang="en-US" dirty="0"/>
               <a:t>What Now?</a:t>
             </a:r>
-            <a:endParaRPr lang="en-US" dirty="0"/>
           </a:p>
         </p:txBody>
       </p:sp>
@@ -32429,114 +32403,104 @@
             <a:pPr lvl="1"/>
             <a:r>
               <a:rPr lang="en-US" dirty="0"/>
-              <a:t>Keep practicing with SQLite</a:t>
-            </a:r>
-            <a:r>
-              <a:rPr lang="en-US" dirty="0" smtClean="0"/>
-              <a:t>!</a:t>
-            </a:r>
-            <a:endParaRPr lang="en-US" dirty="0"/>
+              <a:t>Keep practicing with SQLite!</a:t>
+            </a:r>
           </a:p>
           <a:p>
             <a:r>
               <a:rPr lang="en-US" dirty="0"/>
-              <a:t>There are SQL features you can advance </a:t>
-            </a:r>
-            <a:r>
-              <a:rPr lang="en-US" dirty="0" smtClean="0"/>
-              <a:t>into:</a:t>
+              <a:t>There are SQL features you can advance into:</a:t>
             </a:r>
           </a:p>
           <a:p>
             <a:pPr lvl="1"/>
             <a:r>
-              <a:rPr lang="en-US" b="1" dirty="0" smtClean="0"/>
+              <a:rPr lang="en-US" b="1" dirty="0"/>
               <a:t>Subqueries</a:t>
             </a:r>
             <a:r>
-              <a:rPr lang="en-US" dirty="0" smtClean="0"/>
+              <a:rPr lang="en-US" dirty="0"/>
               <a:t> – query off of other queries just like they were tables</a:t>
             </a:r>
           </a:p>
           <a:p>
             <a:pPr lvl="1"/>
             <a:r>
-              <a:rPr lang="en-US" b="1" dirty="0" smtClean="0"/>
+              <a:rPr lang="en-US" b="1" dirty="0"/>
               <a:t>Indexing</a:t>
             </a:r>
             <a:r>
-              <a:rPr lang="en-US" dirty="0" smtClean="0"/>
+              <a:rPr lang="en-US" dirty="0"/>
               <a:t> – Configure large tables to perform better with SELECT operations</a:t>
             </a:r>
           </a:p>
           <a:p>
             <a:pPr lvl="1"/>
             <a:r>
-              <a:rPr lang="en-US" b="1" dirty="0" smtClean="0"/>
+              <a:rPr lang="en-US" b="1" dirty="0"/>
               <a:t>Transactions</a:t>
             </a:r>
             <a:r>
-              <a:rPr lang="en-US" dirty="0" smtClean="0"/>
+              <a:rPr lang="en-US" dirty="0"/>
               <a:t> – Perform multiple update commands into a single, fail-safe batch</a:t>
             </a:r>
           </a:p>
           <a:p>
             <a:pPr lvl="1"/>
             <a:r>
-              <a:rPr lang="en-US" b="1" dirty="0" smtClean="0"/>
+              <a:rPr lang="en-US" b="1" dirty="0"/>
               <a:t>Triggers</a:t>
             </a:r>
             <a:r>
-              <a:rPr lang="en-US" dirty="0" smtClean="0"/>
+              <a:rPr lang="en-US" dirty="0"/>
               <a:t> – Configure databases to react to UPDATE/DELETE/INSERT commands</a:t>
             </a:r>
           </a:p>
           <a:p>
             <a:pPr lvl="1"/>
             <a:r>
-              <a:rPr lang="en-US" b="1" dirty="0" smtClean="0"/>
+              <a:rPr lang="en-US" b="1" dirty="0"/>
               <a:t>Database</a:t>
             </a:r>
             <a:r>
-              <a:rPr lang="en-US" dirty="0" smtClean="0"/>
+              <a:rPr lang="en-US" dirty="0"/>
               <a:t> </a:t>
             </a:r>
             <a:r>
-              <a:rPr lang="en-US" b="1" dirty="0" smtClean="0"/>
+              <a:rPr lang="en-US" b="1" dirty="0"/>
               <a:t>Administration</a:t>
             </a:r>
             <a:r>
-              <a:rPr lang="en-US" dirty="0" smtClean="0"/>
+              <a:rPr lang="en-US" dirty="0"/>
               <a:t> – Fine-tune production databases for large corporate environments</a:t>
             </a:r>
           </a:p>
           <a:p>
             <a:pPr lvl="1"/>
             <a:r>
-              <a:rPr lang="en-US" b="1" dirty="0" smtClean="0"/>
+              <a:rPr lang="en-US" b="1" dirty="0"/>
               <a:t>Advanced</a:t>
             </a:r>
             <a:r>
-              <a:rPr lang="en-US" dirty="0" smtClean="0"/>
+              <a:rPr lang="en-US" dirty="0"/>
               <a:t> </a:t>
             </a:r>
             <a:r>
-              <a:rPr lang="en-US" b="1" dirty="0" smtClean="0"/>
+              <a:rPr lang="en-US" b="1" dirty="0"/>
               <a:t>Business</a:t>
             </a:r>
             <a:r>
-              <a:rPr lang="en-US" dirty="0" smtClean="0"/>
+              <a:rPr lang="en-US" dirty="0"/>
               <a:t> </a:t>
             </a:r>
             <a:r>
-              <a:rPr lang="en-US" b="1" dirty="0" smtClean="0"/>
+              <a:rPr lang="en-US" b="1" dirty="0"/>
               <a:t>Analysis</a:t>
             </a:r>
             <a:r>
-              <a:rPr lang="en-US" dirty="0" smtClean="0"/>
+              <a:rPr lang="en-US" dirty="0"/>
               <a:t> – Use advanced SQL features to perform deeper business analysis</a:t>
             </a:r>
-            <a:endParaRPr lang="en-US" dirty="0"/>
           </a:p>
         </p:txBody>
       </p:sp>
@@ -33025,12 +32989,8 @@
               <a:buNone/>
             </a:pPr>
             <a:r>
-              <a:rPr lang="en-US" b="1" dirty="0" smtClean="0"/>
-              <a:t>SQL </a:t>
-            </a:r>
-            <a:r>
               <a:rPr lang="en-US" b="1" dirty="0"/>
-              <a:t>Resources</a:t>
+              <a:t>SQL Resources</a:t>
             </a:r>
           </a:p>
           <a:p>
@@ -33557,24 +33517,12 @@
               <a:buNone/>
             </a:pPr>
             <a:r>
-              <a:rPr lang="en-US" sz="2400" i="1" dirty="0" smtClean="0">
-                <a:hlinkClick r:id="rId2"/>
-              </a:rPr>
-              <a:t>SQL </a:t>
-            </a:r>
-            <a:r>
               <a:rPr lang="en-US" sz="2400" i="1" dirty="0">
                 <a:hlinkClick r:id="rId2"/>
               </a:rPr>
-              <a:t>Fundamentals for </a:t>
-            </a:r>
-            <a:r>
-              <a:rPr lang="en-US" sz="2400" i="1" dirty="0" smtClean="0">
-                <a:hlinkClick r:id="rId2"/>
-              </a:rPr>
-              <a:t>Data</a:t>
-            </a:r>
-            <a:endParaRPr lang="en-US" sz="2400" i="1" dirty="0" smtClean="0"/>
+              <a:t>SQL Fundamentals for Data</a:t>
+            </a:r>
+            <a:endParaRPr lang="en-US" sz="2400" i="1" dirty="0"/>
           </a:p>
           <a:p>
             <a:pPr marL="154951" lvl="1" indent="0">
@@ -33596,15 +33544,9 @@
               <a:rPr lang="en-US" sz="2400" i="1" dirty="0">
                 <a:hlinkClick r:id="rId3"/>
               </a:rPr>
-              <a:t>Intermediate SQL for Data </a:t>
-            </a:r>
-            <a:r>
-              <a:rPr lang="en-US" sz="2400" i="1" dirty="0" smtClean="0">
-                <a:hlinkClick r:id="rId3"/>
-              </a:rPr>
-              <a:t>Analytics</a:t>
-            </a:r>
-            <a:endParaRPr lang="en-US" sz="2400" i="1" dirty="0" smtClean="0"/>
+              <a:t>Intermediate SQL for Data Analytics</a:t>
+            </a:r>
+            <a:endParaRPr lang="en-US" sz="2400" i="1" dirty="0"/>
           </a:p>
           <a:p>
             <a:pPr marL="154951" lvl="1" indent="0">
@@ -33626,15 +33568,9 @@
               <a:rPr lang="en-US" sz="2400" i="1" dirty="0">
                 <a:hlinkClick r:id="rId4"/>
               </a:rPr>
-              <a:t>Intro to Mathematical </a:t>
-            </a:r>
-            <a:r>
-              <a:rPr lang="en-US" sz="2400" i="1" dirty="0" smtClean="0">
-                <a:hlinkClick r:id="rId4"/>
-              </a:rPr>
-              <a:t>Optimization</a:t>
-            </a:r>
-            <a:endParaRPr lang="en-US" sz="2400" i="1" dirty="0" smtClean="0"/>
+              <a:t>Intro to Mathematical Optimization</a:t>
+            </a:r>
+            <a:endParaRPr lang="en-US" sz="2400" i="1" dirty="0"/>
           </a:p>
           <a:p>
             <a:pPr marL="154951" lvl="1" indent="0">
